--- a/actuator.pptx
+++ b/actuator.pptx
@@ -251,7 +251,7 @@
           <a:p>
             <a:fld id="{1411AD4A-142D-49F5-BC1E-BE60D7E78DA5}" type="datetimeFigureOut">
               <a:rPr lang="ru-RU" smtClean="0"/>
-              <a:t>05.02.2020</a:t>
+              <a:t>06.02.2020</a:t>
             </a:fld>
             <a:endParaRPr lang="ru-RU"/>
           </a:p>
@@ -421,7 +421,7 @@
           <a:p>
             <a:fld id="{1411AD4A-142D-49F5-BC1E-BE60D7E78DA5}" type="datetimeFigureOut">
               <a:rPr lang="ru-RU" smtClean="0"/>
-              <a:t>05.02.2020</a:t>
+              <a:t>06.02.2020</a:t>
             </a:fld>
             <a:endParaRPr lang="ru-RU"/>
           </a:p>
@@ -601,7 +601,7 @@
           <a:p>
             <a:fld id="{1411AD4A-142D-49F5-BC1E-BE60D7E78DA5}" type="datetimeFigureOut">
               <a:rPr lang="ru-RU" smtClean="0"/>
-              <a:t>05.02.2020</a:t>
+              <a:t>06.02.2020</a:t>
             </a:fld>
             <a:endParaRPr lang="ru-RU"/>
           </a:p>
@@ -771,7 +771,7 @@
           <a:p>
             <a:fld id="{1411AD4A-142D-49F5-BC1E-BE60D7E78DA5}" type="datetimeFigureOut">
               <a:rPr lang="ru-RU" smtClean="0"/>
-              <a:t>05.02.2020</a:t>
+              <a:t>06.02.2020</a:t>
             </a:fld>
             <a:endParaRPr lang="ru-RU"/>
           </a:p>
@@ -1017,7 +1017,7 @@
           <a:p>
             <a:fld id="{1411AD4A-142D-49F5-BC1E-BE60D7E78DA5}" type="datetimeFigureOut">
               <a:rPr lang="ru-RU" smtClean="0"/>
-              <a:t>05.02.2020</a:t>
+              <a:t>06.02.2020</a:t>
             </a:fld>
             <a:endParaRPr lang="ru-RU"/>
           </a:p>
@@ -1249,7 +1249,7 @@
           <a:p>
             <a:fld id="{1411AD4A-142D-49F5-BC1E-BE60D7E78DA5}" type="datetimeFigureOut">
               <a:rPr lang="ru-RU" smtClean="0"/>
-              <a:t>05.02.2020</a:t>
+              <a:t>06.02.2020</a:t>
             </a:fld>
             <a:endParaRPr lang="ru-RU"/>
           </a:p>
@@ -1616,7 +1616,7 @@
           <a:p>
             <a:fld id="{1411AD4A-142D-49F5-BC1E-BE60D7E78DA5}" type="datetimeFigureOut">
               <a:rPr lang="ru-RU" smtClean="0"/>
-              <a:t>05.02.2020</a:t>
+              <a:t>06.02.2020</a:t>
             </a:fld>
             <a:endParaRPr lang="ru-RU"/>
           </a:p>
@@ -1734,7 +1734,7 @@
           <a:p>
             <a:fld id="{1411AD4A-142D-49F5-BC1E-BE60D7E78DA5}" type="datetimeFigureOut">
               <a:rPr lang="ru-RU" smtClean="0"/>
-              <a:t>05.02.2020</a:t>
+              <a:t>06.02.2020</a:t>
             </a:fld>
             <a:endParaRPr lang="ru-RU"/>
           </a:p>
@@ -1829,7 +1829,7 @@
           <a:p>
             <a:fld id="{1411AD4A-142D-49F5-BC1E-BE60D7E78DA5}" type="datetimeFigureOut">
               <a:rPr lang="ru-RU" smtClean="0"/>
-              <a:t>05.02.2020</a:t>
+              <a:t>06.02.2020</a:t>
             </a:fld>
             <a:endParaRPr lang="ru-RU"/>
           </a:p>
@@ -2106,7 +2106,7 @@
           <a:p>
             <a:fld id="{1411AD4A-142D-49F5-BC1E-BE60D7E78DA5}" type="datetimeFigureOut">
               <a:rPr lang="ru-RU" smtClean="0"/>
-              <a:t>05.02.2020</a:t>
+              <a:t>06.02.2020</a:t>
             </a:fld>
             <a:endParaRPr lang="ru-RU"/>
           </a:p>
@@ -2359,7 +2359,7 @@
           <a:p>
             <a:fld id="{1411AD4A-142D-49F5-BC1E-BE60D7E78DA5}" type="datetimeFigureOut">
               <a:rPr lang="ru-RU" smtClean="0"/>
-              <a:t>05.02.2020</a:t>
+              <a:t>06.02.2020</a:t>
             </a:fld>
             <a:endParaRPr lang="ru-RU"/>
           </a:p>
@@ -2572,7 +2572,7 @@
           <a:p>
             <a:fld id="{1411AD4A-142D-49F5-BC1E-BE60D7E78DA5}" type="datetimeFigureOut">
               <a:rPr lang="ru-RU" smtClean="0"/>
-              <a:t>05.02.2020</a:t>
+              <a:t>06.02.2020</a:t>
             </a:fld>
             <a:endParaRPr lang="ru-RU"/>
           </a:p>
@@ -3063,12 +3063,6 @@
               </a:rPr>
               <a:t> </a:t>
             </a:r>
-            <a:endParaRPr lang="ru-RU" sz="3200" dirty="0" smtClean="0">
-              <a:solidFill>
-                <a:schemeClr val="accent1"/>
-              </a:solidFill>
-              <a:latin typeface="+mj-lt"/>
-            </a:endParaRPr>
           </a:p>
           <a:p>
             <a:endParaRPr lang="ru-RU" sz="1500" b="1" dirty="0" smtClean="0">
@@ -3108,7 +3102,19 @@
               <a:rPr lang="ru-RU" dirty="0" smtClean="0">
                 <a:latin typeface="+mj-lt"/>
               </a:rPr>
-              <a:t>С ФУНКЦИЯМИ ДИАЛОГА, МОНИТОРИНГА КАЧЕСТВА ВОЗДУХА, ПОЖАРОТУШЕНИЯ, ОХРАНА ПОМЕЩЕНИЯ</a:t>
+              <a:t>С ФУНКЦИЯМИ ДИАЛОГА, МОНИТОРИНГА КАЧЕСТВА ВОЗДУХА, ПОЖАРОТУШЕНИЯ, </a:t>
+            </a:r>
+            <a:r>
+              <a:rPr lang="ru-RU" dirty="0" smtClean="0">
+                <a:latin typeface="+mj-lt"/>
+              </a:rPr>
+              <a:t>ОХРАНЫ </a:t>
+            </a:r>
+            <a:r>
+              <a:rPr lang="ru-RU" dirty="0" smtClean="0">
+                <a:latin typeface="+mj-lt"/>
+              </a:rPr>
+              <a:t>ПОМЕЩЕНИЯ</a:t>
             </a:r>
             <a:r>
               <a:rPr lang="ru-RU" sz="1500" dirty="0" smtClean="0">
@@ -3277,13 +3283,8 @@
             </a:r>
             <a:r>
               <a:rPr lang="ru-RU" dirty="0" smtClean="0"/>
-              <a:t>ПРОЕКТА </a:t>
-            </a:r>
-            <a:r>
-              <a:rPr lang="ru-RU" dirty="0" smtClean="0"/>
-              <a:t>ЕАЭС:</a:t>
-            </a:r>
-            <a:endParaRPr lang="ru-RU" dirty="0" smtClean="0"/>
+              <a:t>ПРОЕКТА ЕАЭС:</a:t>
+            </a:r>
           </a:p>
           <a:p>
             <a:r>
@@ -3292,11 +3293,7 @@
             </a:r>
             <a:r>
               <a:rPr lang="ru-RU" b="1" dirty="0" smtClean="0"/>
-              <a:t>50</a:t>
-            </a:r>
-            <a:r>
-              <a:rPr lang="ru-RU" b="1" dirty="0" smtClean="0"/>
-              <a:t>%  </a:t>
+              <a:t>50%  </a:t>
             </a:r>
             <a:endParaRPr lang="ru-RU" b="1" dirty="0"/>
           </a:p>
@@ -3433,7 +3430,6 @@
               <a:rPr lang="ru-RU" b="1" dirty="0" smtClean="0"/>
               <a:t>1 МЛРД (ГОД).</a:t>
             </a:r>
-            <a:endParaRPr lang="ru-RU" b="1" dirty="0" smtClean="0"/>
           </a:p>
         </p:txBody>
       </p:sp>
@@ -3527,7 +3523,7 @@
         <p:spPr>
           <a:xfrm>
             <a:off x="7988003" y="3032000"/>
-            <a:ext cx="3632469" cy="646331"/>
+            <a:ext cx="4017254" cy="646331"/>
           </a:xfrm>
           <a:prstGeom prst="rect">
             <a:avLst/>
@@ -3541,7 +3537,15 @@
           <a:p>
             <a:r>
               <a:rPr lang="ru-RU" dirty="0" smtClean="0"/>
-              <a:t>ТРЕБУЕМАЯ СУММА ИНВЕСТИЦИЙ:</a:t>
+              <a:t>НЕОБХОДИМАЯ</a:t>
+            </a:r>
+            <a:r>
+              <a:rPr lang="ru-RU" dirty="0" smtClean="0"/>
+              <a:t> </a:t>
+            </a:r>
+            <a:r>
+              <a:rPr lang="ru-RU" dirty="0" smtClean="0"/>
+              <a:t>СУММА ИНВЕСТИЦИЙ:</a:t>
             </a:r>
           </a:p>
           <a:p>
@@ -4413,11 +4417,7 @@
           <a:p>
             <a:r>
               <a:rPr lang="ru-RU" dirty="0" smtClean="0"/>
-              <a:t>ОБРАБОТКА </a:t>
-            </a:r>
-            <a:r>
-              <a:rPr lang="ru-RU" dirty="0" smtClean="0"/>
-              <a:t>УЛЬТРАФИОЛЕТОМ</a:t>
+              <a:t>ОБРАБОТКА УЛЬТРАФИОЛЕТОМ</a:t>
             </a:r>
           </a:p>
           <a:p>
@@ -4444,7 +4444,7 @@
         <p:spPr>
           <a:xfrm>
             <a:off x="349578" y="4910870"/>
-            <a:ext cx="3259995" cy="538609"/>
+            <a:ext cx="3706464" cy="538609"/>
           </a:xfrm>
           <a:prstGeom prst="rect">
             <a:avLst/>
@@ -4462,14 +4462,18 @@
             </a:r>
             <a:r>
               <a:rPr lang="ru-RU" dirty="0" smtClean="0"/>
-              <a:t>ООБРАБОТКА</a:t>
+              <a:t>ОБРАБОТКА</a:t>
             </a:r>
             <a:endParaRPr lang="ru-RU" dirty="0" smtClean="0"/>
           </a:p>
           <a:p>
             <a:r>
               <a:rPr lang="ru-RU" sz="1100" dirty="0" smtClean="0"/>
-              <a:t>ОЧИСТКА ТРУДНОДОСТУПНЫХ  УЧАСТКОВ ПОЛА</a:t>
+              <a:t>ОЧИСТКА ТРУДНОДОСТУПНЫХ  УЧАСТКОВ </a:t>
+            </a:r>
+            <a:r>
+              <a:rPr lang="ru-RU" sz="1100" dirty="0" smtClean="0"/>
+              <a:t>ПОВЕРХНОСТЕЙ</a:t>
             </a:r>
             <a:endParaRPr lang="ru-RU" sz="1100" dirty="0"/>
           </a:p>
@@ -4579,7 +4583,7 @@
         <p:spPr>
           <a:xfrm>
             <a:off x="349578" y="3444733"/>
-            <a:ext cx="4006225" cy="538609"/>
+            <a:ext cx="3555782" cy="538609"/>
           </a:xfrm>
           <a:prstGeom prst="rect">
             <a:avLst/>
@@ -4593,13 +4597,21 @@
           <a:p>
             <a:r>
               <a:rPr lang="ru-RU" dirty="0" smtClean="0"/>
-              <a:t>ЗАКРЫТЫЙ ЦИКЛ ОЧИСТКИ ВОДЫ</a:t>
+              <a:t>ФИЛЬТРАЦИЯ </a:t>
+            </a:r>
+            <a:r>
+              <a:rPr lang="ru-RU" dirty="0" smtClean="0"/>
+              <a:t>ВОДЫ</a:t>
             </a:r>
           </a:p>
           <a:p>
             <a:r>
               <a:rPr lang="ru-RU" sz="1100" dirty="0" smtClean="0"/>
-              <a:t>ФИЛЬТРАЦИЯ ВОДЫ ДЛЯ МНОГОКРАТНОГО ИСПОЛЬЗОВАНИЯ  </a:t>
+              <a:t>ОЧИСТКА ВОДЫ ДЛЯ ПОВТОРНОГО </a:t>
+            </a:r>
+            <a:r>
+              <a:rPr lang="ru-RU" sz="1100" dirty="0" smtClean="0"/>
+              <a:t>ИСПОЛЬЗОВАНИЯ  </a:t>
             </a:r>
             <a:endParaRPr lang="ru-RU" sz="1100" dirty="0"/>
           </a:p>
@@ -4697,7 +4709,7 @@
         <p:spPr>
           <a:xfrm>
             <a:off x="8061747" y="5635908"/>
-            <a:ext cx="4178547" cy="877163"/>
+            <a:ext cx="4130253" cy="707886"/>
           </a:xfrm>
           <a:prstGeom prst="rect">
             <a:avLst/>
@@ -4711,13 +4723,8 @@
           <a:p>
             <a:r>
               <a:rPr lang="ru-RU" dirty="0" smtClean="0"/>
-              <a:t>МОТОР-КОЛЕСА, </a:t>
-            </a:r>
-            <a:r>
-              <a:rPr lang="ru-RU" dirty="0" smtClean="0"/>
-              <a:t>РЕКУПЕРАЦИЯ</a:t>
-            </a:r>
-            <a:endParaRPr lang="ru-RU" dirty="0" smtClean="0"/>
+              <a:t>МОТОР-КОЛЕСА, РЕКУПЕРАЦИЯ</a:t>
+            </a:r>
           </a:p>
           <a:p>
             <a:r>
@@ -4726,13 +4733,7 @@
             </a:r>
             <a:r>
               <a:rPr lang="ru-RU" sz="1100" dirty="0" smtClean="0"/>
-              <a:t>РАЗВОРОТА</a:t>
-            </a:r>
-          </a:p>
-          <a:p>
-            <a:r>
-              <a:rPr lang="ru-RU" sz="1100" dirty="0" smtClean="0"/>
-              <a:t>С </a:t>
+              <a:t>РАЗВОРОТА С </a:t>
             </a:r>
             <a:r>
               <a:rPr lang="ru-RU" sz="1100" dirty="0" smtClean="0"/>
@@ -4849,7 +4850,7 @@
         <p:spPr>
           <a:xfrm>
             <a:off x="335601" y="2044351"/>
-            <a:ext cx="4153701" cy="707886"/>
+            <a:ext cx="4474302" cy="707886"/>
           </a:xfrm>
           <a:prstGeom prst="rect">
             <a:avLst/>
@@ -4869,8 +4870,13 @@
           <a:p>
             <a:r>
               <a:rPr lang="ru-RU" sz="1100" dirty="0" smtClean="0"/>
-              <a:t>АВТОМАТИЧЕСКАЯ СМЕНА АККУМУЛЯТОРОВ И ЗАПРАВКА ВОДОЙ</a:t>
-            </a:r>
+              <a:t>АВТОМАТИЧЕСКАЯ СМЕНА </a:t>
+            </a:r>
+            <a:r>
+              <a:rPr lang="ru-RU" sz="1100" dirty="0" smtClean="0"/>
+              <a:t>АККУМУЛЯТОРОВ, ЗАПРАВКА ВОДЫ И СЛИВ</a:t>
+            </a:r>
+            <a:endParaRPr lang="ru-RU" sz="1100" dirty="0" smtClean="0"/>
           </a:p>
           <a:p>
             <a:endParaRPr lang="ru-RU" sz="1100" dirty="0"/>
@@ -5467,19 +5473,7 @@
               <a:rPr lang="ru-RU" dirty="0" smtClean="0">
                 <a:latin typeface="+mj-lt"/>
               </a:rPr>
-              <a:t>• </a:t>
-            </a:r>
-            <a:r>
-              <a:rPr lang="ru-RU" dirty="0" smtClean="0">
-                <a:latin typeface="+mj-lt"/>
-              </a:rPr>
-              <a:t>МАЛОШУМНЫЕ И ЭНЕРГОЭФФЕКТИВНЫЕ </a:t>
-            </a:r>
-            <a:r>
-              <a:rPr lang="ru-RU" dirty="0" smtClean="0">
-                <a:latin typeface="+mj-lt"/>
-              </a:rPr>
-              <a:t>ДВИГАТЕЛИ ОСЕВОГО ПОТОКА</a:t>
+              <a:t>• МАЛОШУМНЫЕ И ЭНЕРГОЭФФЕКТИВНЫЕ ДВИГАТЕЛИ ОСЕВОГО ПОТОКА</a:t>
             </a:r>
             <a:endParaRPr lang="ru-RU" dirty="0">
               <a:latin typeface="+mj-lt"/>
@@ -5496,37 +5490,7 @@
               <a:rPr lang="ru-RU" dirty="0" smtClean="0">
                 <a:latin typeface="+mj-lt"/>
               </a:rPr>
-              <a:t>МАЛЫЕ ГАБАРИТЫ </a:t>
-            </a:r>
-            <a:r>
-              <a:rPr lang="ru-RU" dirty="0" smtClean="0">
-                <a:latin typeface="+mj-lt"/>
-              </a:rPr>
-              <a:t>ДВИГАТЕЛЕЙ </a:t>
-            </a:r>
-            <a:r>
-              <a:rPr lang="ru-RU" dirty="0" smtClean="0">
-                <a:latin typeface="+mj-lt"/>
-              </a:rPr>
-              <a:t>И </a:t>
-            </a:r>
-            <a:r>
-              <a:rPr lang="ru-RU" dirty="0" smtClean="0">
-                <a:latin typeface="+mj-lt"/>
-              </a:rPr>
-              <a:t>ВЕС</a:t>
-            </a:r>
-            <a:r>
-              <a:rPr lang="ru-RU" dirty="0" smtClean="0">
-                <a:latin typeface="+mj-lt"/>
-              </a:rPr>
-              <a:t> </a:t>
-            </a:r>
-            <a:r>
-              <a:rPr lang="ru-RU" dirty="0" smtClean="0">
-                <a:latin typeface="+mj-lt"/>
-              </a:rPr>
-              <a:t>ПРИ ВЫСОКОЙ МОЩНОСТИ </a:t>
+              <a:t>МАЛЫЕ ГАБАРИТЫ ДВИГАТЕЛЕЙ И ВЕС ПРИ ВЫСОКОЙ МОЩНОСТИ </a:t>
             </a:r>
             <a:endParaRPr lang="en-US" dirty="0">
               <a:latin typeface="+mj-lt"/>
@@ -5947,8 +5911,8 @@
         </p:nvSpPr>
         <p:spPr>
           <a:xfrm>
-            <a:off x="3962400" y="3880803"/>
-            <a:ext cx="7878695" cy="369332"/>
+            <a:off x="4996869" y="3862785"/>
+            <a:ext cx="6160661" cy="369332"/>
           </a:xfrm>
           <a:prstGeom prst="rect">
             <a:avLst/>
@@ -5964,35 +5928,13 @@
               <a:rPr lang="ru-RU" b="1" dirty="0" smtClean="0">
                 <a:latin typeface="+mj-lt"/>
               </a:rPr>
-              <a:t>КОНКУРЕНТНЫЕ ПРЕИМУЩЕСТВА И РЕШАЕМЫЕ ПРОБЛЕМЫ </a:t>
-            </a:r>
-            <a:r>
-              <a:rPr lang="ru-RU" dirty="0" smtClean="0">
-                <a:solidFill>
-                  <a:schemeClr val="accent1">
-                    <a:lumMod val="75000"/>
-                  </a:schemeClr>
-                </a:solidFill>
-                <a:latin typeface="+mj-lt"/>
-              </a:rPr>
-              <a:t>РОБОТА </a:t>
-            </a:r>
-            <a:r>
-              <a:rPr lang="en-US" dirty="0" smtClean="0">
-                <a:solidFill>
-                  <a:schemeClr val="accent1">
-                    <a:lumMod val="75000"/>
-                  </a:schemeClr>
-                </a:solidFill>
-                <a:latin typeface="+mj-lt"/>
-              </a:rPr>
-              <a:t>ACTUATOR</a:t>
+              <a:t>КОНКУРЕНТНЫЕ ПРЕИМУЩЕСТВА И РЕШАЕМЫЕ </a:t>
             </a:r>
             <a:r>
               <a:rPr lang="ru-RU" b="1" dirty="0" smtClean="0">
                 <a:latin typeface="+mj-lt"/>
               </a:rPr>
-              <a:t>:</a:t>
+              <a:t>ПРОБЛЕМЫ:</a:t>
             </a:r>
             <a:endParaRPr lang="ru-RU" b="1" dirty="0">
               <a:latin typeface="+mj-lt"/>
@@ -6008,7 +5950,7 @@
         </p:nvSpPr>
         <p:spPr>
           <a:xfrm>
-            <a:off x="4422264" y="4869934"/>
+            <a:off x="4041264" y="4869934"/>
             <a:ext cx="300082" cy="369332"/>
           </a:xfrm>
           <a:prstGeom prst="rect">
@@ -6043,7 +5985,7 @@
         </p:nvSpPr>
         <p:spPr>
           <a:xfrm>
-            <a:off x="4422264" y="6092860"/>
+            <a:off x="4041264" y="6092860"/>
             <a:ext cx="300082" cy="369332"/>
           </a:xfrm>
           <a:prstGeom prst="rect">
@@ -6078,7 +6020,7 @@
         </p:nvSpPr>
         <p:spPr>
           <a:xfrm>
-            <a:off x="4422264" y="5481397"/>
+            <a:off x="4041264" y="5481397"/>
             <a:ext cx="300082" cy="369332"/>
           </a:xfrm>
           <a:prstGeom prst="rect">
@@ -6218,7 +6160,7 @@
         </p:nvSpPr>
         <p:spPr>
           <a:xfrm>
-            <a:off x="5131437" y="4328637"/>
+            <a:off x="4750437" y="4328637"/>
             <a:ext cx="1475084" cy="369332"/>
           </a:xfrm>
           <a:prstGeom prst="rect">
@@ -6251,7 +6193,7 @@
         </p:nvSpPr>
         <p:spPr>
           <a:xfrm>
-            <a:off x="9841808" y="4330229"/>
+            <a:off x="9841808" y="4341672"/>
             <a:ext cx="1447832" cy="369332"/>
           </a:xfrm>
           <a:prstGeom prst="rect">
@@ -6413,7 +6355,7 @@
         </p:nvSpPr>
         <p:spPr>
           <a:xfrm>
-            <a:off x="4722346" y="4869934"/>
+            <a:off x="4341346" y="4869934"/>
             <a:ext cx="2351926" cy="369332"/>
           </a:xfrm>
           <a:prstGeom prst="rect">
@@ -6456,7 +6398,7 @@
         </p:nvSpPr>
         <p:spPr>
           <a:xfrm>
-            <a:off x="4722346" y="5481397"/>
+            <a:off x="4341346" y="5481397"/>
             <a:ext cx="2645276" cy="369332"/>
           </a:xfrm>
           <a:prstGeom prst="rect">
@@ -6499,7 +6441,7 @@
         </p:nvSpPr>
         <p:spPr>
           <a:xfrm>
-            <a:off x="4734378" y="6092860"/>
+            <a:off x="4353378" y="6092860"/>
             <a:ext cx="1380506" cy="369332"/>
           </a:xfrm>
           <a:prstGeom prst="rect">
@@ -6613,7 +6555,7 @@
         <p:spPr>
           <a:xfrm>
             <a:off x="3978697" y="194977"/>
-            <a:ext cx="7883103" cy="3631763"/>
+            <a:ext cx="7883103" cy="3970318"/>
           </a:xfrm>
           <a:prstGeom prst="rect">
             <a:avLst/>
@@ -6640,31 +6582,92 @@
               <a:rPr lang="ru-RU" dirty="0">
                 <a:latin typeface="+mj-lt"/>
               </a:rPr>
-              <a:t>От 4 до 6 млн. рублей за 10-15% от проекта включая интеллектуальную собственность. За инвестором дополнительно резервируется </a:t>
+              <a:t>О</a:t>
             </a:r>
             <a:r>
               <a:rPr lang="ru-RU" dirty="0" smtClean="0">
                 <a:latin typeface="+mj-lt"/>
               </a:rPr>
+              <a:t>т </a:t>
+            </a:r>
+            <a:r>
+              <a:rPr lang="ru-RU" dirty="0">
+                <a:latin typeface="+mj-lt"/>
+              </a:rPr>
+              <a:t>4 до 6 млн. </a:t>
+            </a:r>
+            <a:r>
+              <a:rPr lang="ru-RU" dirty="0" smtClean="0">
+                <a:latin typeface="+mj-lt"/>
+              </a:rPr>
+              <a:t>рублей за </a:t>
+            </a:r>
+            <a:r>
+              <a:rPr lang="ru-RU" dirty="0">
+                <a:latin typeface="+mj-lt"/>
+              </a:rPr>
+              <a:t>10-15</a:t>
+            </a:r>
+            <a:r>
+              <a:rPr lang="ru-RU" dirty="0" smtClean="0">
+                <a:latin typeface="+mj-lt"/>
+              </a:rPr>
+              <a:t>% от проекта включая созданную в процессе разработок </a:t>
+            </a:r>
+            <a:r>
+              <a:rPr lang="ru-RU" dirty="0">
+                <a:latin typeface="+mj-lt"/>
+              </a:rPr>
+              <a:t>интеллектуальную </a:t>
+            </a:r>
+            <a:r>
+              <a:rPr lang="ru-RU" dirty="0" smtClean="0">
+                <a:latin typeface="+mj-lt"/>
+              </a:rPr>
+              <a:t>собственность, конструкторскую документацию, </a:t>
+            </a:r>
+            <a:r>
+              <a:rPr lang="ru-RU" dirty="0" smtClean="0">
+                <a:latin typeface="+mj-lt"/>
+              </a:rPr>
+              <a:t>промышленные образцы и </a:t>
+            </a:r>
+            <a:r>
+              <a:rPr lang="ru-RU" dirty="0" smtClean="0">
+                <a:latin typeface="+mj-lt"/>
+              </a:rPr>
+              <a:t>лицензии на ПО. </a:t>
+            </a:r>
+            <a:r>
+              <a:rPr lang="ru-RU" dirty="0">
+                <a:latin typeface="+mj-lt"/>
+              </a:rPr>
+              <a:t>За инвестором дополнительно резервируется </a:t>
+            </a:r>
+            <a:r>
+              <a:rPr lang="ru-RU" dirty="0" smtClean="0">
+                <a:latin typeface="+mj-lt"/>
+              </a:rPr>
               <a:t>15-20% </a:t>
             </a:r>
             <a:r>
+              <a:rPr lang="ru-RU" dirty="0" smtClean="0">
+                <a:latin typeface="+mj-lt"/>
+              </a:rPr>
+              <a:t>доля, </a:t>
+            </a:r>
+            <a:r>
               <a:rPr lang="ru-RU" dirty="0">
                 <a:latin typeface="+mj-lt"/>
               </a:rPr>
-              <a:t>доля в проекте, с возможностью выкупа по первоначальной стоимости</a:t>
+              <a:t>с возможностью выкупа по первоначальной </a:t>
             </a:r>
             <a:r>
               <a:rPr lang="ru-RU" dirty="0" smtClean="0">
                 <a:latin typeface="+mj-lt"/>
               </a:rPr>
-              <a:t>.</a:t>
-            </a:r>
-            <a:endParaRPr lang="en-US" dirty="0" smtClean="0">
-              <a:latin typeface="+mj-lt"/>
-            </a:endParaRPr>
-          </a:p>
-          <a:p>
+              <a:t>стоимости в течении 18 месяцев (400 тыс. рублей 1%).</a:t>
+            </a:r>
             <a:endParaRPr lang="ru-RU" sz="1400" dirty="0">
               <a:latin typeface="+mj-lt"/>
             </a:endParaRPr>
@@ -6782,10 +6785,20 @@
           </a:p>
           <a:p>
             <a:r>
+              <a:rPr lang="ru-RU" sz="1600" dirty="0"/>
+              <a:t>• </a:t>
+            </a:r>
+            <a:r>
+              <a:rPr lang="ru-RU" sz="1600" dirty="0" smtClean="0">
+                <a:latin typeface="+mj-lt"/>
+              </a:rPr>
+              <a:t>Промышленная </a:t>
+            </a:r>
+            <a:r>
               <a:rPr lang="ru-RU" sz="1600" dirty="0">
                 <a:latin typeface="+mj-lt"/>
               </a:rPr>
-              <a:t>Промышленная апробация: аэропорт, ВУЗ, банк</a:t>
+              <a:t>апробация: аэропорт, ВУЗ, банк</a:t>
             </a:r>
             <a:r>
               <a:rPr lang="ru-RU" sz="1600" dirty="0" smtClean="0">
@@ -6807,7 +6820,7 @@
         </p:nvSpPr>
         <p:spPr>
           <a:xfrm>
-            <a:off x="3978697" y="4047291"/>
+            <a:off x="3978697" y="4216095"/>
             <a:ext cx="934871" cy="369332"/>
           </a:xfrm>
           <a:prstGeom prst="rect">
@@ -6840,7 +6853,7 @@
         </p:nvSpPr>
         <p:spPr>
           <a:xfrm>
-            <a:off x="3978697" y="4305180"/>
+            <a:off x="3978697" y="4503088"/>
             <a:ext cx="8213303" cy="2277547"/>
           </a:xfrm>
           <a:prstGeom prst="rect">
@@ -6938,19 +6951,20 @@
               <a:rPr lang="ru-RU" sz="1600" b="1" dirty="0">
                 <a:latin typeface="+mj-lt"/>
               </a:rPr>
-              <a:t>44% в год</a:t>
-            </a:r>
-            <a:r>
-              <a:rPr lang="ru-RU" sz="1600" dirty="0">
+              <a:t>44</a:t>
+            </a:r>
+            <a:r>
+              <a:rPr lang="ru-RU" sz="1600" b="1" dirty="0" smtClean="0">
+                <a:latin typeface="+mj-lt"/>
+              </a:rPr>
+              <a:t>%</a:t>
+            </a:r>
+            <a:r>
+              <a:rPr lang="ru-RU" sz="1600" dirty="0" smtClean="0">
                 <a:latin typeface="+mj-lt"/>
               </a:rPr>
               <a:t>. </a:t>
             </a:r>
-            <a:endParaRPr lang="ru-RU" sz="1600" dirty="0" smtClean="0">
-              <a:latin typeface="+mj-lt"/>
-            </a:endParaRPr>
-          </a:p>
-          <a:p>
             <a:endParaRPr lang="ru-RU" sz="1600" dirty="0">
               <a:latin typeface="+mj-lt"/>
             </a:endParaRPr>
@@ -7042,6 +7056,9 @@
               <a:rPr lang="ru-RU" sz="1600" b="1" dirty="0" smtClean="0"/>
               <a:t> </a:t>
             </a:r>
+            <a:endParaRPr lang="ru-RU" sz="1600" b="1" dirty="0" smtClean="0"/>
+          </a:p>
+          <a:p>
             <a:endParaRPr lang="ru-RU" sz="1600" b="1" dirty="0">
               <a:latin typeface="+mj-lt"/>
             </a:endParaRPr>
@@ -7051,9 +7068,18 @@
               <a:rPr lang="ru-RU" sz="1400" dirty="0" smtClean="0">
                 <a:hlinkClick r:id="rId3"/>
               </a:rPr>
-              <a:t> → ТРЕНДЫ В ОБЛАСТИ КЛИНИНГОВЫХ РОБОТОВ</a:t>
-            </a:r>
-            <a:endParaRPr lang="ru-RU" sz="1400" dirty="0"/>
+              <a:t> </a:t>
+            </a:r>
+            <a:r>
+              <a:rPr lang="ru-RU" sz="1400" dirty="0" smtClean="0">
+                <a:latin typeface="Century Gothic" panose="020B0502020202020204" pitchFamily="34" charset="0"/>
+                <a:hlinkClick r:id="rId3"/>
+              </a:rPr>
+              <a:t>→ ТРЕНДЫ В ОБЛАСТИ КЛИНИНГОВЫХ РОБОТОВ</a:t>
+            </a:r>
+            <a:endParaRPr lang="ru-RU" sz="1400" dirty="0">
+              <a:latin typeface="Century Gothic" panose="020B0502020202020204" pitchFamily="34" charset="0"/>
+            </a:endParaRPr>
           </a:p>
         </p:txBody>
       </p:sp>
@@ -7112,13 +7138,7 @@
               <a:rPr lang="ru-RU" sz="1200" b="1" spc="50" dirty="0" smtClean="0">
                 <a:cs typeface="Arial"/>
               </a:rPr>
-              <a:t>ДМИТРИЙ</a:t>
-            </a:r>
-            <a:r>
-              <a:rPr lang="ru-RU" sz="1200" b="1" spc="50" dirty="0" smtClean="0">
-                <a:cs typeface="Arial"/>
-              </a:rPr>
-              <a:t> ФИЛИППОВ</a:t>
+              <a:t>ДМИТРИЙ ФИЛИППОВ</a:t>
             </a:r>
             <a:endParaRPr lang="ru-RU" sz="1200" dirty="0"/>
           </a:p>
@@ -7162,7 +7182,7 @@
         </p:nvSpPr>
         <p:spPr>
           <a:xfrm>
-            <a:off x="9262435" y="1654566"/>
+            <a:off x="9262435" y="1676618"/>
             <a:ext cx="1470724" cy="276999"/>
           </a:xfrm>
           <a:prstGeom prst="rect">
@@ -7194,7 +7214,7 @@
         <p:spPr>
           <a:xfrm>
             <a:off x="377339" y="1953617"/>
-            <a:ext cx="3765333" cy="984885"/>
+            <a:ext cx="3765333" cy="1169551"/>
           </a:xfrm>
           <a:prstGeom prst="rect">
             <a:avLst/>
@@ -7212,19 +7232,32 @@
                 <a:latin typeface="+mj-lt"/>
                 <a:cs typeface="Arial"/>
               </a:rPr>
-              <a:t>Кандидат технических </a:t>
-            </a:r>
+              <a:t>Кандидат технических наук.</a:t>
+            </a:r>
+          </a:p>
+          <a:p>
+            <a:pPr algn="ctr"/>
             <a:r>
               <a:rPr lang="ru-RU" sz="1200" spc="50" dirty="0" smtClean="0">
                 <a:latin typeface="+mj-lt"/>
                 <a:cs typeface="Arial"/>
               </a:rPr>
-              <a:t>наук.</a:t>
-            </a:r>
-            <a:endParaRPr lang="ru-RU" sz="1200" spc="50" dirty="0" smtClean="0">
-              <a:latin typeface="+mj-lt"/>
-              <a:cs typeface="Arial"/>
-            </a:endParaRPr>
+              <a:t>  Автор</a:t>
+            </a:r>
+            <a:r>
+              <a:rPr lang="en-US" sz="1200" spc="50" dirty="0" smtClean="0">
+                <a:latin typeface="+mj-lt"/>
+                <a:cs typeface="Arial"/>
+              </a:rPr>
+              <a:t>/</a:t>
+            </a:r>
+            <a:r>
+              <a:rPr lang="ru-RU" sz="1200" spc="50" dirty="0" smtClean="0">
+                <a:latin typeface="+mj-lt"/>
+                <a:cs typeface="Arial"/>
+              </a:rPr>
+              <a:t>разработчик технологии:</a:t>
+            </a:r>
           </a:p>
           <a:p>
             <a:pPr algn="ctr"/>
@@ -7233,59 +7266,24 @@
                 <a:latin typeface="+mj-lt"/>
                 <a:cs typeface="Arial"/>
               </a:rPr>
-              <a:t> </a:t>
+              <a:t> «Электрические машины </a:t>
             </a:r>
             <a:r>
               <a:rPr lang="ru-RU" sz="1200" spc="50" dirty="0" smtClean="0">
                 <a:latin typeface="+mj-lt"/>
                 <a:cs typeface="Arial"/>
               </a:rPr>
-              <a:t> </a:t>
-            </a:r>
+              <a:t>осевого</a:t>
+            </a:r>
+          </a:p>
+          <a:p>
+            <a:pPr algn="ctr"/>
             <a:r>
               <a:rPr lang="ru-RU" sz="1200" spc="50" dirty="0" smtClean="0">
                 <a:latin typeface="+mj-lt"/>
                 <a:cs typeface="Arial"/>
               </a:rPr>
-              <a:t>Автор</a:t>
-            </a:r>
-            <a:r>
-              <a:rPr lang="en-US" sz="1200" spc="50" dirty="0" smtClean="0">
-                <a:latin typeface="+mj-lt"/>
-                <a:cs typeface="Arial"/>
-              </a:rPr>
-              <a:t>/</a:t>
-            </a:r>
-            <a:r>
-              <a:rPr lang="ru-RU" sz="1200" spc="50" dirty="0" smtClean="0">
-                <a:latin typeface="+mj-lt"/>
-                <a:cs typeface="Arial"/>
-              </a:rPr>
-              <a:t>разработчик </a:t>
-            </a:r>
-            <a:r>
-              <a:rPr lang="ru-RU" sz="1200" spc="50" dirty="0" smtClean="0">
-                <a:latin typeface="+mj-lt"/>
-                <a:cs typeface="Arial"/>
-              </a:rPr>
-              <a:t>технологии:</a:t>
-            </a:r>
-          </a:p>
-          <a:p>
-            <a:pPr algn="ctr"/>
-            <a:r>
-              <a:rPr lang="ru-RU" sz="1200" spc="50" dirty="0" smtClean="0">
-                <a:latin typeface="+mj-lt"/>
-                <a:cs typeface="Arial"/>
-              </a:rPr>
-              <a:t> «Электрические машины осевого потока</a:t>
-            </a:r>
-            <a:r>
-              <a:rPr lang="ru-RU" sz="1200" spc="50" dirty="0" smtClean="0">
-                <a:latin typeface="+mj-lt"/>
-                <a:cs typeface="Arial"/>
-              </a:rPr>
-              <a:t>»</a:t>
+              <a:t> потока с цифровым управлением»</a:t>
             </a:r>
             <a:r>
               <a:rPr lang="en-US" sz="1200" spc="50" dirty="0" smtClean="0">
@@ -7408,14 +7406,7 @@
                 <a:latin typeface="+mj-lt"/>
                 <a:cs typeface="Arial"/>
               </a:rPr>
-              <a:t> </a:t>
-            </a:r>
-            <a:r>
-              <a:rPr lang="ru-RU" sz="1200" spc="50" dirty="0" smtClean="0">
-                <a:latin typeface="+mj-lt"/>
-                <a:cs typeface="Arial"/>
-              </a:rPr>
-              <a:t>«Когнитивная </a:t>
+              <a:t> «Когнитивная </a:t>
             </a:r>
             <a:r>
               <a:rPr lang="ru-RU" sz="1200" spc="50" dirty="0" err="1" smtClean="0">
@@ -7554,7 +7545,7 @@
         </p:nvSpPr>
         <p:spPr>
           <a:xfrm>
-            <a:off x="5206316" y="1681391"/>
+            <a:off x="5206316" y="1713553"/>
             <a:ext cx="1918282" cy="276999"/>
           </a:xfrm>
           <a:prstGeom prst="rect">
@@ -7670,33 +7661,22 @@
                 <a:latin typeface="+mj-lt"/>
                 <a:cs typeface="Arial"/>
               </a:rPr>
-              <a:t> </a:t>
+              <a:t> «Когнитивная </a:t>
+            </a:r>
+            <a:r>
+              <a:rPr lang="ru-RU" sz="1200" spc="50" dirty="0" err="1" smtClean="0">
+                <a:latin typeface="+mj-lt"/>
+                <a:cs typeface="Arial"/>
+              </a:rPr>
+              <a:t>радиооптика</a:t>
             </a:r>
             <a:r>
               <a:rPr lang="ru-RU" sz="1200" spc="50" dirty="0" smtClean="0">
                 <a:latin typeface="+mj-lt"/>
                 <a:cs typeface="Arial"/>
               </a:rPr>
-              <a:t>«Когнитивная </a:t>
-            </a:r>
-            <a:r>
-              <a:rPr lang="ru-RU" sz="1200" spc="50" dirty="0" err="1" smtClean="0">
-                <a:latin typeface="+mj-lt"/>
-                <a:cs typeface="Arial"/>
-              </a:rPr>
-              <a:t>радиооптика</a:t>
-            </a:r>
-            <a:r>
-              <a:rPr lang="ru-RU" sz="1200" spc="50" dirty="0" smtClean="0">
-                <a:latin typeface="+mj-lt"/>
-                <a:cs typeface="Arial"/>
-              </a:rPr>
               <a:t>».</a:t>
             </a:r>
-            <a:endParaRPr lang="ru-RU" sz="1200" spc="50" dirty="0" smtClean="0">
-              <a:latin typeface="+mj-lt"/>
-              <a:cs typeface="Arial"/>
-            </a:endParaRPr>
           </a:p>
           <a:p>
             <a:pPr algn="ctr"/>
@@ -7753,7 +7733,7 @@
           <a:graphicData uri="http://schemas.openxmlformats.org/presentationml/2006/ole">
             <mc:AlternateContent xmlns:mc="http://schemas.openxmlformats.org/markup-compatibility/2006">
               <mc:Choice xmlns:v="urn:schemas-microsoft-com:vml" Requires="v">
-                <p:oleObj spid="_x0000_s1058" name="CorelDRAW" r:id="rId9" imgW="2869611" imgH="3265201" progId="CorelDraw.Graphic.19">
+                <p:oleObj spid="_x0000_s1071" name="CorelDRAW" r:id="rId9" imgW="2869611" imgH="3265201" progId="CorelDraw.Graphic.19">
                   <p:embed/>
                 </p:oleObj>
               </mc:Choice>
@@ -8211,8 +8191,8 @@
         </p:blipFill>
         <p:spPr>
           <a:xfrm>
-            <a:off x="1425979" y="217367"/>
-            <a:ext cx="1634721" cy="1358370"/>
+            <a:off x="1425979" y="203939"/>
+            <a:ext cx="1741487" cy="1371798"/>
           </a:xfrm>
           <a:prstGeom prst="rect">
             <a:avLst/>

--- a/actuator.pptx
+++ b/actuator.pptx
@@ -3102,19 +3102,7 @@
               <a:rPr lang="ru-RU" dirty="0" smtClean="0">
                 <a:latin typeface="+mj-lt"/>
               </a:rPr>
-              <a:t>С ФУНКЦИЯМИ ДИАЛОГА, МОНИТОРИНГА КАЧЕСТВА ВОЗДУХА, ПОЖАРОТУШЕНИЯ, </a:t>
-            </a:r>
-            <a:r>
-              <a:rPr lang="ru-RU" dirty="0" smtClean="0">
-                <a:latin typeface="+mj-lt"/>
-              </a:rPr>
-              <a:t>ОХРАНЫ </a:t>
-            </a:r>
-            <a:r>
-              <a:rPr lang="ru-RU" dirty="0" smtClean="0">
-                <a:latin typeface="+mj-lt"/>
-              </a:rPr>
-              <a:t>ПОМЕЩЕНИЯ</a:t>
+              <a:t>С ФУНКЦИЯМИ ДИАЛОГА, МОНИТОРИНГА КАЧЕСТВА ВОЗДУХА, ПОЖАРОТУШЕНИЯ, ОХРАНЫ ПОМЕЩЕНИЯ</a:t>
             </a:r>
             <a:r>
               <a:rPr lang="ru-RU" sz="1500" dirty="0" smtClean="0">
@@ -3224,7 +3212,7 @@
         </p:nvCxnSpPr>
         <p:spPr>
           <a:xfrm flipH="1">
-            <a:off x="4279603" y="3326037"/>
+            <a:off x="4279603" y="3249837"/>
             <a:ext cx="559098" cy="1363"/>
           </a:xfrm>
           <a:prstGeom prst="line">
@@ -3254,7 +3242,7 @@
         </p:nvSpPr>
         <p:spPr>
           <a:xfrm>
-            <a:off x="1317884" y="2938856"/>
+            <a:off x="1317884" y="2862656"/>
             <a:ext cx="2881623" cy="923330"/>
           </a:xfrm>
           <a:prstGeom prst="rect">
@@ -3537,21 +3525,21 @@
           <a:p>
             <a:r>
               <a:rPr lang="ru-RU" dirty="0" smtClean="0"/>
-              <a:t>НЕОБХОДИМАЯ</a:t>
-            </a:r>
-            <a:r>
-              <a:rPr lang="ru-RU" dirty="0" smtClean="0"/>
-              <a:t> </a:t>
-            </a:r>
-            <a:r>
-              <a:rPr lang="ru-RU" dirty="0" smtClean="0"/>
-              <a:t>СУММА ИНВЕСТИЦИЙ:</a:t>
+              <a:t>НЕОБХОДИМАЯ СУММА ИНВЕСТИЦИЙ:</a:t>
             </a:r>
           </a:p>
           <a:p>
             <a:r>
               <a:rPr lang="ru-RU" b="1" dirty="0" smtClean="0"/>
-              <a:t>ОТ 4 ДО 6 МИЛЛИОНОВ РУБЛЕЙ</a:t>
+              <a:t>ОТ 4 ДО 6 </a:t>
+            </a:r>
+            <a:r>
+              <a:rPr lang="ru-RU" b="1" dirty="0" smtClean="0"/>
+              <a:t>МЛН </a:t>
+            </a:r>
+            <a:r>
+              <a:rPr lang="ru-RU" b="1" dirty="0" smtClean="0"/>
+              <a:t>РУБЛЕЙ</a:t>
             </a:r>
             <a:endParaRPr lang="ru-RU" b="1" dirty="0"/>
           </a:p>
@@ -4458,22 +4446,13 @@
           <a:p>
             <a:r>
               <a:rPr lang="ru-RU" dirty="0" smtClean="0"/>
-              <a:t>УЛЬТРАЗВУКОВАЯ </a:t>
-            </a:r>
-            <a:r>
-              <a:rPr lang="ru-RU" dirty="0" smtClean="0"/>
-              <a:t>ОБРАБОТКА</a:t>
-            </a:r>
-            <a:endParaRPr lang="ru-RU" dirty="0" smtClean="0"/>
+              <a:t>УЛЬТРАЗВУКОВАЯ ОБРАБОТКА</a:t>
+            </a:r>
           </a:p>
           <a:p>
             <a:r>
               <a:rPr lang="ru-RU" sz="1100" dirty="0" smtClean="0"/>
-              <a:t>ОЧИСТКА ТРУДНОДОСТУПНЫХ  УЧАСТКОВ </a:t>
-            </a:r>
-            <a:r>
-              <a:rPr lang="ru-RU" sz="1100" dirty="0" smtClean="0"/>
-              <a:t>ПОВЕРХНОСТЕЙ</a:t>
+              <a:t>ОЧИСТКА ТРУДНОДОСТУПНЫХ  УЧАСТКОВ ПОВЕРХНОСТЕЙ</a:t>
             </a:r>
             <a:endParaRPr lang="ru-RU" sz="1100" dirty="0"/>
           </a:p>
@@ -4597,21 +4576,13 @@
           <a:p>
             <a:r>
               <a:rPr lang="ru-RU" dirty="0" smtClean="0"/>
-              <a:t>ФИЛЬТРАЦИЯ </a:t>
-            </a:r>
-            <a:r>
-              <a:rPr lang="ru-RU" dirty="0" smtClean="0"/>
-              <a:t>ВОДЫ</a:t>
+              <a:t>ФИЛЬТРАЦИЯ ВОДЫ</a:t>
             </a:r>
           </a:p>
           <a:p>
             <a:r>
               <a:rPr lang="ru-RU" sz="1100" dirty="0" smtClean="0"/>
-              <a:t>ОЧИСТКА ВОДЫ ДЛЯ ПОВТОРНОГО </a:t>
-            </a:r>
-            <a:r>
-              <a:rPr lang="ru-RU" sz="1100" dirty="0" smtClean="0"/>
-              <a:t>ИСПОЛЬЗОВАНИЯ  </a:t>
+              <a:t>ОЧИСТКА ВОДЫ ДЛЯ ПОВТОРНОГО ИСПОЛЬЗОВАНИЯ  </a:t>
             </a:r>
             <a:endParaRPr lang="ru-RU" sz="1100" dirty="0"/>
           </a:p>
@@ -4729,15 +4700,7 @@
           <a:p>
             <a:r>
               <a:rPr lang="ru-RU" sz="1100" dirty="0" smtClean="0"/>
-              <a:t>НУЛЕВОЙ РАДИУС </a:t>
-            </a:r>
-            <a:r>
-              <a:rPr lang="ru-RU" sz="1100" dirty="0" smtClean="0"/>
-              <a:t>РАЗВОРОТА С </a:t>
-            </a:r>
-            <a:r>
-              <a:rPr lang="ru-RU" sz="1100" dirty="0" smtClean="0"/>
-              <a:t>НЕЗАВИСИМЫМИ ПРИВОДАМИ</a:t>
+              <a:t>НУЛЕВОЙ РАДИУС РАЗВОРОТА С НЕЗАВИСИМЫМИ ПРИВОДАМИ</a:t>
             </a:r>
           </a:p>
           <a:p>
@@ -4870,13 +4833,8 @@
           <a:p>
             <a:r>
               <a:rPr lang="ru-RU" sz="1100" dirty="0" smtClean="0"/>
-              <a:t>АВТОМАТИЧЕСКАЯ СМЕНА </a:t>
-            </a:r>
-            <a:r>
-              <a:rPr lang="ru-RU" sz="1100" dirty="0" smtClean="0"/>
-              <a:t>АККУМУЛЯТОРОВ, ЗАПРАВКА ВОДЫ И СЛИВ</a:t>
-            </a:r>
-            <a:endParaRPr lang="ru-RU" sz="1100" dirty="0" smtClean="0"/>
+              <a:t>АВТОМАТИЧЕСКАЯ СМЕНА АККУМУЛЯТОРОВ, ЗАПРАВКА ВОДЫ И СЛИВ</a:t>
+            </a:r>
           </a:p>
           <a:p>
             <a:endParaRPr lang="ru-RU" sz="1100" dirty="0"/>
@@ -5928,13 +5886,7 @@
               <a:rPr lang="ru-RU" b="1" dirty="0" smtClean="0">
                 <a:latin typeface="+mj-lt"/>
               </a:rPr>
-              <a:t>КОНКУРЕНТНЫЕ ПРЕИМУЩЕСТВА И РЕШАЕМЫЕ </a:t>
-            </a:r>
-            <a:r>
-              <a:rPr lang="ru-RU" b="1" dirty="0" smtClean="0">
-                <a:latin typeface="+mj-lt"/>
-              </a:rPr>
-              <a:t>ПРОБЛЕМЫ:</a:t>
+              <a:t>КОНКУРЕНТНЫЕ ПРЕИМУЩЕСТВА И РЕШАЕМЫЕ ПРОБЛЕМЫ:</a:t>
             </a:r>
             <a:endParaRPr lang="ru-RU" b="1" dirty="0">
               <a:latin typeface="+mj-lt"/>
@@ -6555,7 +6507,7 @@
         <p:spPr>
           <a:xfrm>
             <a:off x="3978697" y="194977"/>
-            <a:ext cx="7883103" cy="3970318"/>
+            <a:ext cx="7883103" cy="3816429"/>
           </a:xfrm>
           <a:prstGeom prst="rect">
             <a:avLst/>
@@ -6579,135 +6531,76 @@
           </a:p>
           <a:p>
             <a:r>
-              <a:rPr lang="ru-RU" dirty="0">
+              <a:rPr lang="ru-RU" sz="1600" dirty="0">
                 <a:latin typeface="+mj-lt"/>
               </a:rPr>
               <a:t>О</a:t>
             </a:r>
             <a:r>
-              <a:rPr lang="ru-RU" dirty="0" smtClean="0">
+              <a:rPr lang="ru-RU" sz="1600" dirty="0" smtClean="0">
                 <a:latin typeface="+mj-lt"/>
               </a:rPr>
               <a:t>т </a:t>
             </a:r>
             <a:r>
-              <a:rPr lang="ru-RU" dirty="0">
+              <a:rPr lang="ru-RU" sz="1600" dirty="0">
                 <a:latin typeface="+mj-lt"/>
               </a:rPr>
               <a:t>4 до 6 млн. </a:t>
             </a:r>
             <a:r>
-              <a:rPr lang="ru-RU" dirty="0" smtClean="0">
+              <a:rPr lang="ru-RU" sz="1600" dirty="0" smtClean="0">
                 <a:latin typeface="+mj-lt"/>
               </a:rPr>
               <a:t>рублей за </a:t>
             </a:r>
             <a:r>
-              <a:rPr lang="ru-RU" dirty="0">
+              <a:rPr lang="ru-RU" sz="1600" dirty="0">
                 <a:latin typeface="+mj-lt"/>
               </a:rPr>
               <a:t>10-15</a:t>
             </a:r>
             <a:r>
-              <a:rPr lang="ru-RU" dirty="0" smtClean="0">
+              <a:rPr lang="ru-RU" sz="1600" dirty="0" smtClean="0">
                 <a:latin typeface="+mj-lt"/>
               </a:rPr>
               <a:t>% от проекта включая созданную в процессе разработок </a:t>
             </a:r>
             <a:r>
-              <a:rPr lang="ru-RU" dirty="0">
+              <a:rPr lang="ru-RU" sz="1600" dirty="0">
                 <a:latin typeface="+mj-lt"/>
               </a:rPr>
               <a:t>интеллектуальную </a:t>
             </a:r>
             <a:r>
-              <a:rPr lang="ru-RU" dirty="0" smtClean="0">
-                <a:latin typeface="+mj-lt"/>
-              </a:rPr>
-              <a:t>собственность, конструкторскую документацию, </a:t>
-            </a:r>
-            <a:r>
-              <a:rPr lang="ru-RU" dirty="0" smtClean="0">
-                <a:latin typeface="+mj-lt"/>
-              </a:rPr>
-              <a:t>промышленные образцы и </a:t>
-            </a:r>
-            <a:r>
-              <a:rPr lang="ru-RU" dirty="0" smtClean="0">
-                <a:latin typeface="+mj-lt"/>
-              </a:rPr>
-              <a:t>лицензии на ПО. </a:t>
-            </a:r>
-            <a:r>
-              <a:rPr lang="ru-RU" dirty="0">
+              <a:rPr lang="ru-RU" sz="1600" dirty="0" smtClean="0">
+                <a:latin typeface="+mj-lt"/>
+              </a:rPr>
+              <a:t>собственность, конструкторскую документацию, промышленные образцы и лицензии на ПО. </a:t>
+            </a:r>
+            <a:r>
+              <a:rPr lang="ru-RU" sz="1600" dirty="0">
                 <a:latin typeface="+mj-lt"/>
               </a:rPr>
               <a:t>За инвестором дополнительно резервируется </a:t>
             </a:r>
             <a:r>
-              <a:rPr lang="ru-RU" dirty="0" smtClean="0">
-                <a:latin typeface="+mj-lt"/>
-              </a:rPr>
-              <a:t>15-20% </a:t>
-            </a:r>
-            <a:r>
-              <a:rPr lang="ru-RU" dirty="0" smtClean="0">
-                <a:latin typeface="+mj-lt"/>
-              </a:rPr>
-              <a:t>доля, </a:t>
-            </a:r>
-            <a:r>
-              <a:rPr lang="ru-RU" dirty="0">
+              <a:rPr lang="ru-RU" sz="1600" dirty="0" smtClean="0">
+                <a:latin typeface="+mj-lt"/>
+              </a:rPr>
+              <a:t>15-20% доля, </a:t>
+            </a:r>
+            <a:r>
+              <a:rPr lang="ru-RU" sz="1600" dirty="0">
                 <a:latin typeface="+mj-lt"/>
               </a:rPr>
               <a:t>с возможностью выкупа по первоначальной </a:t>
             </a:r>
             <a:r>
-              <a:rPr lang="ru-RU" dirty="0" smtClean="0">
+              <a:rPr lang="ru-RU" sz="1600" dirty="0" smtClean="0">
                 <a:latin typeface="+mj-lt"/>
               </a:rPr>
               <a:t>стоимости в течении 18 месяцев (400 тыс. рублей 1%).</a:t>
-            </a:r>
-            <a:endParaRPr lang="ru-RU" sz="1400" dirty="0">
-              <a:latin typeface="+mj-lt"/>
-            </a:endParaRPr>
-          </a:p>
-          <a:p>
-            <a:r>
-              <a:rPr lang="ru-RU" sz="1600" dirty="0">
-                <a:latin typeface="+mj-lt"/>
-              </a:rPr>
-              <a:t>• </a:t>
-            </a:r>
-            <a:r>
-              <a:rPr lang="ru-RU" sz="1600" dirty="0" smtClean="0">
-                <a:latin typeface="+mj-lt"/>
-              </a:rPr>
-              <a:t>Когнитивная </a:t>
-            </a:r>
-            <a:r>
-              <a:rPr lang="ru-RU" sz="1600" dirty="0" err="1">
-                <a:latin typeface="+mj-lt"/>
-              </a:rPr>
-              <a:t>радиооптика</a:t>
-            </a:r>
-            <a:r>
-              <a:rPr lang="ru-RU" sz="1600" dirty="0">
-                <a:latin typeface="+mj-lt"/>
-              </a:rPr>
-              <a:t> и цифровое управление двигателями осевого потока позволяют сократить себестоимость, сохраняя функционал и </a:t>
-            </a:r>
-            <a:r>
-              <a:rPr lang="ru-RU" sz="1600" dirty="0" err="1">
-                <a:latin typeface="+mj-lt"/>
-              </a:rPr>
-              <a:t>энергоэффективность</a:t>
-            </a:r>
-            <a:r>
-              <a:rPr lang="ru-RU" sz="1600" dirty="0" smtClean="0">
-                <a:latin typeface="+mj-lt"/>
-              </a:rPr>
-              <a:t>.</a:t>
             </a:r>
             <a:endParaRPr lang="ru-RU" sz="1600" dirty="0">
               <a:latin typeface="+mj-lt"/>
@@ -6724,13 +6617,25 @@
               <a:rPr lang="ru-RU" sz="1600" dirty="0" smtClean="0">
                 <a:latin typeface="+mj-lt"/>
               </a:rPr>
-              <a:t>Конструкторская </a:t>
+              <a:t>Когнитивная </a:t>
+            </a:r>
+            <a:r>
+              <a:rPr lang="ru-RU" sz="1600" dirty="0" err="1">
+                <a:latin typeface="+mj-lt"/>
+              </a:rPr>
+              <a:t>радиооптика</a:t>
             </a:r>
             <a:r>
               <a:rPr lang="ru-RU" sz="1600" dirty="0">
                 <a:latin typeface="+mj-lt"/>
               </a:rPr>
-              <a:t>и техническая документация разрабатывается в цифровом виде, промышленная апробация будет проходить с применением технологии «Цифровой двойник». Что позволит оперативно вносить технические изменения, и в кратчайшие сроки перейти от тестовых образцов к мелкосерийной промышленной партии</a:t>
+              <a:t> и цифровое управление двигателями осевого потока позволяют сократить себестоимость, сохраняя функционал и </a:t>
+            </a:r>
+            <a:r>
+              <a:rPr lang="ru-RU" sz="1600" dirty="0" err="1">
+                <a:latin typeface="+mj-lt"/>
+              </a:rPr>
+              <a:t>энергоэффективность</a:t>
             </a:r>
             <a:r>
               <a:rPr lang="ru-RU" sz="1600" dirty="0" smtClean="0">
@@ -6753,25 +6658,13 @@
               <a:rPr lang="ru-RU" sz="1600" dirty="0" smtClean="0">
                 <a:latin typeface="+mj-lt"/>
               </a:rPr>
-              <a:t>Выход </a:t>
+              <a:t>Конструкторская </a:t>
             </a:r>
             <a:r>
               <a:rPr lang="ru-RU" sz="1600" dirty="0">
                 <a:latin typeface="+mj-lt"/>
               </a:rPr>
-              <a:t>на рынок (производство и поставка мелкосерийной партии) </a:t>
-            </a:r>
-            <a:r>
-              <a:rPr lang="ru-RU" sz="1600" dirty="0" smtClean="0">
-                <a:latin typeface="+mj-lt"/>
-              </a:rPr>
-              <a:t>планируется, </a:t>
-            </a:r>
-            <a:r>
-              <a:rPr lang="ru-RU" sz="1600" dirty="0">
-                <a:latin typeface="+mj-lt"/>
-              </a:rPr>
-              <a:t>в том числе и за счёт средств полученных от частичной предоплаты</a:t>
+              <a:t>и техническая документация разрабатывается в цифровом виде, промышленная апробация будет проходить с применением технологии «Цифровой двойник». Что позволит оперативно вносить технические изменения, и в кратчайшие сроки перейти от тестовых образцов к мелкосерийной промышленной партии</a:t>
             </a:r>
             <a:r>
               <a:rPr lang="ru-RU" sz="1600" dirty="0" smtClean="0">
@@ -6785,20 +6678,34 @@
           </a:p>
           <a:p>
             <a:r>
-              <a:rPr lang="ru-RU" sz="1600" dirty="0"/>
+              <a:rPr lang="ru-RU" sz="1600" dirty="0">
+                <a:latin typeface="+mj-lt"/>
+              </a:rPr>
               <a:t>• </a:t>
             </a:r>
             <a:r>
               <a:rPr lang="ru-RU" sz="1600" dirty="0" smtClean="0">
                 <a:latin typeface="+mj-lt"/>
               </a:rPr>
-              <a:t>Промышленная </a:t>
+              <a:t>Выход </a:t>
             </a:r>
             <a:r>
               <a:rPr lang="ru-RU" sz="1600" dirty="0">
                 <a:latin typeface="+mj-lt"/>
               </a:rPr>
-              <a:t>апробация: аэропорт, ВУЗ, банк</a:t>
+              <a:t>на рынок (производство и поставка мелкосерийной партии) </a:t>
+            </a:r>
+            <a:r>
+              <a:rPr lang="ru-RU" sz="1600" dirty="0" smtClean="0">
+                <a:latin typeface="+mj-lt"/>
+              </a:rPr>
+              <a:t>планируется, </a:t>
+            </a:r>
+            <a:r>
+              <a:rPr lang="ru-RU" sz="1600" dirty="0">
+                <a:latin typeface="+mj-lt"/>
+              </a:rPr>
+              <a:t>в том числе и за счёт средств полученных от частичной предоплаты</a:t>
             </a:r>
             <a:r>
               <a:rPr lang="ru-RU" sz="1600" dirty="0" smtClean="0">
@@ -6810,6 +6717,33 @@
               <a:latin typeface="+mj-lt"/>
             </a:endParaRPr>
           </a:p>
+          <a:p>
+            <a:r>
+              <a:rPr lang="ru-RU" sz="1600" dirty="0"/>
+              <a:t>• </a:t>
+            </a:r>
+            <a:r>
+              <a:rPr lang="ru-RU" sz="1600" dirty="0" smtClean="0">
+                <a:latin typeface="+mj-lt"/>
+              </a:rPr>
+              <a:t>Промышленная </a:t>
+            </a:r>
+            <a:r>
+              <a:rPr lang="ru-RU" sz="1600" dirty="0">
+                <a:latin typeface="+mj-lt"/>
+              </a:rPr>
+              <a:t>апробация: аэропорт, ВУЗ, банк</a:t>
+            </a:r>
+            <a:r>
+              <a:rPr lang="ru-RU" sz="1600" dirty="0" smtClean="0">
+                <a:latin typeface="+mj-lt"/>
+              </a:rPr>
+              <a:t>.</a:t>
+            </a:r>
+            <a:endParaRPr lang="ru-RU" sz="1600" dirty="0">
+              <a:latin typeface="+mj-lt"/>
+            </a:endParaRPr>
+          </a:p>
         </p:txBody>
       </p:sp>
       <p:sp>
@@ -6820,7 +6754,7 @@
         </p:nvSpPr>
         <p:spPr>
           <a:xfrm>
-            <a:off x="3978697" y="4216095"/>
+            <a:off x="3978697" y="4072581"/>
             <a:ext cx="934871" cy="369332"/>
           </a:xfrm>
           <a:prstGeom prst="rect">
@@ -6853,8 +6787,8 @@
         </p:nvSpPr>
         <p:spPr>
           <a:xfrm>
-            <a:off x="3978697" y="4503088"/>
-            <a:ext cx="8213303" cy="2277547"/>
+            <a:off x="3978697" y="4333447"/>
+            <a:ext cx="8213303" cy="2523768"/>
           </a:xfrm>
           <a:prstGeom prst="rect">
             <a:avLst/>
@@ -6998,9 +6932,16 @@
               <a:rPr lang="ru-RU" sz="1600" b="1" dirty="0" smtClean="0"/>
               <a:t>млрд., 100 000 единиц в год. </a:t>
             </a:r>
+            <a:endParaRPr lang="ru-RU" sz="1600" b="1" dirty="0" smtClean="0"/>
+          </a:p>
+          <a:p>
+            <a:r>
+              <a:rPr lang="ru-RU" sz="1600" dirty="0"/>
+              <a:t>• Проект </a:t>
+            </a:r>
             <a:r>
               <a:rPr lang="ru-RU" sz="1600" dirty="0" smtClean="0"/>
-              <a:t>Проект планирует захватить долю рынка </a:t>
+              <a:t>планирует захватить долю рынка </a:t>
             </a:r>
             <a:r>
               <a:rPr lang="ru-RU" sz="1600" b="1" dirty="0" smtClean="0"/>
@@ -7022,9 +6963,16 @@
               <a:rPr lang="ru-RU" sz="1600" b="1" dirty="0" smtClean="0"/>
               <a:t>500 млн. в год. </a:t>
             </a:r>
+            <a:endParaRPr lang="ru-RU" sz="1600" b="1" dirty="0" smtClean="0"/>
+          </a:p>
+          <a:p>
+            <a:r>
+              <a:rPr lang="ru-RU" sz="1600" dirty="0"/>
+              <a:t>• Рыночная </a:t>
+            </a:r>
             <a:r>
               <a:rPr lang="ru-RU" sz="1600" dirty="0" smtClean="0"/>
-              <a:t>Рыночная стоимость одного </a:t>
+              <a:t>стоимость одного </a:t>
             </a:r>
             <a:r>
               <a:rPr lang="ru-RU" sz="1600" dirty="0" err="1" smtClean="0"/>
@@ -7050,15 +6998,19 @@
             </a:r>
             <a:r>
               <a:rPr lang="en-US" sz="1600" b="1" dirty="0" smtClean="0"/>
-              <a:t>$10 000.</a:t>
-            </a:r>
+              <a:t>$10 000</a:t>
+            </a:r>
+            <a:r>
+              <a:rPr lang="en-US" sz="1600" b="1" dirty="0" smtClean="0"/>
+              <a:t>.</a:t>
+            </a:r>
+            <a:endParaRPr lang="ru-RU" sz="1600" b="1" dirty="0" smtClean="0"/>
+          </a:p>
+          <a:p>
             <a:r>
               <a:rPr lang="ru-RU" sz="1600" b="1" dirty="0" smtClean="0"/>
               <a:t> </a:t>
             </a:r>
-            <a:endParaRPr lang="ru-RU" sz="1600" b="1" dirty="0" smtClean="0"/>
-          </a:p>
-          <a:p>
             <a:endParaRPr lang="ru-RU" sz="1600" b="1" dirty="0">
               <a:latin typeface="+mj-lt"/>
             </a:endParaRPr>
@@ -7273,7 +7225,7 @@
                 <a:latin typeface="+mj-lt"/>
                 <a:cs typeface="Arial"/>
               </a:rPr>
-              <a:t>осевого</a:t>
+              <a:t>осевого потока</a:t>
             </a:r>
           </a:p>
           <a:p>
@@ -7283,7 +7235,14 @@
                 <a:latin typeface="+mj-lt"/>
                 <a:cs typeface="Arial"/>
               </a:rPr>
-              <a:t> потока с цифровым управлением»</a:t>
+              <a:t> </a:t>
+            </a:r>
+            <a:r>
+              <a:rPr lang="ru-RU" sz="1200" spc="50" dirty="0" smtClean="0">
+                <a:latin typeface="+mj-lt"/>
+                <a:cs typeface="Arial"/>
+              </a:rPr>
+              <a:t>с цифровым управлением»</a:t>
             </a:r>
             <a:r>
               <a:rPr lang="en-US" sz="1200" spc="50" dirty="0" smtClean="0">
@@ -7733,7 +7692,7 @@
           <a:graphicData uri="http://schemas.openxmlformats.org/presentationml/2006/ole">
             <mc:AlternateContent xmlns:mc="http://schemas.openxmlformats.org/markup-compatibility/2006">
               <mc:Choice xmlns:v="urn:schemas-microsoft-com:vml" Requires="v">
-                <p:oleObj spid="_x0000_s1071" name="CorelDRAW" r:id="rId9" imgW="2869611" imgH="3265201" progId="CorelDraw.Graphic.19">
+                <p:oleObj spid="_x0000_s1074" name="CorelDRAW" r:id="rId9" imgW="2869611" imgH="3265201" progId="CorelDraw.Graphic.19">
                   <p:embed/>
                 </p:oleObj>
               </mc:Choice>

--- a/actuator.pptx
+++ b/actuator.pptx
@@ -5159,7 +5159,13 @@
               <a:rPr lang="ru-RU" b="1" dirty="0" smtClean="0">
                 <a:latin typeface="+mj-lt"/>
               </a:rPr>
-              <a:t>ПРОГРАММНО-АППАРАТНЫЕ РЕШЕНИЯ</a:t>
+              <a:t>ПРОГРАММНО-АППАРАТНЫЕ И ДИЗАЙНЕРСКИЕ </a:t>
+            </a:r>
+            <a:r>
+              <a:rPr lang="ru-RU" b="1" dirty="0" smtClean="0">
+                <a:latin typeface="+mj-lt"/>
+              </a:rPr>
+              <a:t>РЕШЕНИЯ</a:t>
             </a:r>
           </a:p>
           <a:p>
@@ -6732,13 +6738,13 @@
               <a:rPr lang="ru-RU" sz="1600" dirty="0">
                 <a:latin typeface="+mj-lt"/>
               </a:rPr>
-              <a:t>апробация: аэропорт, ВУЗ, банк</a:t>
+              <a:t>апробация: аэропорт, ВУЗ, </a:t>
             </a:r>
             <a:r>
               <a:rPr lang="ru-RU" sz="1600" dirty="0" smtClean="0">
                 <a:latin typeface="+mj-lt"/>
               </a:rPr>
-              <a:t>.</a:t>
+              <a:t>банк, супермаркет, клиника.</a:t>
             </a:r>
             <a:endParaRPr lang="ru-RU" sz="1600" dirty="0">
               <a:latin typeface="+mj-lt"/>
@@ -6930,9 +6936,13 @@
             </a:r>
             <a:r>
               <a:rPr lang="ru-RU" sz="1600" b="1" dirty="0" smtClean="0"/>
-              <a:t>млрд., 100 000 единиц в год. </a:t>
-            </a:r>
-            <a:endParaRPr lang="ru-RU" sz="1600" b="1" dirty="0" smtClean="0"/>
+              <a:t>млрд., 100 000 единиц в год</a:t>
+            </a:r>
+            <a:r>
+              <a:rPr lang="ru-RU" sz="1600" b="1" dirty="0" smtClean="0"/>
+              <a:t>.</a:t>
+            </a:r>
+            <a:endParaRPr lang="ru-RU" sz="1600" dirty="0" smtClean="0"/>
           </a:p>
           <a:p>
             <a:r>
@@ -7692,7 +7702,7 @@
           <a:graphicData uri="http://schemas.openxmlformats.org/presentationml/2006/ole">
             <mc:AlternateContent xmlns:mc="http://schemas.openxmlformats.org/markup-compatibility/2006">
               <mc:Choice xmlns:v="urn:schemas-microsoft-com:vml" Requires="v">
-                <p:oleObj spid="_x0000_s1074" name="CorelDRAW" r:id="rId9" imgW="2869611" imgH="3265201" progId="CorelDraw.Graphic.19">
+                <p:oleObj spid="_x0000_s1081" name="CorelDRAW" r:id="rId9" imgW="2869611" imgH="3265201" progId="CorelDraw.Graphic.19">
                   <p:embed/>
                 </p:oleObj>
               </mc:Choice>

--- a/actuator.pptx
+++ b/actuator.pptx
@@ -251,7 +251,7 @@
           <a:p>
             <a:fld id="{1411AD4A-142D-49F5-BC1E-BE60D7E78DA5}" type="datetimeFigureOut">
               <a:rPr lang="ru-RU" smtClean="0"/>
-              <a:t>06.02.2020</a:t>
+              <a:t>07.02.2020</a:t>
             </a:fld>
             <a:endParaRPr lang="ru-RU"/>
           </a:p>
@@ -421,7 +421,7 @@
           <a:p>
             <a:fld id="{1411AD4A-142D-49F5-BC1E-BE60D7E78DA5}" type="datetimeFigureOut">
               <a:rPr lang="ru-RU" smtClean="0"/>
-              <a:t>06.02.2020</a:t>
+              <a:t>07.02.2020</a:t>
             </a:fld>
             <a:endParaRPr lang="ru-RU"/>
           </a:p>
@@ -601,7 +601,7 @@
           <a:p>
             <a:fld id="{1411AD4A-142D-49F5-BC1E-BE60D7E78DA5}" type="datetimeFigureOut">
               <a:rPr lang="ru-RU" smtClean="0"/>
-              <a:t>06.02.2020</a:t>
+              <a:t>07.02.2020</a:t>
             </a:fld>
             <a:endParaRPr lang="ru-RU"/>
           </a:p>
@@ -771,7 +771,7 @@
           <a:p>
             <a:fld id="{1411AD4A-142D-49F5-BC1E-BE60D7E78DA5}" type="datetimeFigureOut">
               <a:rPr lang="ru-RU" smtClean="0"/>
-              <a:t>06.02.2020</a:t>
+              <a:t>07.02.2020</a:t>
             </a:fld>
             <a:endParaRPr lang="ru-RU"/>
           </a:p>
@@ -1017,7 +1017,7 @@
           <a:p>
             <a:fld id="{1411AD4A-142D-49F5-BC1E-BE60D7E78DA5}" type="datetimeFigureOut">
               <a:rPr lang="ru-RU" smtClean="0"/>
-              <a:t>06.02.2020</a:t>
+              <a:t>07.02.2020</a:t>
             </a:fld>
             <a:endParaRPr lang="ru-RU"/>
           </a:p>
@@ -1249,7 +1249,7 @@
           <a:p>
             <a:fld id="{1411AD4A-142D-49F5-BC1E-BE60D7E78DA5}" type="datetimeFigureOut">
               <a:rPr lang="ru-RU" smtClean="0"/>
-              <a:t>06.02.2020</a:t>
+              <a:t>07.02.2020</a:t>
             </a:fld>
             <a:endParaRPr lang="ru-RU"/>
           </a:p>
@@ -1616,7 +1616,7 @@
           <a:p>
             <a:fld id="{1411AD4A-142D-49F5-BC1E-BE60D7E78DA5}" type="datetimeFigureOut">
               <a:rPr lang="ru-RU" smtClean="0"/>
-              <a:t>06.02.2020</a:t>
+              <a:t>07.02.2020</a:t>
             </a:fld>
             <a:endParaRPr lang="ru-RU"/>
           </a:p>
@@ -1734,7 +1734,7 @@
           <a:p>
             <a:fld id="{1411AD4A-142D-49F5-BC1E-BE60D7E78DA5}" type="datetimeFigureOut">
               <a:rPr lang="ru-RU" smtClean="0"/>
-              <a:t>06.02.2020</a:t>
+              <a:t>07.02.2020</a:t>
             </a:fld>
             <a:endParaRPr lang="ru-RU"/>
           </a:p>
@@ -1829,7 +1829,7 @@
           <a:p>
             <a:fld id="{1411AD4A-142D-49F5-BC1E-BE60D7E78DA5}" type="datetimeFigureOut">
               <a:rPr lang="ru-RU" smtClean="0"/>
-              <a:t>06.02.2020</a:t>
+              <a:t>07.02.2020</a:t>
             </a:fld>
             <a:endParaRPr lang="ru-RU"/>
           </a:p>
@@ -2106,7 +2106,7 @@
           <a:p>
             <a:fld id="{1411AD4A-142D-49F5-BC1E-BE60D7E78DA5}" type="datetimeFigureOut">
               <a:rPr lang="ru-RU" smtClean="0"/>
-              <a:t>06.02.2020</a:t>
+              <a:t>07.02.2020</a:t>
             </a:fld>
             <a:endParaRPr lang="ru-RU"/>
           </a:p>
@@ -2359,7 +2359,7 @@
           <a:p>
             <a:fld id="{1411AD4A-142D-49F5-BC1E-BE60D7E78DA5}" type="datetimeFigureOut">
               <a:rPr lang="ru-RU" smtClean="0"/>
-              <a:t>06.02.2020</a:t>
+              <a:t>07.02.2020</a:t>
             </a:fld>
             <a:endParaRPr lang="ru-RU"/>
           </a:p>
@@ -2572,7 +2572,7 @@
           <a:p>
             <a:fld id="{1411AD4A-142D-49F5-BC1E-BE60D7E78DA5}" type="datetimeFigureOut">
               <a:rPr lang="ru-RU" smtClean="0"/>
-              <a:t>06.02.2020</a:t>
+              <a:t>07.02.2020</a:t>
             </a:fld>
             <a:endParaRPr lang="ru-RU"/>
           </a:p>
@@ -3126,6 +3126,13 @@
   <p:clrMapOvr>
     <a:masterClrMapping/>
   </p:clrMapOvr>
+  <p:timing>
+    <p:tnLst>
+      <p:par>
+        <p:cTn id="1" dur="indefinite" restart="never" nodeType="tmRoot"/>
+      </p:par>
+    </p:tnLst>
+  </p:timing>
 </p:sld>
 </file>
 
@@ -3531,15 +3538,7 @@
           <a:p>
             <a:r>
               <a:rPr lang="ru-RU" b="1" dirty="0" smtClean="0"/>
-              <a:t>ОТ 4 ДО 6 </a:t>
-            </a:r>
-            <a:r>
-              <a:rPr lang="ru-RU" b="1" dirty="0" smtClean="0"/>
-              <a:t>МЛН </a:t>
-            </a:r>
-            <a:r>
-              <a:rPr lang="ru-RU" b="1" dirty="0" smtClean="0"/>
-              <a:t>РУБЛЕЙ</a:t>
+              <a:t>ОТ 4 ДО 6 МЛН РУБЛЕЙ</a:t>
             </a:r>
             <a:endParaRPr lang="ru-RU" b="1" dirty="0"/>
           </a:p>
@@ -3650,6 +3649,13 @@
   <p:clrMapOvr>
     <a:masterClrMapping/>
   </p:clrMapOvr>
+  <p:timing>
+    <p:tnLst>
+      <p:par>
+        <p:cTn id="1" dur="indefinite" restart="never" nodeType="tmRoot"/>
+      </p:par>
+    </p:tnLst>
+  </p:timing>
 </p:sld>
 </file>
 
@@ -4253,6 +4259,13 @@
   <p:clrMapOvr>
     <a:masterClrMapping/>
   </p:clrMapOvr>
+  <p:timing>
+    <p:tnLst>
+      <p:par>
+        <p:cTn id="1" dur="indefinite" restart="never" nodeType="tmRoot"/>
+      </p:par>
+    </p:tnLst>
+  </p:timing>
 </p:sld>
 </file>
 
@@ -4576,8 +4589,13 @@
           <a:p>
             <a:r>
               <a:rPr lang="ru-RU" dirty="0" smtClean="0"/>
-              <a:t>ФИЛЬТРАЦИЯ ВОДЫ</a:t>
-            </a:r>
+              <a:t>ФИЛЬТРАЦИЯ </a:t>
+            </a:r>
+            <a:r>
+              <a:rPr lang="ru-RU" dirty="0" smtClean="0"/>
+              <a:t>СОБРАНОЙ ВОДЫ</a:t>
+            </a:r>
+            <a:endParaRPr lang="ru-RU" dirty="0" smtClean="0"/>
           </a:p>
           <a:p>
             <a:r>
@@ -4881,6 +4899,13 @@
   <p:clrMapOvr>
     <a:masterClrMapping/>
   </p:clrMapOvr>
+  <p:timing>
+    <p:tnLst>
+      <p:par>
+        <p:cTn id="1" dur="indefinite" restart="never" nodeType="tmRoot"/>
+      </p:par>
+    </p:tnLst>
+  </p:timing>
 </p:sld>
 </file>
 
@@ -5159,13 +5184,7 @@
               <a:rPr lang="ru-RU" b="1" dirty="0" smtClean="0">
                 <a:latin typeface="+mj-lt"/>
               </a:rPr>
-              <a:t>ПРОГРАММНО-АППАРАТНЫЕ И ДИЗАЙНЕРСКИЕ </a:t>
-            </a:r>
-            <a:r>
-              <a:rPr lang="ru-RU" b="1" dirty="0" smtClean="0">
-                <a:latin typeface="+mj-lt"/>
-              </a:rPr>
-              <a:t>РЕШЕНИЯ</a:t>
+              <a:t>ПРОГРАММНО-АППАРАТНЫЕ И ДИЗАЙНЕРСКИЕ РЕШЕНИЯ</a:t>
             </a:r>
           </a:p>
           <a:p>
@@ -5252,6 +5271,13 @@
   <p:clrMapOvr>
     <a:masterClrMapping/>
   </p:clrMapOvr>
+  <p:timing>
+    <p:tnLst>
+      <p:par>
+        <p:cTn id="1" dur="indefinite" restart="never" nodeType="tmRoot"/>
+      </p:par>
+    </p:tnLst>
+  </p:timing>
 </p:sld>
 </file>
 
@@ -5506,6 +5532,13 @@
   <p:clrMapOvr>
     <a:masterClrMapping/>
   </p:clrMapOvr>
+  <p:timing>
+    <p:tnLst>
+      <p:par>
+        <p:cTn id="1" dur="indefinite" restart="never" nodeType="tmRoot"/>
+      </p:par>
+    </p:tnLst>
+  </p:timing>
 </p:sld>
 </file>
 
@@ -6455,6 +6488,13 @@
   <p:clrMapOvr>
     <a:masterClrMapping/>
   </p:clrMapOvr>
+  <p:timing>
+    <p:tnLst>
+      <p:par>
+        <p:cTn id="1" dur="indefinite" restart="never" nodeType="tmRoot"/>
+      </p:par>
+    </p:tnLst>
+  </p:timing>
 </p:sld>
 </file>
 
@@ -6936,11 +6976,7 @@
             </a:r>
             <a:r>
               <a:rPr lang="ru-RU" sz="1600" b="1" dirty="0" smtClean="0"/>
-              <a:t>млрд., 100 000 единиц в год</a:t>
-            </a:r>
-            <a:r>
-              <a:rPr lang="ru-RU" sz="1600" b="1" dirty="0" smtClean="0"/>
-              <a:t>.</a:t>
+              <a:t>млрд., 100 000 единиц в год.</a:t>
             </a:r>
             <a:endParaRPr lang="ru-RU" sz="1600" dirty="0" smtClean="0"/>
           </a:p>
@@ -6973,7 +7009,6 @@
               <a:rPr lang="ru-RU" sz="1600" b="1" dirty="0" smtClean="0"/>
               <a:t>500 млн. в год. </a:t>
             </a:r>
-            <a:endParaRPr lang="ru-RU" sz="1600" b="1" dirty="0" smtClean="0"/>
           </a:p>
           <a:p>
             <a:r>
@@ -7008,11 +7043,7 @@
             </a:r>
             <a:r>
               <a:rPr lang="en-US" sz="1600" b="1" dirty="0" smtClean="0"/>
-              <a:t>$10 000</a:t>
-            </a:r>
-            <a:r>
-              <a:rPr lang="en-US" sz="1600" b="1" dirty="0" smtClean="0"/>
-              <a:t>.</a:t>
+              <a:t>$10 000.</a:t>
             </a:r>
             <a:endParaRPr lang="ru-RU" sz="1600" b="1" dirty="0" smtClean="0"/>
           </a:p>
@@ -7055,6 +7086,13 @@
   <p:clrMapOvr>
     <a:masterClrMapping/>
   </p:clrMapOvr>
+  <p:timing>
+    <p:tnLst>
+      <p:par>
+        <p:cTn id="1" dur="indefinite" restart="never" nodeType="tmRoot"/>
+      </p:par>
+    </p:tnLst>
+  </p:timing>
 </p:sld>
 </file>
 
@@ -7228,31 +7266,17 @@
                 <a:latin typeface="+mj-lt"/>
                 <a:cs typeface="Arial"/>
               </a:rPr>
-              <a:t> «Электрические машины </a:t>
-            </a:r>
+              <a:t> «Электрические машины осевого потока</a:t>
+            </a:r>
+          </a:p>
+          <a:p>
+            <a:pPr algn="ctr"/>
             <a:r>
               <a:rPr lang="ru-RU" sz="1200" spc="50" dirty="0" smtClean="0">
                 <a:latin typeface="+mj-lt"/>
                 <a:cs typeface="Arial"/>
               </a:rPr>
-              <a:t>осевого потока</a:t>
-            </a:r>
-          </a:p>
-          <a:p>
-            <a:pPr algn="ctr"/>
-            <a:r>
-              <a:rPr lang="ru-RU" sz="1200" spc="50" dirty="0" smtClean="0">
-                <a:latin typeface="+mj-lt"/>
-                <a:cs typeface="Arial"/>
-              </a:rPr>
-              <a:t> </a:t>
-            </a:r>
-            <a:r>
-              <a:rPr lang="ru-RU" sz="1200" spc="50" dirty="0" smtClean="0">
-                <a:latin typeface="+mj-lt"/>
-                <a:cs typeface="Arial"/>
-              </a:rPr>
-              <a:t>с цифровым управлением»</a:t>
+              <a:t> с цифровым управлением»</a:t>
             </a:r>
             <a:r>
               <a:rPr lang="en-US" sz="1200" spc="50" dirty="0" smtClean="0">
@@ -7423,8 +7447,8 @@
         </p:nvSpPr>
         <p:spPr>
           <a:xfrm>
-            <a:off x="8431247" y="5065528"/>
-            <a:ext cx="3240051" cy="523220"/>
+            <a:off x="7557972" y="5062698"/>
+            <a:ext cx="4727114" cy="523220"/>
           </a:xfrm>
           <a:prstGeom prst="rect">
             <a:avLst/>
@@ -7441,7 +7465,31 @@
               <a:rPr lang="ru-RU" sz="1400" dirty="0" smtClean="0">
                 <a:latin typeface="+mj-lt"/>
               </a:rPr>
-              <a:t>ПРОГРАММНО-АППАРАТНЫЕ РЕШЕНИЯ:</a:t>
+              <a:t>ПРОГРАММНО-АППАРАТНЫЕ</a:t>
+            </a:r>
+            <a:r>
+              <a:rPr lang="en-US" sz="1400" dirty="0" smtClean="0">
+                <a:latin typeface="+mj-lt"/>
+              </a:rPr>
+              <a:t> </a:t>
+            </a:r>
+            <a:r>
+              <a:rPr lang="ru-RU" sz="1400" dirty="0" smtClean="0">
+                <a:latin typeface="+mj-lt"/>
+              </a:rPr>
+              <a:t>И ДИЗАЙНЕРСКИЕ</a:t>
+            </a:r>
+            <a:r>
+              <a:rPr lang="ru-RU" sz="1400" dirty="0" smtClean="0">
+                <a:latin typeface="+mj-lt"/>
+              </a:rPr>
+              <a:t> </a:t>
+            </a:r>
+            <a:r>
+              <a:rPr lang="ru-RU" sz="1400" dirty="0" smtClean="0">
+                <a:latin typeface="+mj-lt"/>
+              </a:rPr>
+              <a:t>РЕШЕНИЯ:</a:t>
             </a:r>
           </a:p>
           <a:p>
@@ -7702,7 +7750,7 @@
           <a:graphicData uri="http://schemas.openxmlformats.org/presentationml/2006/ole">
             <mc:AlternateContent xmlns:mc="http://schemas.openxmlformats.org/markup-compatibility/2006">
               <mc:Choice xmlns:v="urn:schemas-microsoft-com:vml" Requires="v">
-                <p:oleObj spid="_x0000_s1081" name="CorelDRAW" r:id="rId9" imgW="2869611" imgH="3265201" progId="CorelDraw.Graphic.19">
+                <p:oleObj spid="_x0000_s1088" name="CorelDRAW" r:id="rId9" imgW="2869611" imgH="3265201" progId="CorelDraw.Graphic.19">
                   <p:embed/>
                 </p:oleObj>
               </mc:Choice>
@@ -7812,7 +7860,7 @@
         </p:blipFill>
         <p:spPr>
           <a:xfrm>
-            <a:off x="9663923" y="4301702"/>
+            <a:off x="9610446" y="4307941"/>
             <a:ext cx="774701" cy="733679"/>
           </a:xfrm>
           <a:prstGeom prst="rect">
@@ -7857,7 +7905,7 @@
         </p:nvSpPr>
         <p:spPr>
           <a:xfrm>
-            <a:off x="9148745" y="6136456"/>
+            <a:off x="9011788" y="6111056"/>
             <a:ext cx="1972015" cy="369332"/>
           </a:xfrm>
           <a:prstGeom prst="rect">
@@ -8178,6 +8226,13 @@
   <p:clrMapOvr>
     <a:masterClrMapping/>
   </p:clrMapOvr>
+  <p:timing>
+    <p:tnLst>
+      <p:par>
+        <p:cTn id="1" dur="indefinite" restart="never" nodeType="tmRoot"/>
+      </p:par>
+    </p:tnLst>
+  </p:timing>
 </p:sld>
 </file>
 

--- a/actuator.pptx
+++ b/actuator.pptx
@@ -4589,13 +4589,8 @@
           <a:p>
             <a:r>
               <a:rPr lang="ru-RU" dirty="0" smtClean="0"/>
-              <a:t>ФИЛЬТРАЦИЯ </a:t>
-            </a:r>
-            <a:r>
-              <a:rPr lang="ru-RU" dirty="0" smtClean="0"/>
-              <a:t>СОБРАНОЙ ВОДЫ</a:t>
-            </a:r>
-            <a:endParaRPr lang="ru-RU" dirty="0" smtClean="0"/>
+              <a:t>ФИЛЬТРАЦИЯ СОБРАНОЙ ВОДЫ</a:t>
+            </a:r>
           </a:p>
           <a:p>
             <a:r>
@@ -7213,8 +7208,8 @@
         </p:nvSpPr>
         <p:spPr>
           <a:xfrm>
-            <a:off x="377339" y="1953617"/>
-            <a:ext cx="3765333" cy="1169551"/>
+            <a:off x="857573" y="1964134"/>
+            <a:ext cx="2804865" cy="1169551"/>
           </a:xfrm>
           <a:prstGeom prst="rect">
             <a:avLst/>
@@ -7266,17 +7261,35 @@
                 <a:latin typeface="+mj-lt"/>
                 <a:cs typeface="Arial"/>
               </a:rPr>
-              <a:t> «Электрические машины осевого потока</a:t>
-            </a:r>
-          </a:p>
-          <a:p>
-            <a:pPr algn="ctr"/>
+              <a:t> «Электрические машины осевого </a:t>
+            </a:r>
             <a:r>
               <a:rPr lang="ru-RU" sz="1200" spc="50" dirty="0" smtClean="0">
                 <a:latin typeface="+mj-lt"/>
                 <a:cs typeface="Arial"/>
               </a:rPr>
-              <a:t> с цифровым управлением»</a:t>
+              <a:t>потока</a:t>
+            </a:r>
+            <a:r>
+              <a:rPr lang="en-US" sz="1200" spc="50" dirty="0" smtClean="0">
+                <a:latin typeface="+mj-lt"/>
+                <a:cs typeface="Arial"/>
+              </a:rPr>
+              <a:t> </a:t>
+            </a:r>
+            <a:r>
+              <a:rPr lang="ru-RU" sz="1200" spc="50" dirty="0" smtClean="0">
+                <a:latin typeface="+mj-lt"/>
+                <a:cs typeface="Arial"/>
+              </a:rPr>
+              <a:t>с </a:t>
+            </a:r>
+            <a:r>
+              <a:rPr lang="ru-RU" sz="1200" spc="50" dirty="0" smtClean="0">
+                <a:latin typeface="+mj-lt"/>
+                <a:cs typeface="Arial"/>
+              </a:rPr>
+              <a:t>цифровым управлением»</a:t>
             </a:r>
             <a:r>
               <a:rPr lang="en-US" sz="1200" spc="50" dirty="0" smtClean="0">
@@ -7321,8 +7334,8 @@
         </p:nvSpPr>
         <p:spPr>
           <a:xfrm>
-            <a:off x="8427390" y="1925015"/>
-            <a:ext cx="3140814" cy="984885"/>
+            <a:off x="8427388" y="1964134"/>
+            <a:ext cx="3140814" cy="1169551"/>
           </a:xfrm>
           <a:prstGeom prst="rect">
             <a:avLst/>
@@ -7415,6 +7428,17 @@
               </a:rPr>
               <a:t>».</a:t>
             </a:r>
+            <a:endParaRPr lang="en-US" sz="1200" spc="50" dirty="0" smtClean="0">
+              <a:latin typeface="+mj-lt"/>
+              <a:cs typeface="Arial"/>
+            </a:endParaRPr>
+          </a:p>
+          <a:p>
+            <a:pPr algn="ctr"/>
+            <a:endParaRPr lang="ru-RU" sz="1200" spc="50" dirty="0" smtClean="0">
+              <a:latin typeface="+mj-lt"/>
+              <a:cs typeface="Arial"/>
+            </a:endParaRPr>
           </a:p>
           <a:p>
             <a:pPr algn="ctr"/>
@@ -7477,19 +7501,7 @@
               <a:rPr lang="ru-RU" sz="1400" dirty="0" smtClean="0">
                 <a:latin typeface="+mj-lt"/>
               </a:rPr>
-              <a:t>И ДИЗАЙНЕРСКИЕ</a:t>
-            </a:r>
-            <a:r>
-              <a:rPr lang="ru-RU" sz="1400" dirty="0" smtClean="0">
-                <a:latin typeface="+mj-lt"/>
-              </a:rPr>
-              <a:t> </a:t>
-            </a:r>
-            <a:r>
-              <a:rPr lang="ru-RU" sz="1400" dirty="0" smtClean="0">
-                <a:latin typeface="+mj-lt"/>
-              </a:rPr>
-              <a:t>РЕШЕНИЯ:</a:t>
+              <a:t>И ДИЗАЙНЕРСКИЕ РЕШЕНИЯ:</a:t>
             </a:r>
           </a:p>
           <a:p>
@@ -7594,7 +7606,7 @@
         <p:spPr>
           <a:xfrm>
             <a:off x="4685090" y="1958390"/>
-            <a:ext cx="2960733" cy="984885"/>
+            <a:ext cx="2960733" cy="1169551"/>
           </a:xfrm>
           <a:prstGeom prst="rect">
             <a:avLst/>
@@ -7694,6 +7706,17 @@
               </a:rPr>
               <a:t>».</a:t>
             </a:r>
+            <a:endParaRPr lang="en-US" sz="1200" spc="50" dirty="0" smtClean="0">
+              <a:latin typeface="+mj-lt"/>
+              <a:cs typeface="Arial"/>
+            </a:endParaRPr>
+          </a:p>
+          <a:p>
+            <a:pPr algn="ctr"/>
+            <a:endParaRPr lang="ru-RU" sz="1200" spc="50" dirty="0" smtClean="0">
+              <a:latin typeface="+mj-lt"/>
+              <a:cs typeface="Arial"/>
+            </a:endParaRPr>
           </a:p>
           <a:p>
             <a:pPr algn="ctr"/>
@@ -7750,7 +7773,7 @@
           <a:graphicData uri="http://schemas.openxmlformats.org/presentationml/2006/ole">
             <mc:AlternateContent xmlns:mc="http://schemas.openxmlformats.org/markup-compatibility/2006">
               <mc:Choice xmlns:v="urn:schemas-microsoft-com:vml" Requires="v">
-                <p:oleObj spid="_x0000_s1088" name="CorelDRAW" r:id="rId9" imgW="2869611" imgH="3265201" progId="CorelDraw.Graphic.19">
+                <p:oleObj spid="_x0000_s1090" name="CorelDRAW" r:id="rId9" imgW="2869611" imgH="3265201" progId="CorelDraw.Graphic.19">
                   <p:embed/>
                 </p:oleObj>
               </mc:Choice>

--- a/actuator.pptx
+++ b/actuator.pptx
@@ -3804,7 +3804,7 @@
         </p:nvSpPr>
         <p:spPr>
           <a:xfrm>
-            <a:off x="1023096" y="3906960"/>
+            <a:off x="1110411" y="5135032"/>
             <a:ext cx="3332707" cy="369332"/>
           </a:xfrm>
           <a:prstGeom prst="rect">
@@ -4131,13 +4131,15 @@
       <p:cxnSp>
         <p:nvCxnSpPr>
           <p:cNvPr id="3" name="Прямая соединительная линия 2"/>
-          <p:cNvCxnSpPr/>
+          <p:cNvCxnSpPr>
+            <a:endCxn id="31" idx="3"/>
+          </p:cNvCxnSpPr>
           <p:nvPr/>
         </p:nvCxnSpPr>
         <p:spPr>
           <a:xfrm flipH="1">
-            <a:off x="4305003" y="3835400"/>
-            <a:ext cx="559098" cy="228600"/>
+            <a:off x="4443118" y="4642262"/>
+            <a:ext cx="1322684" cy="677436"/>
           </a:xfrm>
           <a:prstGeom prst="line">
             <a:avLst/>
@@ -4194,13 +4196,15 @@
       <p:cxnSp>
         <p:nvCxnSpPr>
           <p:cNvPr id="5" name="Прямая соединительная линия 4"/>
-          <p:cNvCxnSpPr/>
+          <p:cNvCxnSpPr>
+            <a:endCxn id="21" idx="1"/>
+          </p:cNvCxnSpPr>
           <p:nvPr/>
         </p:nvCxnSpPr>
         <p:spPr>
           <a:xfrm>
-            <a:off x="7523038" y="4091626"/>
-            <a:ext cx="443757" cy="0"/>
+            <a:off x="7493000" y="4510726"/>
+            <a:ext cx="606993" cy="285588"/>
           </a:xfrm>
           <a:prstGeom prst="line">
             <a:avLst/>
@@ -4229,7 +4233,7 @@
         </p:nvSpPr>
         <p:spPr>
           <a:xfrm>
-            <a:off x="7966795" y="3879334"/>
+            <a:off x="8099993" y="4611648"/>
             <a:ext cx="3050194" cy="369332"/>
           </a:xfrm>
           <a:prstGeom prst="rect">
@@ -4323,7 +4327,7 @@
         </p:nvCxnSpPr>
         <p:spPr>
           <a:xfrm flipH="1">
-            <a:off x="3974952" y="4494711"/>
+            <a:off x="3665259" y="4152276"/>
             <a:ext cx="1114252" cy="578086"/>
           </a:xfrm>
           <a:prstGeom prst="line">
@@ -4444,7 +4448,7 @@
         </p:nvSpPr>
         <p:spPr>
           <a:xfrm>
-            <a:off x="349578" y="4910870"/>
+            <a:off x="337706" y="4604409"/>
             <a:ext cx="3706464" cy="538609"/>
           </a:xfrm>
           <a:prstGeom prst="rect">
@@ -4864,6 +4868,95 @@
           <a:xfrm flipH="1">
             <a:off x="4254203" y="2246537"/>
             <a:ext cx="559098" cy="1363"/>
+          </a:xfrm>
+          <a:prstGeom prst="line">
+            <a:avLst/>
+          </a:prstGeom>
+        </p:spPr>
+        <p:style>
+          <a:lnRef idx="1">
+            <a:schemeClr val="accent1"/>
+          </a:lnRef>
+          <a:fillRef idx="0">
+            <a:schemeClr val="accent1"/>
+          </a:fillRef>
+          <a:effectRef idx="0">
+            <a:schemeClr val="accent1"/>
+          </a:effectRef>
+          <a:fontRef idx="minor">
+            <a:schemeClr val="tx1"/>
+          </a:fontRef>
+        </p:style>
+      </p:cxnSp>
+      <p:sp>
+        <p:nvSpPr>
+          <p:cNvPr id="19" name="Прямоугольник 18"/>
+          <p:cNvSpPr/>
+          <p:nvPr/>
+        </p:nvSpPr>
+        <p:spPr>
+          <a:xfrm>
+            <a:off x="378246" y="5839108"/>
+            <a:ext cx="6035253" cy="707886"/>
+          </a:xfrm>
+          <a:prstGeom prst="rect">
+            <a:avLst/>
+          </a:prstGeom>
+        </p:spPr>
+        <p:txBody>
+          <a:bodyPr wrap="square">
+            <a:spAutoFit/>
+          </a:bodyPr>
+          <a:lstStyle/>
+          <a:p>
+            <a:r>
+              <a:rPr lang="ru-RU" dirty="0" smtClean="0"/>
+              <a:t>РАСПОЗНАВАНИЕ И ИДЕНТИФИКАЦИЯ ОБЪЕКТОВ,ТОВАРА..</a:t>
+            </a:r>
+            <a:endParaRPr lang="ru-RU" dirty="0" smtClean="0"/>
+          </a:p>
+          <a:p>
+            <a:r>
+              <a:rPr lang="ru-RU" sz="1100" dirty="0" smtClean="0"/>
+              <a:t>СКЛАДЫ, СУПЕРМАРКЕТЫ, </a:t>
+            </a:r>
+            <a:r>
+              <a:rPr lang="en-US" sz="1100" dirty="0" err="1" smtClean="0"/>
+              <a:t>IIoT</a:t>
+            </a:r>
+            <a:r>
+              <a:rPr lang="en-US" sz="1100" dirty="0" smtClean="0"/>
+              <a:t>, INDUSTRY 4.0</a:t>
+            </a:r>
+            <a:endParaRPr lang="en-US" sz="1100" dirty="0"/>
+          </a:p>
+          <a:p>
+            <a:r>
+              <a:rPr lang="ru-RU" sz="1100" dirty="0" smtClean="0"/>
+              <a:t>(ВЕКТОРИЗАЦИЯ, </a:t>
+            </a:r>
+            <a:r>
+              <a:rPr lang="en-US" sz="1100" dirty="0" smtClean="0"/>
+              <a:t>DATA MAPPING</a:t>
+            </a:r>
+            <a:r>
+              <a:rPr lang="ru-RU" sz="1100" dirty="0" smtClean="0"/>
+              <a:t>, ИНВЕНТАРИЗАЦИЯ)</a:t>
+            </a:r>
+            <a:endParaRPr lang="ru-RU" sz="1100" dirty="0"/>
+          </a:p>
+        </p:txBody>
+      </p:sp>
+      <p:cxnSp>
+        <p:nvCxnSpPr>
+          <p:cNvPr id="3" name="Прямая соединительная линия 2"/>
+          <p:cNvCxnSpPr/>
+          <p:nvPr/>
+        </p:nvCxnSpPr>
+        <p:spPr>
+          <a:xfrm flipH="1">
+            <a:off x="3905360" y="4604409"/>
+            <a:ext cx="1708040" cy="1234699"/>
           </a:xfrm>
           <a:prstGeom prst="line">
             <a:avLst/>
@@ -7261,35 +7354,21 @@
                 <a:latin typeface="+mj-lt"/>
                 <a:cs typeface="Arial"/>
               </a:rPr>
-              <a:t> «Электрические машины осевого </a:t>
+              <a:t> «Электрические машины осевого потока</a:t>
+            </a:r>
+            <a:r>
+              <a:rPr lang="en-US" sz="1200" spc="50" dirty="0" smtClean="0">
+                <a:latin typeface="+mj-lt"/>
+                <a:cs typeface="Arial"/>
+              </a:rPr>
+              <a:t> </a:t>
             </a:r>
             <a:r>
               <a:rPr lang="ru-RU" sz="1200" spc="50" dirty="0" smtClean="0">
                 <a:latin typeface="+mj-lt"/>
                 <a:cs typeface="Arial"/>
               </a:rPr>
-              <a:t>потока</a:t>
-            </a:r>
-            <a:r>
-              <a:rPr lang="en-US" sz="1200" spc="50" dirty="0" smtClean="0">
-                <a:latin typeface="+mj-lt"/>
-                <a:cs typeface="Arial"/>
-              </a:rPr>
-              <a:t> </a:t>
-            </a:r>
-            <a:r>
-              <a:rPr lang="ru-RU" sz="1200" spc="50" dirty="0" smtClean="0">
-                <a:latin typeface="+mj-lt"/>
-                <a:cs typeface="Arial"/>
-              </a:rPr>
-              <a:t>с </a:t>
-            </a:r>
-            <a:r>
-              <a:rPr lang="ru-RU" sz="1200" spc="50" dirty="0" smtClean="0">
-                <a:latin typeface="+mj-lt"/>
-                <a:cs typeface="Arial"/>
-              </a:rPr>
-              <a:t>цифровым управлением»</a:t>
+              <a:t>с цифровым управлением»</a:t>
             </a:r>
             <a:r>
               <a:rPr lang="en-US" sz="1200" spc="50" dirty="0" smtClean="0">
@@ -7773,7 +7852,7 @@
           <a:graphicData uri="http://schemas.openxmlformats.org/presentationml/2006/ole">
             <mc:AlternateContent xmlns:mc="http://schemas.openxmlformats.org/markup-compatibility/2006">
               <mc:Choice xmlns:v="urn:schemas-microsoft-com:vml" Requires="v">
-                <p:oleObj spid="_x0000_s1090" name="CorelDRAW" r:id="rId9" imgW="2869611" imgH="3265201" progId="CorelDraw.Graphic.19">
+                <p:oleObj spid="_x0000_s1094" name="CorelDRAW" r:id="rId9" imgW="2869611" imgH="3265201" progId="CorelDraw.Graphic.19">
                   <p:embed/>
                 </p:oleObj>
               </mc:Choice>
@@ -8231,8 +8310,8 @@
         </p:blipFill>
         <p:spPr>
           <a:xfrm>
-            <a:off x="1425979" y="203939"/>
-            <a:ext cx="1741487" cy="1371798"/>
+            <a:off x="1440717" y="215551"/>
+            <a:ext cx="1632683" cy="1360186"/>
           </a:xfrm>
           <a:prstGeom prst="rect">
             <a:avLst/>

--- a/actuator.pptx
+++ b/actuator.pptx
@@ -3219,7 +3219,7 @@
         </p:nvCxnSpPr>
         <p:spPr>
           <a:xfrm flipH="1">
-            <a:off x="4279603" y="3249837"/>
+            <a:off x="4268970" y="3249837"/>
             <a:ext cx="559098" cy="1363"/>
           </a:xfrm>
           <a:prstGeom prst="line">
@@ -3364,7 +3364,7 @@
         </p:nvCxnSpPr>
         <p:spPr>
           <a:xfrm flipV="1">
-            <a:off x="7340600" y="2155254"/>
+            <a:off x="7393765" y="2133988"/>
             <a:ext cx="647700" cy="410146"/>
           </a:xfrm>
           <a:prstGeom prst="line">
@@ -3587,7 +3587,7 @@
         </p:nvCxnSpPr>
         <p:spPr>
           <a:xfrm flipH="1">
-            <a:off x="4279603" y="4533900"/>
+            <a:off x="4268970" y="4555166"/>
             <a:ext cx="965497" cy="889000"/>
           </a:xfrm>
           <a:prstGeom prst="line">
@@ -3617,7 +3617,7 @@
         </p:nvCxnSpPr>
         <p:spPr>
           <a:xfrm flipH="1" flipV="1">
-            <a:off x="4094840" y="1257375"/>
+            <a:off x="4094840" y="1246742"/>
             <a:ext cx="807974" cy="713679"/>
           </a:xfrm>
           <a:prstGeom prst="line">
@@ -3933,7 +3933,7 @@
         </p:nvCxnSpPr>
         <p:spPr>
           <a:xfrm flipV="1">
-            <a:off x="7340600" y="2155254"/>
+            <a:off x="7361866" y="2187153"/>
             <a:ext cx="647700" cy="410146"/>
           </a:xfrm>
           <a:prstGeom prst="line">
@@ -3996,7 +3996,7 @@
         </p:nvCxnSpPr>
         <p:spPr>
           <a:xfrm flipH="1">
-            <a:off x="4254203" y="2246537"/>
+            <a:off x="4243570" y="2246537"/>
             <a:ext cx="559098" cy="1363"/>
           </a:xfrm>
           <a:prstGeom prst="line">
@@ -4131,14 +4131,12 @@
       <p:cxnSp>
         <p:nvCxnSpPr>
           <p:cNvPr id="3" name="Прямая соединительная линия 2"/>
-          <p:cNvCxnSpPr>
-            <a:endCxn id="31" idx="3"/>
-          </p:cNvCxnSpPr>
+          <p:cNvCxnSpPr/>
           <p:nvPr/>
         </p:nvCxnSpPr>
         <p:spPr>
           <a:xfrm flipH="1">
-            <a:off x="4443118" y="4642262"/>
+            <a:off x="4432485" y="4642262"/>
             <a:ext cx="1322684" cy="677436"/>
           </a:xfrm>
           <a:prstGeom prst="line">
@@ -4196,14 +4194,12 @@
       <p:cxnSp>
         <p:nvCxnSpPr>
           <p:cNvPr id="5" name="Прямая соединительная линия 4"/>
-          <p:cNvCxnSpPr>
-            <a:endCxn id="21" idx="1"/>
-          </p:cNvCxnSpPr>
+          <p:cNvCxnSpPr/>
           <p:nvPr/>
         </p:nvCxnSpPr>
         <p:spPr>
           <a:xfrm>
-            <a:off x="7493000" y="4510726"/>
+            <a:off x="7503633" y="4531992"/>
             <a:ext cx="606993" cy="285588"/>
           </a:xfrm>
           <a:prstGeom prst="line">
@@ -4483,7 +4479,7 @@
         </p:nvCxnSpPr>
         <p:spPr>
           <a:xfrm>
-            <a:off x="7499451" y="4003248"/>
+            <a:off x="7520717" y="4003248"/>
             <a:ext cx="558800" cy="0"/>
           </a:xfrm>
           <a:prstGeom prst="line">
@@ -4548,7 +4544,7 @@
         </p:nvCxnSpPr>
         <p:spPr>
           <a:xfrm flipH="1">
-            <a:off x="4254203" y="3602976"/>
+            <a:off x="4275469" y="3602976"/>
             <a:ext cx="559098" cy="1363"/>
           </a:xfrm>
           <a:prstGeom prst="line">
@@ -4666,7 +4662,7 @@
         </p:nvCxnSpPr>
         <p:spPr>
           <a:xfrm>
-            <a:off x="6705600" y="4749800"/>
+            <a:off x="6705600" y="4760433"/>
             <a:ext cx="1270000" cy="1130300"/>
           </a:xfrm>
           <a:prstGeom prst="line">
@@ -4737,7 +4733,7 @@
         </p:nvCxnSpPr>
         <p:spPr>
           <a:xfrm flipH="1" flipV="1">
-            <a:off x="4355803" y="866240"/>
+            <a:off x="4355803" y="887506"/>
             <a:ext cx="952500" cy="685800"/>
           </a:xfrm>
           <a:prstGeom prst="line">
@@ -4762,14 +4758,12 @@
       <p:cxnSp>
         <p:nvCxnSpPr>
           <p:cNvPr id="44" name="Прямая соединительная линия 43"/>
-          <p:cNvCxnSpPr>
-            <a:endCxn id="18" idx="1"/>
-          </p:cNvCxnSpPr>
+          <p:cNvCxnSpPr/>
           <p:nvPr/>
         </p:nvCxnSpPr>
         <p:spPr>
           <a:xfrm flipV="1">
-            <a:off x="7327900" y="948808"/>
+            <a:off x="7327900" y="927542"/>
             <a:ext cx="596157" cy="962542"/>
           </a:xfrm>
           <a:prstGeom prst="line">
@@ -4799,8 +4793,8 @@
         </p:nvCxnSpPr>
         <p:spPr>
           <a:xfrm flipV="1">
-            <a:off x="7340600" y="2155254"/>
-            <a:ext cx="647700" cy="410146"/>
+            <a:off x="7425664" y="2146688"/>
+            <a:ext cx="581835" cy="365547"/>
           </a:xfrm>
           <a:prstGeom prst="line">
             <a:avLst/>
@@ -4866,7 +4860,7 @@
         </p:nvCxnSpPr>
         <p:spPr>
           <a:xfrm flipH="1">
-            <a:off x="4254203" y="2246537"/>
+            <a:off x="4232937" y="2246537"/>
             <a:ext cx="559098" cy="1363"/>
           </a:xfrm>
           <a:prstGeom prst="line">
@@ -4913,7 +4907,6 @@
               <a:rPr lang="ru-RU" dirty="0" smtClean="0"/>
               <a:t>РАСПОЗНАВАНИЕ И ИДЕНТИФИКАЦИЯ ОБЪЕКТОВ,ТОВАРА..</a:t>
             </a:r>
-            <a:endParaRPr lang="ru-RU" dirty="0" smtClean="0"/>
           </a:p>
           <a:p>
             <a:r>
@@ -7852,7 +7845,7 @@
           <a:graphicData uri="http://schemas.openxmlformats.org/presentationml/2006/ole">
             <mc:AlternateContent xmlns:mc="http://schemas.openxmlformats.org/markup-compatibility/2006">
               <mc:Choice xmlns:v="urn:schemas-microsoft-com:vml" Requires="v">
-                <p:oleObj spid="_x0000_s1094" name="CorelDRAW" r:id="rId9" imgW="2869611" imgH="3265201" progId="CorelDraw.Graphic.19">
+                <p:oleObj spid="_x0000_s1096" name="CorelDRAW" r:id="rId9" imgW="2869611" imgH="3265201" progId="CorelDraw.Graphic.19">
                   <p:embed/>
                 </p:oleObj>
               </mc:Choice>

--- a/actuator.pptx
+++ b/actuator.pptx
@@ -7845,7 +7845,7 @@
           <a:graphicData uri="http://schemas.openxmlformats.org/presentationml/2006/ole">
             <mc:AlternateContent xmlns:mc="http://schemas.openxmlformats.org/markup-compatibility/2006">
               <mc:Choice xmlns:v="urn:schemas-microsoft-com:vml" Requires="v">
-                <p:oleObj spid="_x0000_s1096" name="CorelDRAW" r:id="rId9" imgW="2869611" imgH="3265201" progId="CorelDraw.Graphic.19">
+                <p:oleObj spid="_x0000_s1098" name="CorelDRAW" r:id="rId9" imgW="2869611" imgH="3265201" progId="CorelDraw.Graphic.19">
                   <p:embed/>
                 </p:oleObj>
               </mc:Choice>
@@ -7955,7 +7955,7 @@
         </p:blipFill>
         <p:spPr>
           <a:xfrm>
-            <a:off x="9610446" y="4307941"/>
+            <a:off x="9610444" y="4285682"/>
             <a:ext cx="774701" cy="733679"/>
           </a:xfrm>
           <a:prstGeom prst="rect">

--- a/actuator.pptx
+++ b/actuator.pptx
@@ -3014,8 +3014,8 @@
         </p:nvSpPr>
         <p:spPr>
           <a:xfrm>
-            <a:off x="362810" y="5057482"/>
-            <a:ext cx="11829190" cy="1646605"/>
+            <a:off x="190501" y="5085764"/>
+            <a:ext cx="11937999" cy="1585049"/>
           </a:xfrm>
           <a:prstGeom prst="rect">
             <a:avLst/>
@@ -3079,38 +3079,66 @@
           </a:p>
           <a:p>
             <a:r>
-              <a:rPr lang="ru-RU" dirty="0" smtClean="0">
-                <a:latin typeface="+mj-lt"/>
-              </a:rPr>
-              <a:t>РОБОТИЗИРОВАННЫЙ КОМПЛЕКС</a:t>
-            </a:r>
-            <a:r>
-              <a:rPr lang="en-US" dirty="0" smtClean="0">
+              <a:rPr lang="ru-RU" sz="1600" dirty="0" smtClean="0">
+                <a:latin typeface="+mj-lt"/>
+              </a:rPr>
+              <a:t>РОБОТИЗИРОВАННЫЙ </a:t>
+            </a:r>
+            <a:r>
+              <a:rPr lang="en-US" sz="1600" dirty="0" smtClean="0">
                 <a:latin typeface="+mj-lt"/>
               </a:rPr>
               <a:t> </a:t>
             </a:r>
             <a:r>
-              <a:rPr lang="ru-RU" dirty="0" smtClean="0">
-                <a:latin typeface="+mj-lt"/>
-              </a:rPr>
-              <a:t>ДЛЯ ПРОМЫШЛЕННЫХ И БЫТОВЫХ ЗАДАЧ ПОД УПРАВЛЕНИЕМ НЕЙРОННОЙ СЕТИ.</a:t>
-            </a:r>
-          </a:p>
-          <a:p>
-            <a:r>
-              <a:rPr lang="ru-RU" dirty="0" smtClean="0">
-                <a:latin typeface="+mj-lt"/>
-              </a:rPr>
-              <a:t>С ФУНКЦИЯМИ ДИАЛОГА, МОНИТОРИНГА КАЧЕСТВА ВОЗДУХА, ПОЖАРОТУШЕНИЯ, ОХРАНЫ ПОМЕЩЕНИЯ</a:t>
-            </a:r>
-            <a:r>
-              <a:rPr lang="ru-RU" sz="1500" dirty="0" smtClean="0">
+              <a:rPr lang="ru-RU" sz="1600" dirty="0" smtClean="0">
+                <a:latin typeface="+mj-lt"/>
+              </a:rPr>
+              <a:t>МНОГОЦЕЛЕВОЙ </a:t>
+            </a:r>
+            <a:r>
+              <a:rPr lang="ru-RU" sz="1600" dirty="0" smtClean="0">
+                <a:latin typeface="+mj-lt"/>
+              </a:rPr>
+              <a:t>КОМПЛЕКС</a:t>
+            </a:r>
+            <a:r>
+              <a:rPr lang="en-US" sz="1600" dirty="0" smtClean="0">
+                <a:latin typeface="+mj-lt"/>
+              </a:rPr>
+              <a:t> </a:t>
+            </a:r>
+            <a:r>
+              <a:rPr lang="ru-RU" sz="1600" dirty="0" smtClean="0">
+                <a:latin typeface="+mj-lt"/>
+              </a:rPr>
+              <a:t>ДЛЯ ПРОМЫШЛЕННЫХ И БЫТОВЫХ ЗАДАЧ ПОД </a:t>
+            </a:r>
+            <a:r>
+              <a:rPr lang="ru-RU" sz="1600" dirty="0" smtClean="0">
+                <a:latin typeface="+mj-lt"/>
+              </a:rPr>
+              <a:t>УПРАВЛЕНИЕМ НЕЙРОННОЙ СЕТИ. С </a:t>
+            </a:r>
+            <a:r>
+              <a:rPr lang="ru-RU" sz="1600" dirty="0" smtClean="0">
+                <a:latin typeface="+mj-lt"/>
+              </a:rPr>
+              <a:t>ФУНКЦИЯМИ ДИАЛОГА, МОНИТОРИНГА КАЧЕСТВА ВОЗДУХА, ПОЖАРОТУШЕНИЯ, </a:t>
+            </a:r>
+            <a:r>
+              <a:rPr lang="ru-RU" sz="1600" dirty="0" smtClean="0">
+                <a:latin typeface="+mj-lt"/>
+              </a:rPr>
+              <a:t>ОХРАНЫ ПОМЕЩЕНИЯ</a:t>
+            </a:r>
+            <a:r>
+              <a:rPr lang="ru-RU" sz="1600" dirty="0" smtClean="0">
                 <a:latin typeface="+mj-lt"/>
               </a:rPr>
               <a:t>..</a:t>
             </a:r>
-            <a:endParaRPr lang="en-US" sz="1500" dirty="0" smtClean="0">
+            <a:endParaRPr lang="en-US" sz="1600" dirty="0" smtClean="0">
               <a:latin typeface="+mj-lt"/>
             </a:endParaRPr>
           </a:p>
@@ -4919,7 +4947,11 @@
             </a:r>
             <a:r>
               <a:rPr lang="en-US" sz="1100" dirty="0" smtClean="0"/>
-              <a:t>, INDUSTRY 4.0</a:t>
+              <a:t>, INDUSTRY </a:t>
+            </a:r>
+            <a:r>
+              <a:rPr lang="en-US" sz="1100" dirty="0" smtClean="0"/>
+              <a:t>4.0</a:t>
             </a:r>
             <a:endParaRPr lang="en-US" sz="1100" dirty="0"/>
           </a:p>
@@ -7845,7 +7877,7 @@
           <a:graphicData uri="http://schemas.openxmlformats.org/presentationml/2006/ole">
             <mc:AlternateContent xmlns:mc="http://schemas.openxmlformats.org/markup-compatibility/2006">
               <mc:Choice xmlns:v="urn:schemas-microsoft-com:vml" Requires="v">
-                <p:oleObj spid="_x0000_s1098" name="CorelDRAW" r:id="rId9" imgW="2869611" imgH="3265201" progId="CorelDraw.Graphic.19">
+                <p:oleObj spid="_x0000_s1100" name="CorelDRAW" r:id="rId9" imgW="2869611" imgH="3265201" progId="CorelDraw.Graphic.19">
                   <p:embed/>
                 </p:oleObj>
               </mc:Choice>

--- a/actuator.pptx
+++ b/actuator.pptx
@@ -3094,49 +3094,19 @@
               <a:rPr lang="ru-RU" sz="1600" dirty="0" smtClean="0">
                 <a:latin typeface="+mj-lt"/>
               </a:rPr>
-              <a:t>МНОГОЦЕЛЕВОЙ </a:t>
+              <a:t>МНОГОЦЕЛЕВОЙ КОМПЛЕКС</a:t>
+            </a:r>
+            <a:r>
+              <a:rPr lang="en-US" sz="1600" dirty="0" smtClean="0">
+                <a:latin typeface="+mj-lt"/>
+              </a:rPr>
+              <a:t> </a:t>
             </a:r>
             <a:r>
               <a:rPr lang="ru-RU" sz="1600" dirty="0" smtClean="0">
                 <a:latin typeface="+mj-lt"/>
               </a:rPr>
-              <a:t>КОМПЛЕКС</a:t>
-            </a:r>
-            <a:r>
-              <a:rPr lang="en-US" sz="1600" dirty="0" smtClean="0">
-                <a:latin typeface="+mj-lt"/>
-              </a:rPr>
-              <a:t> </a:t>
-            </a:r>
-            <a:r>
-              <a:rPr lang="ru-RU" sz="1600" dirty="0" smtClean="0">
-                <a:latin typeface="+mj-lt"/>
-              </a:rPr>
-              <a:t>ДЛЯ ПРОМЫШЛЕННЫХ И БЫТОВЫХ ЗАДАЧ ПОД </a:t>
-            </a:r>
-            <a:r>
-              <a:rPr lang="ru-RU" sz="1600" dirty="0" smtClean="0">
-                <a:latin typeface="+mj-lt"/>
-              </a:rPr>
-              <a:t>УПРАВЛЕНИЕМ НЕЙРОННОЙ СЕТИ. С </a:t>
-            </a:r>
-            <a:r>
-              <a:rPr lang="ru-RU" sz="1600" dirty="0" smtClean="0">
-                <a:latin typeface="+mj-lt"/>
-              </a:rPr>
-              <a:t>ФУНКЦИЯМИ ДИАЛОГА, МОНИТОРИНГА КАЧЕСТВА ВОЗДУХА, ПОЖАРОТУШЕНИЯ, </a:t>
-            </a:r>
-            <a:r>
-              <a:rPr lang="ru-RU" sz="1600" dirty="0" smtClean="0">
-                <a:latin typeface="+mj-lt"/>
-              </a:rPr>
-              <a:t>ОХРАНЫ ПОМЕЩЕНИЯ</a:t>
-            </a:r>
-            <a:r>
-              <a:rPr lang="ru-RU" sz="1600" dirty="0" smtClean="0">
-                <a:latin typeface="+mj-lt"/>
-              </a:rPr>
-              <a:t>..</a:t>
+              <a:t>ДЛЯ ПРОМЫШЛЕННЫХ И БЫТОВЫХ ЗАДАЧ ПОД УПРАВЛЕНИЕМ НЕЙРОННОЙ СЕТИ. С ФУНКЦИЯМИ ДИАЛОГА, МОНИТОРИНГА КАЧЕСТВА ВОЗДУХА, ПОЖАРОТУШЕНИЯ, ОХРАНЫ ПОМЕЩЕНИЯ..</a:t>
             </a:r>
             <a:endParaRPr lang="en-US" sz="1600" dirty="0" smtClean="0">
               <a:latin typeface="+mj-lt"/>
@@ -4947,11 +4917,7 @@
             </a:r>
             <a:r>
               <a:rPr lang="en-US" sz="1100" dirty="0" smtClean="0"/>
-              <a:t>, INDUSTRY </a:t>
-            </a:r>
-            <a:r>
-              <a:rPr lang="en-US" sz="1100" dirty="0" smtClean="0"/>
-              <a:t>4.0</a:t>
+              <a:t>, INDUSTRY 4.0</a:t>
             </a:r>
             <a:endParaRPr lang="en-US" sz="1100" dirty="0"/>
           </a:p>
@@ -5305,8 +5271,47 @@
               <a:rPr lang="ru-RU" dirty="0" smtClean="0">
                 <a:latin typeface="+mj-lt"/>
               </a:rPr>
-              <a:t>(ПО И КОНТРОЛЛЕРЫ)</a:t>
-            </a:r>
+              <a:t>(</a:t>
+            </a:r>
+            <a:r>
+              <a:rPr lang="ru-RU" dirty="0" smtClean="0">
+                <a:latin typeface="+mj-lt"/>
+              </a:rPr>
+              <a:t>ПО</a:t>
+            </a:r>
+            <a:r>
+              <a:rPr lang="en-US" dirty="0" smtClean="0">
+                <a:latin typeface="+mj-lt"/>
+              </a:rPr>
+              <a:t>, </a:t>
+            </a:r>
+            <a:r>
+              <a:rPr lang="ru-RU" dirty="0" smtClean="0">
+                <a:latin typeface="+mj-lt"/>
+              </a:rPr>
+              <a:t>КОНТРОЛЛЕРЫ</a:t>
+            </a:r>
+            <a:r>
+              <a:rPr lang="en-US" dirty="0">
+                <a:latin typeface="+mj-lt"/>
+              </a:rPr>
+              <a:t> </a:t>
+            </a:r>
+            <a:r>
+              <a:rPr lang="ru-RU" dirty="0" smtClean="0">
+                <a:latin typeface="+mj-lt"/>
+              </a:rPr>
+              <a:t>И ПРОМЫШЛЕННЫЙ ДИЗАЙН</a:t>
+            </a:r>
+            <a:r>
+              <a:rPr lang="ru-RU" dirty="0" smtClean="0">
+                <a:latin typeface="+mj-lt"/>
+              </a:rPr>
+              <a:t>)</a:t>
+            </a:r>
+            <a:endParaRPr lang="ru-RU" dirty="0" smtClean="0">
+              <a:latin typeface="+mj-lt"/>
+            </a:endParaRPr>
           </a:p>
           <a:p>
             <a:r>
@@ -7877,7 +7882,7 @@
           <a:graphicData uri="http://schemas.openxmlformats.org/presentationml/2006/ole">
             <mc:AlternateContent xmlns:mc="http://schemas.openxmlformats.org/markup-compatibility/2006">
               <mc:Choice xmlns:v="urn:schemas-microsoft-com:vml" Requires="v">
-                <p:oleObj spid="_x0000_s1100" name="CorelDRAW" r:id="rId9" imgW="2869611" imgH="3265201" progId="CorelDraw.Graphic.19">
+                <p:oleObj spid="_x0000_s1102" name="CorelDRAW" r:id="rId9" imgW="2869611" imgH="3265201" progId="CorelDraw.Graphic.19">
                   <p:embed/>
                 </p:oleObj>
               </mc:Choice>

--- a/actuator.pptx
+++ b/actuator.pptx
@@ -3106,7 +3106,31 @@
               <a:rPr lang="ru-RU" sz="1600" dirty="0" smtClean="0">
                 <a:latin typeface="+mj-lt"/>
               </a:rPr>
-              <a:t>ДЛЯ ПРОМЫШЛЕННЫХ И БЫТОВЫХ ЗАДАЧ ПОД УПРАВЛЕНИЕМ НЕЙРОННОЙ СЕТИ. С ФУНКЦИЯМИ ДИАЛОГА, МОНИТОРИНГА КАЧЕСТВА ВОЗДУХА, ПОЖАРОТУШЕНИЯ, ОХРАНЫ ПОМЕЩЕНИЯ..</a:t>
+              <a:t>ДЛЯ ПРОМЫШЛЕННЫХ И БЫТОВЫХ </a:t>
+            </a:r>
+            <a:r>
+              <a:rPr lang="ru-RU" sz="1600" dirty="0" smtClean="0">
+                <a:latin typeface="+mj-lt"/>
+              </a:rPr>
+              <a:t>ЗАДАЧ</a:t>
+            </a:r>
+            <a:r>
+              <a:rPr lang="en-US" sz="1600" dirty="0">
+                <a:latin typeface="+mj-lt"/>
+              </a:rPr>
+              <a:t>,</a:t>
+            </a:r>
+            <a:r>
+              <a:rPr lang="ru-RU" sz="1600" dirty="0" smtClean="0">
+                <a:latin typeface="+mj-lt"/>
+              </a:rPr>
+              <a:t> </a:t>
+            </a:r>
+            <a:r>
+              <a:rPr lang="ru-RU" sz="1600" dirty="0" smtClean="0">
+                <a:latin typeface="+mj-lt"/>
+              </a:rPr>
+              <a:t>ПОД УПРАВЛЕНИЕМ НЕЙРОННОЙ СЕТИ. С ФУНКЦИЯМИ ДИАЛОГА, МОНИТОРИНГА КАЧЕСТВА ВОЗДУХА, ПОЖАРОТУШЕНИЯ, ОХРАНЫ ПОМЕЩЕНИЯ..</a:t>
             </a:r>
             <a:endParaRPr lang="en-US" sz="1600" dirty="0" smtClean="0">
               <a:latin typeface="+mj-lt"/>
@@ -4321,7 +4345,7 @@
         </p:nvCxnSpPr>
         <p:spPr>
           <a:xfrm flipH="1">
-            <a:off x="3665259" y="4152276"/>
+            <a:off x="3652559" y="4164976"/>
             <a:ext cx="1114252" cy="578086"/>
           </a:xfrm>
           <a:prstGeom prst="line">
@@ -5271,47 +5295,32 @@
               <a:rPr lang="ru-RU" dirty="0" smtClean="0">
                 <a:latin typeface="+mj-lt"/>
               </a:rPr>
-              <a:t>(</a:t>
+              <a:t>(ПО</a:t>
+            </a:r>
+            <a:r>
+              <a:rPr lang="en-US" dirty="0" smtClean="0">
+                <a:latin typeface="+mj-lt"/>
+              </a:rPr>
+              <a:t>, </a:t>
             </a:r>
             <a:r>
               <a:rPr lang="ru-RU" dirty="0" smtClean="0">
                 <a:latin typeface="+mj-lt"/>
               </a:rPr>
-              <a:t>ПО</a:t>
-            </a:r>
-            <a:r>
-              <a:rPr lang="en-US" dirty="0" smtClean="0">
-                <a:latin typeface="+mj-lt"/>
-              </a:rPr>
-              <a:t>, </a:t>
+              <a:t>КОНТРОЛЛЕРЫ</a:t>
+            </a:r>
+            <a:r>
+              <a:rPr lang="en-US" dirty="0">
+                <a:latin typeface="+mj-lt"/>
+              </a:rPr>
+              <a:t> </a:t>
             </a:r>
             <a:r>
               <a:rPr lang="ru-RU" dirty="0" smtClean="0">
                 <a:latin typeface="+mj-lt"/>
               </a:rPr>
-              <a:t>КОНТРОЛЛЕРЫ</a:t>
-            </a:r>
-            <a:r>
-              <a:rPr lang="en-US" dirty="0">
-                <a:latin typeface="+mj-lt"/>
-              </a:rPr>
-              <a:t> </a:t>
-            </a:r>
-            <a:r>
-              <a:rPr lang="ru-RU" dirty="0" smtClean="0">
-                <a:latin typeface="+mj-lt"/>
-              </a:rPr>
-              <a:t>И ПРОМЫШЛЕННЫЙ ДИЗАЙН</a:t>
-            </a:r>
-            <a:r>
-              <a:rPr lang="ru-RU" dirty="0" smtClean="0">
-                <a:latin typeface="+mj-lt"/>
-              </a:rPr>
-              <a:t>)</a:t>
-            </a:r>
-            <a:endParaRPr lang="ru-RU" dirty="0" smtClean="0">
-              <a:latin typeface="+mj-lt"/>
-            </a:endParaRPr>
+              <a:t>И ПРОМЫШЛЕННЫЙ ДИЗАЙН)</a:t>
+            </a:r>
           </a:p>
           <a:p>
             <a:r>
@@ -7882,7 +7891,7 @@
           <a:graphicData uri="http://schemas.openxmlformats.org/presentationml/2006/ole">
             <mc:AlternateContent xmlns:mc="http://schemas.openxmlformats.org/markup-compatibility/2006">
               <mc:Choice xmlns:v="urn:schemas-microsoft-com:vml" Requires="v">
-                <p:oleObj spid="_x0000_s1102" name="CorelDRAW" r:id="rId9" imgW="2869611" imgH="3265201" progId="CorelDraw.Graphic.19">
+                <p:oleObj spid="_x0000_s1103" name="CorelDRAW" r:id="rId9" imgW="2869611" imgH="3265201" progId="CorelDraw.Graphic.19">
                   <p:embed/>
                 </p:oleObj>
               </mc:Choice>

--- a/actuator.pptx
+++ b/actuator.pptx
@@ -3106,31 +3106,19 @@
               <a:rPr lang="ru-RU" sz="1600" dirty="0" smtClean="0">
                 <a:latin typeface="+mj-lt"/>
               </a:rPr>
-              <a:t>ДЛЯ ПРОМЫШЛЕННЫХ И БЫТОВЫХ </a:t>
+              <a:t>ДЛЯ ПРОМЫШЛЕННЫХ И БЫТОВЫХ ЗАДАЧ</a:t>
+            </a:r>
+            <a:r>
+              <a:rPr lang="en-US" sz="1600" dirty="0">
+                <a:latin typeface="+mj-lt"/>
+              </a:rPr>
+              <a:t>,</a:t>
             </a:r>
             <a:r>
               <a:rPr lang="ru-RU" sz="1600" dirty="0" smtClean="0">
                 <a:latin typeface="+mj-lt"/>
               </a:rPr>
-              <a:t>ЗАДАЧ</a:t>
-            </a:r>
-            <a:r>
-              <a:rPr lang="en-US" sz="1600" dirty="0">
-                <a:latin typeface="+mj-lt"/>
-              </a:rPr>
-              <a:t>,</a:t>
-            </a:r>
-            <a:r>
-              <a:rPr lang="ru-RU" sz="1600" dirty="0" smtClean="0">
-                <a:latin typeface="+mj-lt"/>
-              </a:rPr>
-              <a:t> </a:t>
-            </a:r>
-            <a:r>
-              <a:rPr lang="ru-RU" sz="1600" dirty="0" smtClean="0">
-                <a:latin typeface="+mj-lt"/>
-              </a:rPr>
-              <a:t>ПОД УПРАВЛЕНИЕМ НЕЙРОННОЙ СЕТИ. С ФУНКЦИЯМИ ДИАЛОГА, МОНИТОРИНГА КАЧЕСТВА ВОЗДУХА, ПОЖАРОТУШЕНИЯ, ОХРАНЫ ПОМЕЩЕНИЯ..</a:t>
+              <a:t> ПОД УПРАВЛЕНИЕМ НЕЙРОННОЙ СЕТИ. С ФУНКЦИЯМИ ДИАЛОГА, МОНИТОРИНГА КАЧЕСТВА ВОЗДУХА, ПОЖАРОТУШЕНИЯ, ОХРАНЫ ПОМЕЩЕНИЯ..</a:t>
             </a:r>
             <a:endParaRPr lang="en-US" sz="1600" dirty="0" smtClean="0">
               <a:latin typeface="+mj-lt"/>
@@ -3920,13 +3908,15 @@
       <p:cxnSp>
         <p:nvCxnSpPr>
           <p:cNvPr id="44" name="Прямая соединительная линия 43"/>
-          <p:cNvCxnSpPr/>
+          <p:cNvCxnSpPr>
+            <a:endCxn id="18" idx="1"/>
+          </p:cNvCxnSpPr>
           <p:nvPr/>
         </p:nvCxnSpPr>
         <p:spPr>
           <a:xfrm flipV="1">
-            <a:off x="7340600" y="826263"/>
-            <a:ext cx="596157" cy="1047179"/>
+            <a:off x="7334473" y="855731"/>
+            <a:ext cx="691184" cy="1042919"/>
           </a:xfrm>
           <a:prstGeom prst="line">
             <a:avLst/>
@@ -4376,7 +4366,7 @@
         <p:spPr>
           <a:xfrm>
             <a:off x="7924057" y="594865"/>
-            <a:ext cx="3281732" cy="707886"/>
+            <a:ext cx="3294492" cy="707886"/>
           </a:xfrm>
           <a:prstGeom prst="rect">
             <a:avLst/>
@@ -4396,11 +4386,18 @@
           <a:p>
             <a:r>
               <a:rPr lang="ru-RU" sz="1100" dirty="0" smtClean="0"/>
-              <a:t>ДИАЛОГОВЫЕ И ИНФОРМАЦИОННЫЕ ФУНКЦИИ</a:t>
-            </a:r>
-            <a:endParaRPr lang="en-US" sz="1100" dirty="0" smtClean="0"/>
-          </a:p>
-          <a:p>
+              <a:t>ДИАЛОГОВЫЕ, ИНФОРМАЦИОННЫЕ И РЕКЛАМНЫЕ</a:t>
+            </a:r>
+          </a:p>
+          <a:p>
+            <a:r>
+              <a:rPr lang="ru-RU" sz="1100" dirty="0" smtClean="0"/>
+              <a:t> ФУНКЦИИ</a:t>
+            </a:r>
+            <a:r>
+              <a:rPr lang="ru-RU" sz="1100" dirty="0"/>
+              <a:t> </a:t>
+            </a:r>
             <a:r>
               <a:rPr lang="en-US" sz="1100" dirty="0" smtClean="0"/>
               <a:t>(</a:t>
@@ -4411,7 +4408,19 @@
             </a:r>
             <a:r>
               <a:rPr lang="en-US" sz="1100" dirty="0" smtClean="0"/>
-              <a:t>QR, NFC..)</a:t>
+              <a:t>QR, </a:t>
+            </a:r>
+            <a:r>
+              <a:rPr lang="en-US" sz="1100" dirty="0" smtClean="0"/>
+              <a:t>NFC, </a:t>
+            </a:r>
+            <a:r>
+              <a:rPr lang="ru-RU" sz="1100" dirty="0" smtClean="0"/>
+              <a:t>ПРИЛОЖЕНИЕ</a:t>
+            </a:r>
+            <a:r>
+              <a:rPr lang="en-US" sz="1100" dirty="0" smtClean="0"/>
+              <a:t>.)</a:t>
             </a:r>
             <a:endParaRPr lang="ru-RU" sz="1100" dirty="0"/>
           </a:p>
@@ -4425,7 +4434,7 @@
         </p:nvSpPr>
         <p:spPr>
           <a:xfrm>
-            <a:off x="8058251" y="3800614"/>
+            <a:off x="8047129" y="2819591"/>
             <a:ext cx="3250890" cy="707886"/>
           </a:xfrm>
           <a:prstGeom prst="rect">
@@ -4552,7 +4561,11 @@
           <a:p>
             <a:r>
               <a:rPr lang="ru-RU" sz="1100" dirty="0" smtClean="0"/>
-              <a:t>МОНИТОРИНГ КАЧЕСТВА ВОЗДУХА    </a:t>
+              <a:t>МОНИТОРИНГ КАЧЕСТВА </a:t>
+            </a:r>
+            <a:r>
+              <a:rPr lang="ru-RU" sz="1100" dirty="0" smtClean="0"/>
+              <a:t>ВОЗДУХА..    </a:t>
             </a:r>
             <a:endParaRPr lang="ru-RU" sz="1100" dirty="0"/>
           </a:p>
@@ -4676,36 +4689,6 @@
           </a:p>
         </p:txBody>
       </p:sp>
-      <p:cxnSp>
-        <p:nvCxnSpPr>
-          <p:cNvPr id="38" name="Прямая соединительная линия 37"/>
-          <p:cNvCxnSpPr/>
-          <p:nvPr/>
-        </p:nvCxnSpPr>
-        <p:spPr>
-          <a:xfrm>
-            <a:off x="6705600" y="4760433"/>
-            <a:ext cx="1270000" cy="1130300"/>
-          </a:xfrm>
-          <a:prstGeom prst="line">
-            <a:avLst/>
-          </a:prstGeom>
-        </p:spPr>
-        <p:style>
-          <a:lnRef idx="1">
-            <a:schemeClr val="accent1"/>
-          </a:lnRef>
-          <a:fillRef idx="0">
-            <a:schemeClr val="accent1"/>
-          </a:fillRef>
-          <a:effectRef idx="0">
-            <a:schemeClr val="accent1"/>
-          </a:effectRef>
-          <a:fontRef idx="minor">
-            <a:schemeClr val="tx1"/>
-          </a:fontRef>
-        </p:style>
-      </p:cxnSp>
       <p:sp>
         <p:nvSpPr>
           <p:cNvPr id="39" name="Прямоугольник 38"/>
@@ -4714,8 +4697,8 @@
         </p:nvSpPr>
         <p:spPr>
           <a:xfrm>
-            <a:off x="8061747" y="5635908"/>
-            <a:ext cx="4130253" cy="707886"/>
+            <a:off x="8047129" y="3811033"/>
+            <a:ext cx="4130253" cy="877163"/>
           </a:xfrm>
           <a:prstGeom prst="rect">
             <a:avLst/>
@@ -4735,8 +4718,19 @@
           <a:p>
             <a:r>
               <a:rPr lang="ru-RU" sz="1100" dirty="0" smtClean="0"/>
-              <a:t>НУЛЕВОЙ РАДИУС РАЗВОРОТА С НЕЗАВИСИМЫМИ ПРИВОДАМИ</a:t>
-            </a:r>
+              <a:t>НУЛЕВОЙ РАДИУС РАЗВОРОТА С </a:t>
+            </a:r>
+            <a:r>
+              <a:rPr lang="ru-RU" sz="1100" dirty="0" smtClean="0"/>
+              <a:t>НЕЗАВИСИМЫМИ</a:t>
+            </a:r>
+          </a:p>
+          <a:p>
+            <a:r>
+              <a:rPr lang="ru-RU" sz="1100" dirty="0" smtClean="0"/>
+              <a:t>ПРИВОДАМИ</a:t>
+            </a:r>
+            <a:endParaRPr lang="ru-RU" sz="1100" dirty="0" smtClean="0"/>
           </a:p>
           <a:p>
             <a:r>
@@ -4815,7 +4809,7 @@
         </p:nvCxnSpPr>
         <p:spPr>
           <a:xfrm flipV="1">
-            <a:off x="7425664" y="2146688"/>
+            <a:off x="7412964" y="2133988"/>
             <a:ext cx="581835" cy="365547"/>
           </a:xfrm>
           <a:prstGeom prst="line">
@@ -4846,7 +4840,7 @@
         <p:spPr>
           <a:xfrm>
             <a:off x="335601" y="2044351"/>
-            <a:ext cx="4474302" cy="707886"/>
+            <a:ext cx="3306033" cy="877163"/>
           </a:xfrm>
           <a:prstGeom prst="rect">
             <a:avLst/>
@@ -4866,7 +4860,21 @@
           <a:p>
             <a:r>
               <a:rPr lang="ru-RU" sz="1100" dirty="0" smtClean="0"/>
-              <a:t>АВТОМАТИЧЕСКАЯ СМЕНА АККУМУЛЯТОРОВ, ЗАПРАВКА ВОДЫ И СЛИВ</a:t>
+              <a:t>АВТОМАТИЧЕСКАЯ СМЕНА АККУМУЛЯТОРОВ</a:t>
+            </a:r>
+            <a:r>
+              <a:rPr lang="ru-RU" sz="1100" dirty="0" smtClean="0"/>
+              <a:t>,</a:t>
+            </a:r>
+          </a:p>
+          <a:p>
+            <a:r>
+              <a:rPr lang="ru-RU" sz="1100" dirty="0" smtClean="0"/>
+              <a:t> </a:t>
+            </a:r>
+            <a:r>
+              <a:rPr lang="ru-RU" sz="1100" dirty="0" smtClean="0"/>
+              <a:t>ЗАПРАВКА ВОДЫ И СЛИВ</a:t>
             </a:r>
           </a:p>
           <a:p>
@@ -4912,8 +4920,8 @@
         </p:nvSpPr>
         <p:spPr>
           <a:xfrm>
-            <a:off x="378246" y="5839108"/>
-            <a:ext cx="6035253" cy="707886"/>
+            <a:off x="349578" y="5927556"/>
+            <a:ext cx="4641522" cy="707886"/>
           </a:xfrm>
           <a:prstGeom prst="rect">
             <a:avLst/>
@@ -4927,28 +4935,44 @@
           <a:p>
             <a:r>
               <a:rPr lang="ru-RU" dirty="0" smtClean="0"/>
-              <a:t>РАСПОЗНАВАНИЕ И ИДЕНТИФИКАЦИЯ ОБЪЕКТОВ,ТОВАРА..</a:t>
+              <a:t>ИДЕНТИФИКАЦИЯ </a:t>
+            </a:r>
+            <a:r>
+              <a:rPr lang="ru-RU" dirty="0" smtClean="0"/>
+              <a:t>ОБЪЕКТОВ,ТОВАРА..</a:t>
             </a:r>
           </a:p>
           <a:p>
             <a:r>
               <a:rPr lang="ru-RU" sz="1100" dirty="0" smtClean="0"/>
-              <a:t>СКЛАДЫ, СУПЕРМАРКЕТЫ, </a:t>
-            </a:r>
-            <a:r>
-              <a:rPr lang="en-US" sz="1100" dirty="0" err="1" smtClean="0"/>
-              <a:t>IIoT</a:t>
+              <a:t>СКЛАДЫ, </a:t>
+            </a:r>
+            <a:r>
+              <a:rPr lang="ru-RU" sz="1100" dirty="0" smtClean="0"/>
+              <a:t>СУПЕРМАРКЕТЫ</a:t>
             </a:r>
             <a:r>
               <a:rPr lang="en-US" sz="1100" dirty="0" smtClean="0"/>
-              <a:t>, INDUSTRY 4.0</a:t>
+              <a:t>..</a:t>
             </a:r>
             <a:endParaRPr lang="en-US" sz="1100" dirty="0"/>
           </a:p>
           <a:p>
             <a:r>
               <a:rPr lang="ru-RU" sz="1100" dirty="0" smtClean="0"/>
-              <a:t>(ВЕКТОРИЗАЦИЯ, </a:t>
+              <a:t>(</a:t>
+            </a:r>
+            <a:r>
+              <a:rPr lang="ru-RU" sz="1100" dirty="0" smtClean="0"/>
+              <a:t>РАСПОЗНАВАНИЕ, </a:t>
+            </a:r>
+            <a:r>
+              <a:rPr lang="ru-RU" sz="1100" dirty="0" smtClean="0"/>
+              <a:t>ВЕКТОРИЗАЦИЯ</a:t>
+            </a:r>
+            <a:r>
+              <a:rPr lang="ru-RU" sz="1100" dirty="0" smtClean="0"/>
+              <a:t>, </a:t>
             </a:r>
             <a:r>
               <a:rPr lang="en-US" sz="1100" dirty="0" smtClean="0"/>
@@ -4956,7 +4980,11 @@
             </a:r>
             <a:r>
               <a:rPr lang="ru-RU" sz="1100" dirty="0" smtClean="0"/>
-              <a:t>, ИНВЕНТАРИЗАЦИЯ)</a:t>
+              <a:t>, </a:t>
+            </a:r>
+            <a:r>
+              <a:rPr lang="ru-RU" sz="1100" dirty="0" smtClean="0"/>
+              <a:t>ИНВЕНТАРИЗАЦИЯ..)</a:t>
             </a:r>
             <a:endParaRPr lang="ru-RU" sz="1100" dirty="0"/>
           </a:p>
@@ -4972,6 +5000,130 @@
           <a:xfrm flipH="1">
             <a:off x="3905360" y="4604409"/>
             <a:ext cx="1708040" cy="1234699"/>
+          </a:xfrm>
+          <a:prstGeom prst="line">
+            <a:avLst/>
+          </a:prstGeom>
+        </p:spPr>
+        <p:style>
+          <a:lnRef idx="1">
+            <a:schemeClr val="accent1"/>
+          </a:lnRef>
+          <a:fillRef idx="0">
+            <a:schemeClr val="accent1"/>
+          </a:fillRef>
+          <a:effectRef idx="0">
+            <a:schemeClr val="accent1"/>
+          </a:effectRef>
+          <a:fontRef idx="minor">
+            <a:schemeClr val="tx1"/>
+          </a:fontRef>
+        </p:style>
+      </p:cxnSp>
+      <p:sp>
+        <p:nvSpPr>
+          <p:cNvPr id="22" name="Прямоугольник 21"/>
+          <p:cNvSpPr/>
+          <p:nvPr/>
+        </p:nvSpPr>
+        <p:spPr>
+          <a:xfrm>
+            <a:off x="8079517" y="5914856"/>
+            <a:ext cx="4006225" cy="538609"/>
+          </a:xfrm>
+          <a:prstGeom prst="rect">
+            <a:avLst/>
+          </a:prstGeom>
+        </p:spPr>
+        <p:txBody>
+          <a:bodyPr wrap="square">
+            <a:spAutoFit/>
+          </a:bodyPr>
+          <a:lstStyle/>
+          <a:p>
+            <a:r>
+              <a:rPr lang="ru-RU" dirty="0" smtClean="0"/>
+              <a:t>ИНТЕРНЕТ ВЕЩЕЙ</a:t>
+            </a:r>
+            <a:r>
+              <a:rPr lang="en-US" dirty="0" smtClean="0"/>
+              <a:t>, </a:t>
+            </a:r>
+            <a:r>
+              <a:rPr lang="en-US" dirty="0" smtClean="0"/>
+              <a:t>INDUSTRY 4.0..</a:t>
+            </a:r>
+            <a:endParaRPr lang="ru-RU" dirty="0" smtClean="0"/>
+          </a:p>
+          <a:p>
+            <a:r>
+              <a:rPr lang="ru-RU" sz="1100" dirty="0" smtClean="0"/>
+              <a:t>ПРОТОКОЛЫ, </a:t>
+            </a:r>
+            <a:r>
+              <a:rPr lang="ru-RU" sz="1100" dirty="0" smtClean="0"/>
+              <a:t>СЕТИ: </a:t>
+            </a:r>
+            <a:r>
+              <a:rPr lang="en-US" sz="1100" dirty="0" smtClean="0"/>
+              <a:t>WI-FI, ZIGBEE, RFID</a:t>
+            </a:r>
+            <a:r>
+              <a:rPr lang="ru-RU" sz="1100" dirty="0" smtClean="0"/>
+              <a:t> (КАМЕРЫ, ДАТЧИКИ</a:t>
+            </a:r>
+            <a:r>
+              <a:rPr lang="en-US" sz="1100" dirty="0" smtClean="0"/>
+              <a:t>..</a:t>
+            </a:r>
+            <a:r>
+              <a:rPr lang="ru-RU" sz="1100" dirty="0" smtClean="0"/>
+              <a:t>)..</a:t>
+            </a:r>
+            <a:endParaRPr lang="en-US" sz="1100" dirty="0"/>
+          </a:p>
+        </p:txBody>
+      </p:sp>
+      <p:cxnSp>
+        <p:nvCxnSpPr>
+          <p:cNvPr id="5" name="Прямая соединительная линия 4"/>
+          <p:cNvCxnSpPr/>
+          <p:nvPr/>
+        </p:nvCxnSpPr>
+        <p:spPr>
+          <a:xfrm>
+            <a:off x="6997700" y="4675496"/>
+            <a:ext cx="1069117" cy="1239360"/>
+          </a:xfrm>
+          <a:prstGeom prst="line">
+            <a:avLst/>
+          </a:prstGeom>
+        </p:spPr>
+        <p:style>
+          <a:lnRef idx="1">
+            <a:schemeClr val="accent1"/>
+          </a:lnRef>
+          <a:fillRef idx="0">
+            <a:schemeClr val="accent1"/>
+          </a:fillRef>
+          <a:effectRef idx="0">
+            <a:schemeClr val="accent1"/>
+          </a:effectRef>
+          <a:fontRef idx="minor">
+            <a:schemeClr val="tx1"/>
+          </a:fontRef>
+        </p:style>
+      </p:cxnSp>
+      <p:cxnSp>
+        <p:nvCxnSpPr>
+          <p:cNvPr id="7" name="Прямая соединительная линия 6"/>
+          <p:cNvCxnSpPr/>
+          <p:nvPr/>
+        </p:nvCxnSpPr>
+        <p:spPr>
+          <a:xfrm>
+            <a:off x="7366743" y="3035814"/>
+            <a:ext cx="596157" cy="0"/>
           </a:xfrm>
           <a:prstGeom prst="line">
             <a:avLst/>
@@ -6311,7 +6463,7 @@
         </p:nvSpPr>
         <p:spPr>
           <a:xfrm>
-            <a:off x="9841808" y="4341672"/>
+            <a:off x="9773904" y="4328637"/>
             <a:ext cx="1447832" cy="369332"/>
           </a:xfrm>
           <a:prstGeom prst="rect">
@@ -6344,7 +6496,7 @@
         </p:nvSpPr>
         <p:spPr>
           <a:xfrm>
-            <a:off x="9472146" y="4882634"/>
+            <a:off x="9347505" y="4882634"/>
             <a:ext cx="1874231" cy="369332"/>
           </a:xfrm>
           <a:prstGeom prst="rect">
@@ -6387,7 +6539,7 @@
         </p:nvSpPr>
         <p:spPr>
           <a:xfrm>
-            <a:off x="9480107" y="5494097"/>
+            <a:off x="9347505" y="5481397"/>
             <a:ext cx="2258952" cy="369332"/>
           </a:xfrm>
           <a:prstGeom prst="rect">
@@ -6430,7 +6582,7 @@
         </p:nvSpPr>
         <p:spPr>
           <a:xfrm>
-            <a:off x="9484178" y="6082539"/>
+            <a:off x="9347505" y="6092860"/>
             <a:ext cx="715260" cy="369332"/>
           </a:xfrm>
           <a:prstGeom prst="rect">
@@ -6473,7 +6625,7 @@
         </p:nvSpPr>
         <p:spPr>
           <a:xfrm>
-            <a:off x="4341346" y="4869934"/>
+            <a:off x="4216705" y="4866917"/>
             <a:ext cx="2351926" cy="369332"/>
           </a:xfrm>
           <a:prstGeom prst="rect">
@@ -6516,7 +6668,7 @@
         </p:nvSpPr>
         <p:spPr>
           <a:xfrm>
-            <a:off x="4341346" y="5481397"/>
+            <a:off x="4216705" y="5481397"/>
             <a:ext cx="2645276" cy="369332"/>
           </a:xfrm>
           <a:prstGeom prst="rect">
@@ -6559,7 +6711,7 @@
         </p:nvSpPr>
         <p:spPr>
           <a:xfrm>
-            <a:off x="4353378" y="6092860"/>
+            <a:off x="4216705" y="6092860"/>
             <a:ext cx="1380506" cy="369332"/>
           </a:xfrm>
           <a:prstGeom prst="rect">
@@ -7891,7 +8043,7 @@
           <a:graphicData uri="http://schemas.openxmlformats.org/presentationml/2006/ole">
             <mc:AlternateContent xmlns:mc="http://schemas.openxmlformats.org/markup-compatibility/2006">
               <mc:Choice xmlns:v="urn:schemas-microsoft-com:vml" Requires="v">
-                <p:oleObj spid="_x0000_s1103" name="CorelDRAW" r:id="rId9" imgW="2869611" imgH="3265201" progId="CorelDraw.Graphic.19">
+                <p:oleObj spid="_x0000_s1105" name="CorelDRAW" r:id="rId9" imgW="2869611" imgH="3265201" progId="CorelDraw.Graphic.19">
                   <p:embed/>
                 </p:oleObj>
               </mc:Choice>

--- a/actuator.pptx
+++ b/actuator.pptx
@@ -4392,11 +4392,7 @@
           <a:p>
             <a:r>
               <a:rPr lang="ru-RU" sz="1100" dirty="0" smtClean="0"/>
-              <a:t> ФУНКЦИИ</a:t>
-            </a:r>
-            <a:r>
-              <a:rPr lang="ru-RU" sz="1100" dirty="0"/>
-              <a:t> </a:t>
+              <a:t>ФУНКЦИИ </a:t>
             </a:r>
             <a:r>
               <a:rPr lang="en-US" sz="1100" dirty="0" smtClean="0"/>
@@ -4408,11 +4404,7 @@
             </a:r>
             <a:r>
               <a:rPr lang="en-US" sz="1100" dirty="0" smtClean="0"/>
-              <a:t>QR, </a:t>
-            </a:r>
-            <a:r>
-              <a:rPr lang="en-US" sz="1100" dirty="0" smtClean="0"/>
-              <a:t>NFC, </a:t>
+              <a:t>QR, NFC, </a:t>
             </a:r>
             <a:r>
               <a:rPr lang="ru-RU" sz="1100" dirty="0" smtClean="0"/>
@@ -4561,11 +4553,7 @@
           <a:p>
             <a:r>
               <a:rPr lang="ru-RU" sz="1100" dirty="0" smtClean="0"/>
-              <a:t>МОНИТОРИНГ КАЧЕСТВА </a:t>
-            </a:r>
-            <a:r>
-              <a:rPr lang="ru-RU" sz="1100" dirty="0" smtClean="0"/>
-              <a:t>ВОЗДУХА..    </a:t>
+              <a:t>МОНИТОРИНГ КАЧЕСТВА ВОЗДУХА..    </a:t>
             </a:r>
             <a:endParaRPr lang="ru-RU" sz="1100" dirty="0"/>
           </a:p>
@@ -4718,11 +4706,7 @@
           <a:p>
             <a:r>
               <a:rPr lang="ru-RU" sz="1100" dirty="0" smtClean="0"/>
-              <a:t>НУЛЕВОЙ РАДИУС РАЗВОРОТА С </a:t>
-            </a:r>
-            <a:r>
-              <a:rPr lang="ru-RU" sz="1100" dirty="0" smtClean="0"/>
-              <a:t>НЕЗАВИСИМЫМИ</a:t>
+              <a:t>НУЛЕВОЙ РАДИУС РАЗВОРОТА С НЕЗАВИСИМЫМИ</a:t>
             </a:r>
           </a:p>
           <a:p>
@@ -4730,7 +4714,6 @@
               <a:rPr lang="ru-RU" sz="1100" dirty="0" smtClean="0"/>
               <a:t>ПРИВОДАМИ</a:t>
             </a:r>
-            <a:endParaRPr lang="ru-RU" sz="1100" dirty="0" smtClean="0"/>
           </a:p>
           <a:p>
             <a:r>
@@ -4860,21 +4843,17 @@
           <a:p>
             <a:r>
               <a:rPr lang="ru-RU" sz="1100" dirty="0" smtClean="0"/>
-              <a:t>АВТОМАТИЧЕСКАЯ СМЕНА АККУМУЛЯТОРОВ</a:t>
-            </a:r>
+              <a:t>АВТОМАТИЧЕСКАЯ СМЕНА АККУМУЛЯТОРОВ,</a:t>
+            </a:r>
+          </a:p>
+          <a:p>
             <a:r>
               <a:rPr lang="ru-RU" sz="1100" dirty="0" smtClean="0"/>
-              <a:t>,</a:t>
-            </a:r>
-          </a:p>
-          <a:p>
+              <a:t>ЗАПРАВКА </a:t>
+            </a:r>
             <a:r>
               <a:rPr lang="ru-RU" sz="1100" dirty="0" smtClean="0"/>
-              <a:t> </a:t>
-            </a:r>
-            <a:r>
-              <a:rPr lang="ru-RU" sz="1100" dirty="0" smtClean="0"/>
-              <a:t>ЗАПРАВКА ВОДЫ И СЛИВ</a:t>
+              <a:t>ВОДЫ И СЛИВ</a:t>
             </a:r>
           </a:p>
           <a:p>
@@ -4935,21 +4914,13 @@
           <a:p>
             <a:r>
               <a:rPr lang="ru-RU" dirty="0" smtClean="0"/>
-              <a:t>ИДЕНТИФИКАЦИЯ </a:t>
-            </a:r>
-            <a:r>
-              <a:rPr lang="ru-RU" dirty="0" smtClean="0"/>
-              <a:t>ОБЪЕКТОВ,ТОВАРА..</a:t>
+              <a:t>ИДЕНТИФИКАЦИЯ ОБЪЕКТОВ,ТОВАРА..</a:t>
             </a:r>
           </a:p>
           <a:p>
             <a:r>
               <a:rPr lang="ru-RU" sz="1100" dirty="0" smtClean="0"/>
-              <a:t>СКЛАДЫ, </a:t>
-            </a:r>
-            <a:r>
-              <a:rPr lang="ru-RU" sz="1100" dirty="0" smtClean="0"/>
-              <a:t>СУПЕРМАРКЕТЫ</a:t>
+              <a:t>СКЛАДЫ, СУПЕРМАРКЕТЫ</a:t>
             </a:r>
             <a:r>
               <a:rPr lang="en-US" sz="1100" dirty="0" smtClean="0"/>
@@ -4960,19 +4931,7 @@
           <a:p>
             <a:r>
               <a:rPr lang="ru-RU" sz="1100" dirty="0" smtClean="0"/>
-              <a:t>(</a:t>
-            </a:r>
-            <a:r>
-              <a:rPr lang="ru-RU" sz="1100" dirty="0" smtClean="0"/>
-              <a:t>РАСПОЗНАВАНИЕ, </a:t>
-            </a:r>
-            <a:r>
-              <a:rPr lang="ru-RU" sz="1100" dirty="0" smtClean="0"/>
-              <a:t>ВЕКТОРИЗАЦИЯ</a:t>
-            </a:r>
-            <a:r>
-              <a:rPr lang="ru-RU" sz="1100" dirty="0" smtClean="0"/>
-              <a:t>, </a:t>
+              <a:t>(РАСПОЗНАВАНИЕ, ВЕКТОРИЗАЦИЯ, </a:t>
             </a:r>
             <a:r>
               <a:rPr lang="en-US" sz="1100" dirty="0" smtClean="0"/>
@@ -4980,11 +4939,7 @@
             </a:r>
             <a:r>
               <a:rPr lang="ru-RU" sz="1100" dirty="0" smtClean="0"/>
-              <a:t>, </a:t>
-            </a:r>
-            <a:r>
-              <a:rPr lang="ru-RU" sz="1100" dirty="0" smtClean="0"/>
-              <a:t>ИНВЕНТАРИЗАЦИЯ..)</a:t>
+              <a:t>, ИНВЕНТАРИЗАЦИЯ..)</a:t>
             </a:r>
             <a:endParaRPr lang="ru-RU" sz="1100" dirty="0"/>
           </a:p>
@@ -5047,22 +5002,14 @@
             </a:r>
             <a:r>
               <a:rPr lang="en-US" dirty="0" smtClean="0"/>
-              <a:t>, </a:t>
-            </a:r>
-            <a:r>
-              <a:rPr lang="en-US" dirty="0" smtClean="0"/>
-              <a:t>INDUSTRY 4.0..</a:t>
+              <a:t>, INDUSTRY 4.0..</a:t>
             </a:r>
             <a:endParaRPr lang="ru-RU" dirty="0" smtClean="0"/>
           </a:p>
           <a:p>
             <a:r>
               <a:rPr lang="ru-RU" sz="1100" dirty="0" smtClean="0"/>
-              <a:t>ПРОТОКОЛЫ, </a:t>
-            </a:r>
-            <a:r>
-              <a:rPr lang="ru-RU" sz="1100" dirty="0" smtClean="0"/>
-              <a:t>СЕТИ: </a:t>
+              <a:t>ПРОТОКОЛЫ, СЕТИ: </a:t>
             </a:r>
             <a:r>
               <a:rPr lang="en-US" sz="1100" dirty="0" smtClean="0"/>
@@ -8043,7 +7990,7 @@
           <a:graphicData uri="http://schemas.openxmlformats.org/presentationml/2006/ole">
             <mc:AlternateContent xmlns:mc="http://schemas.openxmlformats.org/markup-compatibility/2006">
               <mc:Choice xmlns:v="urn:schemas-microsoft-com:vml" Requires="v">
-                <p:oleObj spid="_x0000_s1105" name="CorelDRAW" r:id="rId9" imgW="2869611" imgH="3265201" progId="CorelDraw.Graphic.19">
+                <p:oleObj spid="_x0000_s1108" name="CorelDRAW" r:id="rId9" imgW="2869611" imgH="3265201" progId="CorelDraw.Graphic.19">
                   <p:embed/>
                 </p:oleObj>
               </mc:Choice>

--- a/actuator.pptx
+++ b/actuator.pptx
@@ -4366,7 +4366,71 @@
         <p:spPr>
           <a:xfrm>
             <a:off x="7924057" y="594865"/>
-            <a:ext cx="3294492" cy="707886"/>
+            <a:ext cx="3899644" cy="707886"/>
+          </a:xfrm>
+          <a:prstGeom prst="rect">
+            <a:avLst/>
+          </a:prstGeom>
+        </p:spPr>
+        <p:txBody>
+          <a:bodyPr wrap="square">
+            <a:spAutoFit/>
+          </a:bodyPr>
+          <a:lstStyle/>
+          <a:p>
+            <a:r>
+              <a:rPr lang="ru-RU" dirty="0" smtClean="0"/>
+              <a:t>ЭКРАН, ДИНАМИК, </a:t>
+            </a:r>
+            <a:r>
+              <a:rPr lang="ru-RU" dirty="0" smtClean="0"/>
+              <a:t>МИКРОФОН..</a:t>
+            </a:r>
+            <a:endParaRPr lang="ru-RU" dirty="0" smtClean="0"/>
+          </a:p>
+          <a:p>
+            <a:r>
+              <a:rPr lang="ru-RU" sz="1100" dirty="0" smtClean="0"/>
+              <a:t>ДИАЛОГОВЫЕ, </a:t>
+            </a:r>
+            <a:r>
+              <a:rPr lang="ru-RU" sz="1100" dirty="0" smtClean="0"/>
+              <a:t>ИНФОРМАЦИОННЫЕ, РЕКЛАМНЫЕ ФУНКЦИИ.. </a:t>
+            </a:r>
+            <a:r>
+              <a:rPr lang="en-US" sz="1100" dirty="0" smtClean="0"/>
+              <a:t>(</a:t>
+            </a:r>
+            <a:r>
+              <a:rPr lang="ru-RU" sz="1100" dirty="0" smtClean="0"/>
+              <a:t>ШТРИХ КОД, </a:t>
+            </a:r>
+            <a:r>
+              <a:rPr lang="en-US" sz="1100" dirty="0" smtClean="0"/>
+              <a:t>QR, NFC, </a:t>
+            </a:r>
+            <a:r>
+              <a:rPr lang="ru-RU" sz="1100" dirty="0" smtClean="0"/>
+              <a:t>ПРИЛОЖЕНИЕ</a:t>
+            </a:r>
+            <a:r>
+              <a:rPr lang="en-US" sz="1100" dirty="0" smtClean="0"/>
+              <a:t>.)</a:t>
+            </a:r>
+            <a:endParaRPr lang="ru-RU" sz="1100" dirty="0"/>
+          </a:p>
+        </p:txBody>
+      </p:sp>
+      <p:sp>
+        <p:nvSpPr>
+          <p:cNvPr id="20" name="Прямоугольник 19"/>
+          <p:cNvSpPr/>
+          <p:nvPr/>
+        </p:nvSpPr>
+        <p:spPr>
+          <a:xfrm>
+            <a:off x="8047129" y="3159587"/>
+            <a:ext cx="3250890" cy="707886"/>
           </a:xfrm>
           <a:prstGeom prst="rect">
             <a:avLst/>
@@ -4380,39 +4444,19 @@
           <a:p>
             <a:r>
               <a:rPr lang="ru-RU" dirty="0" smtClean="0"/>
-              <a:t>ЭКРАН, ДИНАМИК, МИКРОФОН</a:t>
+              <a:t>ОБРАБОТКА УЛЬТРАФИОЛЕТОМ</a:t>
             </a:r>
           </a:p>
           <a:p>
             <a:r>
               <a:rPr lang="ru-RU" sz="1100" dirty="0" smtClean="0"/>
-              <a:t>ДИАЛОГОВЫЕ, ИНФОРМАЦИОННЫЕ И РЕКЛАМНЫЕ</a:t>
+              <a:t>ДЕЗИНФЕКЦИЯ</a:t>
             </a:r>
           </a:p>
           <a:p>
             <a:r>
               <a:rPr lang="ru-RU" sz="1100" dirty="0" smtClean="0"/>
-              <a:t>ФУНКЦИИ </a:t>
-            </a:r>
-            <a:r>
-              <a:rPr lang="en-US" sz="1100" dirty="0" smtClean="0"/>
-              <a:t>(</a:t>
-            </a:r>
-            <a:r>
-              <a:rPr lang="ru-RU" sz="1100" dirty="0" smtClean="0"/>
-              <a:t>ШТРИХ КОД, </a:t>
-            </a:r>
-            <a:r>
-              <a:rPr lang="en-US" sz="1100" dirty="0" smtClean="0"/>
-              <a:t>QR, NFC, </a:t>
-            </a:r>
-            <a:r>
-              <a:rPr lang="ru-RU" sz="1100" dirty="0" smtClean="0"/>
-              <a:t>ПРИЛОЖЕНИЕ</a:t>
-            </a:r>
-            <a:r>
-              <a:rPr lang="en-US" sz="1100" dirty="0" smtClean="0"/>
-              <a:t>.)</a:t>
+              <a:t>    </a:t>
             </a:r>
             <a:endParaRPr lang="ru-RU" sz="1100" dirty="0"/>
           </a:p>
@@ -4420,14 +4464,14 @@
       </p:sp>
       <p:sp>
         <p:nvSpPr>
-          <p:cNvPr id="20" name="Прямоугольник 19"/>
+          <p:cNvPr id="21" name="Прямоугольник 20"/>
           <p:cNvSpPr/>
           <p:nvPr/>
         </p:nvSpPr>
         <p:spPr>
           <a:xfrm>
-            <a:off x="8047129" y="2819591"/>
-            <a:ext cx="3250890" cy="707886"/>
+            <a:off x="337706" y="4604409"/>
+            <a:ext cx="3107710" cy="707886"/>
           </a:xfrm>
           <a:prstGeom prst="rect">
             <a:avLst/>
@@ -4441,54 +4485,23 @@
           <a:p>
             <a:r>
               <a:rPr lang="ru-RU" dirty="0" smtClean="0"/>
-              <a:t>ОБРАБОТКА УЛЬТРАФИОЛЕТОМ</a:t>
+              <a:t>УЛЬТРАЗВУКОВАЯ ОБРАБОТКА</a:t>
             </a:r>
           </a:p>
           <a:p>
             <a:r>
               <a:rPr lang="ru-RU" sz="1100" dirty="0" smtClean="0"/>
-              <a:t>ДЕЗИНФЕКЦИЯ</a:t>
-            </a:r>
-          </a:p>
-          <a:p>
+              <a:t>ОЧИСТКА ТРУДНОДОСТУПНЫХ  </a:t>
+            </a:r>
             <a:r>
               <a:rPr lang="ru-RU" sz="1100" dirty="0" smtClean="0"/>
-              <a:t>    </a:t>
-            </a:r>
-            <a:endParaRPr lang="ru-RU" sz="1100" dirty="0"/>
-          </a:p>
-        </p:txBody>
-      </p:sp>
-      <p:sp>
-        <p:nvSpPr>
-          <p:cNvPr id="21" name="Прямоугольник 20"/>
-          <p:cNvSpPr/>
-          <p:nvPr/>
-        </p:nvSpPr>
-        <p:spPr>
-          <a:xfrm>
-            <a:off x="337706" y="4604409"/>
-            <a:ext cx="3706464" cy="538609"/>
-          </a:xfrm>
-          <a:prstGeom prst="rect">
-            <a:avLst/>
-          </a:prstGeom>
-        </p:spPr>
-        <p:txBody>
-          <a:bodyPr wrap="none">
-            <a:spAutoFit/>
-          </a:bodyPr>
-          <a:lstStyle/>
-          <a:p>
-            <a:r>
-              <a:rPr lang="ru-RU" dirty="0" smtClean="0"/>
-              <a:t>УЛЬТРАЗВУКОВАЯ ОБРАБОТКА</a:t>
+              <a:t>УЧАСТКОВ</a:t>
             </a:r>
           </a:p>
           <a:p>
             <a:r>
               <a:rPr lang="ru-RU" sz="1100" dirty="0" smtClean="0"/>
-              <a:t>ОЧИСТКА ТРУДНОДОСТУПНЫХ  УЧАСТКОВ ПОВЕРХНОСТЕЙ</a:t>
+              <a:t>ПОВЕРХНОСТЕЙ</a:t>
             </a:r>
             <a:endParaRPr lang="ru-RU" sz="1100" dirty="0"/>
           </a:p>
@@ -4501,9 +4514,9 @@
           <p:nvPr/>
         </p:nvCxnSpPr>
         <p:spPr>
-          <a:xfrm>
-            <a:off x="7520717" y="4003248"/>
-            <a:ext cx="558800" cy="0"/>
+          <a:xfrm flipV="1">
+            <a:off x="7558817" y="4292600"/>
+            <a:ext cx="461382" cy="2748"/>
           </a:xfrm>
           <a:prstGeom prst="line">
             <a:avLst/>
@@ -4633,7 +4646,7 @@
         <p:spPr>
           <a:xfrm>
             <a:off x="335601" y="594865"/>
-            <a:ext cx="3772443" cy="707886"/>
+            <a:ext cx="3887859" cy="707886"/>
           </a:xfrm>
           <a:prstGeom prst="rect">
             <a:avLst/>
@@ -4651,8 +4664,13 @@
             </a:r>
             <a:r>
               <a:rPr lang="ru-RU" dirty="0" smtClean="0"/>
-              <a:t>НАВИГАЦИЯ, МАШИННОЕ ЗРЕНИЕ</a:t>
-            </a:r>
+              <a:t>НАВИГАЦИЯ, МАШИННОЕ </a:t>
+            </a:r>
+            <a:r>
+              <a:rPr lang="ru-RU" dirty="0" smtClean="0"/>
+              <a:t>ЗРЕНИЕ..</a:t>
+            </a:r>
+            <a:endParaRPr lang="ru-RU" dirty="0" smtClean="0"/>
           </a:p>
           <a:p>
             <a:r>
@@ -4663,7 +4681,19 @@
           <a:p>
             <a:r>
               <a:rPr lang="ru-RU" sz="1100" dirty="0" smtClean="0"/>
-              <a:t>(РАДИООПТИКА, ЛИДАР, КАМЕРЫ, </a:t>
+              <a:t>(РАДИООПТИКА, ЛИДАР, </a:t>
+            </a:r>
+            <a:r>
+              <a:rPr lang="en-US" sz="1100" dirty="0" smtClean="0"/>
+              <a:t>TOF-</a:t>
+            </a:r>
+            <a:r>
+              <a:rPr lang="ru-RU" sz="1100" dirty="0" smtClean="0"/>
+              <a:t>КАМЕРЫ</a:t>
+            </a:r>
+            <a:r>
+              <a:rPr lang="ru-RU" sz="1100" dirty="0" smtClean="0"/>
+              <a:t>, </a:t>
             </a:r>
             <a:r>
               <a:rPr lang="en-US" sz="1100" dirty="0" smtClean="0"/>
@@ -4685,7 +4715,7 @@
         </p:nvSpPr>
         <p:spPr>
           <a:xfrm>
-            <a:off x="8047129" y="3811033"/>
+            <a:off x="8047129" y="3979432"/>
             <a:ext cx="4130253" cy="877163"/>
           </a:xfrm>
           <a:prstGeom prst="rect">
@@ -4849,11 +4879,7 @@
           <a:p>
             <a:r>
               <a:rPr lang="ru-RU" sz="1100" dirty="0" smtClean="0"/>
-              <a:t>ЗАПРАВКА </a:t>
-            </a:r>
-            <a:r>
-              <a:rPr lang="ru-RU" sz="1100" dirty="0" smtClean="0"/>
-              <a:t>ВОДЫ И СЛИВ</a:t>
+              <a:t>ЗАПРАВКА ВОДЫ И СЛИВ</a:t>
             </a:r>
           </a:p>
           <a:p>
@@ -4926,16 +4952,31 @@
               <a:rPr lang="en-US" sz="1100" dirty="0" smtClean="0"/>
               <a:t>..</a:t>
             </a:r>
-            <a:endParaRPr lang="en-US" sz="1100" dirty="0"/>
-          </a:p>
-          <a:p>
+            <a:r>
+              <a:rPr lang="ru-RU" sz="1100" dirty="0"/>
+              <a:t> </a:t>
+            </a:r>
             <a:r>
               <a:rPr lang="ru-RU" sz="1100" dirty="0" smtClean="0"/>
-              <a:t>(РАСПОЗНАВАНИЕ, ВЕКТОРИЗАЦИЯ, </a:t>
-            </a:r>
+              <a:t>(</a:t>
+            </a:r>
+            <a:r>
+              <a:rPr lang="ru-RU" sz="1100" dirty="0" smtClean="0"/>
+              <a:t>РАСПОЗНАВАНИЕ, ВЕКТОРИЗАЦИЯ</a:t>
+            </a:r>
+            <a:r>
+              <a:rPr lang="ru-RU" sz="1100" dirty="0" smtClean="0"/>
+              <a:t>,</a:t>
+            </a:r>
+          </a:p>
+          <a:p>
             <a:r>
               <a:rPr lang="en-US" sz="1100" dirty="0" smtClean="0"/>
-              <a:t>DATA MAPPING</a:t>
+              <a:t>DATA </a:t>
+            </a:r>
+            <a:r>
+              <a:rPr lang="en-US" sz="1100" dirty="0" smtClean="0"/>
+              <a:t>MAPPING</a:t>
             </a:r>
             <a:r>
               <a:rPr lang="ru-RU" sz="1100" dirty="0" smtClean="0"/>
@@ -4983,8 +5024,8 @@
         </p:nvSpPr>
         <p:spPr>
           <a:xfrm>
-            <a:off x="8079517" y="5914856"/>
-            <a:ext cx="4006225" cy="538609"/>
+            <a:off x="8066817" y="5927556"/>
+            <a:ext cx="4110565" cy="707886"/>
           </a:xfrm>
           <a:prstGeom prst="rect">
             <a:avLst/>
@@ -5013,11 +5054,19 @@
             </a:r>
             <a:r>
               <a:rPr lang="en-US" sz="1100" dirty="0" smtClean="0"/>
-              <a:t>WI-FI, ZIGBEE, RFID</a:t>
+              <a:t>WI-FI, ZIGBEE, </a:t>
+            </a:r>
+            <a:r>
+              <a:rPr lang="en-US" sz="1100" dirty="0" smtClean="0"/>
+              <a:t>RFID,</a:t>
             </a:r>
             <a:r>
               <a:rPr lang="ru-RU" sz="1100" dirty="0" smtClean="0"/>
-              <a:t> (КАМЕРЫ, ДАТЧИКИ</a:t>
+              <a:t> </a:t>
+            </a:r>
+            <a:r>
+              <a:rPr lang="ru-RU" sz="1100" dirty="0" smtClean="0"/>
+              <a:t>(КАМЕРЫ, ДАТЧИКИ</a:t>
             </a:r>
             <a:r>
               <a:rPr lang="en-US" sz="1100" dirty="0" smtClean="0"/>
@@ -5026,6 +5075,13 @@
             <a:r>
               <a:rPr lang="ru-RU" sz="1100" dirty="0" smtClean="0"/>
               <a:t>)..</a:t>
+            </a:r>
+            <a:endParaRPr lang="en-US" sz="1100" dirty="0" smtClean="0"/>
+          </a:p>
+          <a:p>
+            <a:r>
+              <a:rPr lang="ru-RU" sz="1100" dirty="0" smtClean="0"/>
+              <a:t>АВТОНОМНЫЕ ВЫЧИСЛЕНИЯ, ОБРАБОТКА И ХРАНЕНИЕ ДАННЫХ </a:t>
             </a:r>
             <a:endParaRPr lang="en-US" sz="1100" dirty="0"/>
           </a:p>
@@ -5069,7 +5125,7 @@
         </p:nvCxnSpPr>
         <p:spPr>
           <a:xfrm>
-            <a:off x="7366743" y="3035814"/>
+            <a:off x="7366743" y="3540177"/>
             <a:ext cx="596157" cy="0"/>
           </a:xfrm>
           <a:prstGeom prst="line">
@@ -7990,7 +8046,7 @@
           <a:graphicData uri="http://schemas.openxmlformats.org/presentationml/2006/ole">
             <mc:AlternateContent xmlns:mc="http://schemas.openxmlformats.org/markup-compatibility/2006">
               <mc:Choice xmlns:v="urn:schemas-microsoft-com:vml" Requires="v">
-                <p:oleObj spid="_x0000_s1108" name="CorelDRAW" r:id="rId9" imgW="2869611" imgH="3265201" progId="CorelDraw.Graphic.19">
+                <p:oleObj spid="_x0000_s1113" name="CorelDRAW" r:id="rId9" imgW="2869611" imgH="3265201" progId="CorelDraw.Graphic.19">
                   <p:embed/>
                 </p:oleObj>
               </mc:Choice>

--- a/actuator.pptx
+++ b/actuator.pptx
@@ -251,7 +251,7 @@
           <a:p>
             <a:fld id="{1411AD4A-142D-49F5-BC1E-BE60D7E78DA5}" type="datetimeFigureOut">
               <a:rPr lang="ru-RU" smtClean="0"/>
-              <a:t>07.02.2020</a:t>
+              <a:t>08.02.2020</a:t>
             </a:fld>
             <a:endParaRPr lang="ru-RU"/>
           </a:p>
@@ -421,7 +421,7 @@
           <a:p>
             <a:fld id="{1411AD4A-142D-49F5-BC1E-BE60D7E78DA5}" type="datetimeFigureOut">
               <a:rPr lang="ru-RU" smtClean="0"/>
-              <a:t>07.02.2020</a:t>
+              <a:t>08.02.2020</a:t>
             </a:fld>
             <a:endParaRPr lang="ru-RU"/>
           </a:p>
@@ -601,7 +601,7 @@
           <a:p>
             <a:fld id="{1411AD4A-142D-49F5-BC1E-BE60D7E78DA5}" type="datetimeFigureOut">
               <a:rPr lang="ru-RU" smtClean="0"/>
-              <a:t>07.02.2020</a:t>
+              <a:t>08.02.2020</a:t>
             </a:fld>
             <a:endParaRPr lang="ru-RU"/>
           </a:p>
@@ -771,7 +771,7 @@
           <a:p>
             <a:fld id="{1411AD4A-142D-49F5-BC1E-BE60D7E78DA5}" type="datetimeFigureOut">
               <a:rPr lang="ru-RU" smtClean="0"/>
-              <a:t>07.02.2020</a:t>
+              <a:t>08.02.2020</a:t>
             </a:fld>
             <a:endParaRPr lang="ru-RU"/>
           </a:p>
@@ -1017,7 +1017,7 @@
           <a:p>
             <a:fld id="{1411AD4A-142D-49F5-BC1E-BE60D7E78DA5}" type="datetimeFigureOut">
               <a:rPr lang="ru-RU" smtClean="0"/>
-              <a:t>07.02.2020</a:t>
+              <a:t>08.02.2020</a:t>
             </a:fld>
             <a:endParaRPr lang="ru-RU"/>
           </a:p>
@@ -1249,7 +1249,7 @@
           <a:p>
             <a:fld id="{1411AD4A-142D-49F5-BC1E-BE60D7E78DA5}" type="datetimeFigureOut">
               <a:rPr lang="ru-RU" smtClean="0"/>
-              <a:t>07.02.2020</a:t>
+              <a:t>08.02.2020</a:t>
             </a:fld>
             <a:endParaRPr lang="ru-RU"/>
           </a:p>
@@ -1616,7 +1616,7 @@
           <a:p>
             <a:fld id="{1411AD4A-142D-49F5-BC1E-BE60D7E78DA5}" type="datetimeFigureOut">
               <a:rPr lang="ru-RU" smtClean="0"/>
-              <a:t>07.02.2020</a:t>
+              <a:t>08.02.2020</a:t>
             </a:fld>
             <a:endParaRPr lang="ru-RU"/>
           </a:p>
@@ -1734,7 +1734,7 @@
           <a:p>
             <a:fld id="{1411AD4A-142D-49F5-BC1E-BE60D7E78DA5}" type="datetimeFigureOut">
               <a:rPr lang="ru-RU" smtClean="0"/>
-              <a:t>07.02.2020</a:t>
+              <a:t>08.02.2020</a:t>
             </a:fld>
             <a:endParaRPr lang="ru-RU"/>
           </a:p>
@@ -1829,7 +1829,7 @@
           <a:p>
             <a:fld id="{1411AD4A-142D-49F5-BC1E-BE60D7E78DA5}" type="datetimeFigureOut">
               <a:rPr lang="ru-RU" smtClean="0"/>
-              <a:t>07.02.2020</a:t>
+              <a:t>08.02.2020</a:t>
             </a:fld>
             <a:endParaRPr lang="ru-RU"/>
           </a:p>
@@ -2106,7 +2106,7 @@
           <a:p>
             <a:fld id="{1411AD4A-142D-49F5-BC1E-BE60D7E78DA5}" type="datetimeFigureOut">
               <a:rPr lang="ru-RU" smtClean="0"/>
-              <a:t>07.02.2020</a:t>
+              <a:t>08.02.2020</a:t>
             </a:fld>
             <a:endParaRPr lang="ru-RU"/>
           </a:p>
@@ -2359,7 +2359,7 @@
           <a:p>
             <a:fld id="{1411AD4A-142D-49F5-BC1E-BE60D7E78DA5}" type="datetimeFigureOut">
               <a:rPr lang="ru-RU" smtClean="0"/>
-              <a:t>07.02.2020</a:t>
+              <a:t>08.02.2020</a:t>
             </a:fld>
             <a:endParaRPr lang="ru-RU"/>
           </a:p>
@@ -2572,7 +2572,7 @@
           <a:p>
             <a:fld id="{1411AD4A-142D-49F5-BC1E-BE60D7E78DA5}" type="datetimeFigureOut">
               <a:rPr lang="ru-RU" smtClean="0"/>
-              <a:t>07.02.2020</a:t>
+              <a:t>08.02.2020</a:t>
             </a:fld>
             <a:endParaRPr lang="ru-RU"/>
           </a:p>
@@ -3074,7 +3074,19 @@
               <a:rPr lang="ru-RU" b="1" dirty="0" smtClean="0">
                 <a:latin typeface="+mj-lt"/>
               </a:rPr>
-              <a:t>АВТОМАТИЧЕСКАЯ ПОДМЕТАЛЬНО-ПОЛОМОЕЧНАЯ МАШИНА </a:t>
+              <a:t>АВТОМАТИЧЕСКАЯ </a:t>
+            </a:r>
+            <a:r>
+              <a:rPr lang="ru-RU" b="1" dirty="0" smtClean="0">
+                <a:latin typeface="+mj-lt"/>
+              </a:rPr>
+              <a:t>КЛИНИНГОВАЯ </a:t>
+            </a:r>
+            <a:r>
+              <a:rPr lang="ru-RU" b="1" dirty="0" smtClean="0">
+                <a:latin typeface="+mj-lt"/>
+              </a:rPr>
+              <a:t>МАШИНА </a:t>
             </a:r>
           </a:p>
           <a:p>
@@ -3118,7 +3130,19 @@
               <a:rPr lang="ru-RU" sz="1600" dirty="0" smtClean="0">
                 <a:latin typeface="+mj-lt"/>
               </a:rPr>
-              <a:t> ПОД УПРАВЛЕНИЕМ НЕЙРОННОЙ СЕТИ. С ФУНКЦИЯМИ ДИАЛОГА, МОНИТОРИНГА КАЧЕСТВА ВОЗДУХА, ПОЖАРОТУШЕНИЯ, ОХРАНЫ ПОМЕЩЕНИЯ..</a:t>
+              <a:t> ПОД УПРАВЛЕНИЕМ НЕЙРОННОЙ СЕТИ. С ФУНКЦИЯМИ ДИАЛОГА, МОНИТОРИНГА КАЧЕСТВА ВОЗДУХА, ПОЖАРОТУШЕНИЯ, </a:t>
+            </a:r>
+            <a:r>
+              <a:rPr lang="ru-RU" sz="1600" dirty="0" smtClean="0">
+                <a:latin typeface="+mj-lt"/>
+              </a:rPr>
+              <a:t>УБОРКИ И ОХРАНЫ </a:t>
+            </a:r>
+            <a:r>
+              <a:rPr lang="ru-RU" sz="1600" dirty="0" smtClean="0">
+                <a:latin typeface="+mj-lt"/>
+              </a:rPr>
+              <a:t>ПОМЕЩЕНИЯ..</a:t>
             </a:r>
             <a:endParaRPr lang="en-US" sz="1600" dirty="0" smtClean="0">
               <a:latin typeface="+mj-lt"/>
@@ -4380,22 +4404,13 @@
           <a:p>
             <a:r>
               <a:rPr lang="ru-RU" dirty="0" smtClean="0"/>
-              <a:t>ЭКРАН, ДИНАМИК, </a:t>
-            </a:r>
-            <a:r>
-              <a:rPr lang="ru-RU" dirty="0" smtClean="0"/>
-              <a:t>МИКРОФОН..</a:t>
-            </a:r>
-            <a:endParaRPr lang="ru-RU" dirty="0" smtClean="0"/>
+              <a:t>ЭКРАН, ДИНАМИК, МИКРОФОН..</a:t>
+            </a:r>
           </a:p>
           <a:p>
             <a:r>
               <a:rPr lang="ru-RU" sz="1100" dirty="0" smtClean="0"/>
-              <a:t>ДИАЛОГОВЫЕ, </a:t>
-            </a:r>
-            <a:r>
-              <a:rPr lang="ru-RU" sz="1100" dirty="0" smtClean="0"/>
-              <a:t>ИНФОРМАЦИОННЫЕ, РЕКЛАМНЫЕ ФУНКЦИИ.. </a:t>
+              <a:t>ДИАЛОГОВЫЕ, ИНФОРМАЦИОННЫЕ, РЕКЛАМНЫЕ ФУНКЦИИ.. </a:t>
             </a:r>
             <a:r>
               <a:rPr lang="en-US" sz="1100" dirty="0" smtClean="0"/>
@@ -4491,11 +4506,7 @@
           <a:p>
             <a:r>
               <a:rPr lang="ru-RU" sz="1100" dirty="0" smtClean="0"/>
-              <a:t>ОЧИСТКА ТРУДНОДОСТУПНЫХ  </a:t>
-            </a:r>
-            <a:r>
-              <a:rPr lang="ru-RU" sz="1100" dirty="0" smtClean="0"/>
-              <a:t>УЧАСТКОВ</a:t>
+              <a:t>ОЧИСТКА ТРУДНОДОСТУПНЫХ  УЧАСТКОВ</a:t>
             </a:r>
           </a:p>
           <a:p>
@@ -4664,13 +4675,8 @@
             </a:r>
             <a:r>
               <a:rPr lang="ru-RU" dirty="0" smtClean="0"/>
-              <a:t>НАВИГАЦИЯ, МАШИННОЕ </a:t>
-            </a:r>
-            <a:r>
-              <a:rPr lang="ru-RU" dirty="0" smtClean="0"/>
-              <a:t>ЗРЕНИЕ..</a:t>
-            </a:r>
-            <a:endParaRPr lang="ru-RU" dirty="0" smtClean="0"/>
+              <a:t>НАВИГАЦИЯ, МАШИННОЕ ЗРЕНИЕ..</a:t>
+            </a:r>
           </a:p>
           <a:p>
             <a:r>
@@ -4689,11 +4695,7 @@
             </a:r>
             <a:r>
               <a:rPr lang="ru-RU" sz="1100" dirty="0" smtClean="0"/>
-              <a:t>КАМЕРЫ</a:t>
-            </a:r>
-            <a:r>
-              <a:rPr lang="ru-RU" sz="1100" dirty="0" smtClean="0"/>
-              <a:t>, </a:t>
+              <a:t>КАМЕРЫ, </a:t>
             </a:r>
             <a:r>
               <a:rPr lang="en-US" sz="1100" dirty="0" smtClean="0"/>
@@ -4958,25 +4960,13 @@
             </a:r>
             <a:r>
               <a:rPr lang="ru-RU" sz="1100" dirty="0" smtClean="0"/>
-              <a:t>(</a:t>
-            </a:r>
-            <a:r>
-              <a:rPr lang="ru-RU" sz="1100" dirty="0" smtClean="0"/>
-              <a:t>РАСПОЗНАВАНИЕ, ВЕКТОРИЗАЦИЯ</a:t>
-            </a:r>
-            <a:r>
-              <a:rPr lang="ru-RU" sz="1100" dirty="0" smtClean="0"/>
-              <a:t>,</a:t>
+              <a:t>(РАСПОЗНАВАНИЕ, ВЕКТОРИЗАЦИЯ,</a:t>
             </a:r>
           </a:p>
           <a:p>
             <a:r>
               <a:rPr lang="en-US" sz="1100" dirty="0" smtClean="0"/>
-              <a:t>DATA </a:t>
-            </a:r>
-            <a:r>
-              <a:rPr lang="en-US" sz="1100" dirty="0" smtClean="0"/>
-              <a:t>MAPPING</a:t>
+              <a:t>DATA MAPPING</a:t>
             </a:r>
             <a:r>
               <a:rPr lang="ru-RU" sz="1100" dirty="0" smtClean="0"/>
@@ -5054,19 +5044,11 @@
             </a:r>
             <a:r>
               <a:rPr lang="en-US" sz="1100" dirty="0" smtClean="0"/>
-              <a:t>WI-FI, ZIGBEE, </a:t>
-            </a:r>
-            <a:r>
-              <a:rPr lang="en-US" sz="1100" dirty="0" smtClean="0"/>
-              <a:t>RFID,</a:t>
+              <a:t>WI-FI, ZIGBEE, RFID,</a:t>
             </a:r>
             <a:r>
               <a:rPr lang="ru-RU" sz="1100" dirty="0" smtClean="0"/>
-              <a:t> </a:t>
-            </a:r>
-            <a:r>
-              <a:rPr lang="ru-RU" sz="1100" dirty="0" smtClean="0"/>
-              <a:t>(КАМЕРЫ, ДАТЧИКИ</a:t>
+              <a:t> (КАМЕРЫ, ДАТЧИКИ</a:t>
             </a:r>
             <a:r>
               <a:rPr lang="en-US" sz="1100" dirty="0" smtClean="0"/>
@@ -8046,7 +8028,7 @@
           <a:graphicData uri="http://schemas.openxmlformats.org/presentationml/2006/ole">
             <mc:AlternateContent xmlns:mc="http://schemas.openxmlformats.org/markup-compatibility/2006">
               <mc:Choice xmlns:v="urn:schemas-microsoft-com:vml" Requires="v">
-                <p:oleObj spid="_x0000_s1113" name="CorelDRAW" r:id="rId9" imgW="2869611" imgH="3265201" progId="CorelDraw.Graphic.19">
+                <p:oleObj spid="_x0000_s1115" name="CorelDRAW" r:id="rId9" imgW="2869611" imgH="3265201" progId="CorelDraw.Graphic.19">
                   <p:embed/>
                 </p:oleObj>
               </mc:Choice>

--- a/actuator.pptx
+++ b/actuator.pptx
@@ -3074,19 +3074,7 @@
               <a:rPr lang="ru-RU" b="1" dirty="0" smtClean="0">
                 <a:latin typeface="+mj-lt"/>
               </a:rPr>
-              <a:t>АВТОМАТИЧЕСКАЯ </a:t>
-            </a:r>
-            <a:r>
-              <a:rPr lang="ru-RU" b="1" dirty="0" smtClean="0">
-                <a:latin typeface="+mj-lt"/>
-              </a:rPr>
-              <a:t>КЛИНИНГОВАЯ </a:t>
-            </a:r>
-            <a:r>
-              <a:rPr lang="ru-RU" b="1" dirty="0" smtClean="0">
-                <a:latin typeface="+mj-lt"/>
-              </a:rPr>
-              <a:t>МАШИНА </a:t>
+              <a:t>АВТОМАТИЧЕСКАЯ КЛИНИНГОВАЯ МАШИНА </a:t>
             </a:r>
           </a:p>
           <a:p>
@@ -3130,19 +3118,7 @@
               <a:rPr lang="ru-RU" sz="1600" dirty="0" smtClean="0">
                 <a:latin typeface="+mj-lt"/>
               </a:rPr>
-              <a:t> ПОД УПРАВЛЕНИЕМ НЕЙРОННОЙ СЕТИ. С ФУНКЦИЯМИ ДИАЛОГА, МОНИТОРИНГА КАЧЕСТВА ВОЗДУХА, ПОЖАРОТУШЕНИЯ, </a:t>
-            </a:r>
-            <a:r>
-              <a:rPr lang="ru-RU" sz="1600" dirty="0" smtClean="0">
-                <a:latin typeface="+mj-lt"/>
-              </a:rPr>
-              <a:t>УБОРКИ И ОХРАНЫ </a:t>
-            </a:r>
-            <a:r>
-              <a:rPr lang="ru-RU" sz="1600" dirty="0" smtClean="0">
-                <a:latin typeface="+mj-lt"/>
-              </a:rPr>
-              <a:t>ПОМЕЩЕНИЯ..</a:t>
+              <a:t> ПОД УПРАВЛЕНИЕМ НЕЙРОННОЙ СЕТИ. С ФУНКЦИЯМИ ДИАЛОГА, МОНИТОРИНГА КАЧЕСТВА ВОЗДУХА, ПОЖАРОТУШЕНИЯ, УБОРКИ И ОХРАНЫ ПОМЕЩЕНИЯ..</a:t>
             </a:r>
             <a:endParaRPr lang="en-US" sz="1600" dirty="0" smtClean="0">
               <a:latin typeface="+mj-lt"/>
@@ -7417,7 +7393,7 @@
           <p:nvPr/>
         </p:nvPicPr>
         <p:blipFill>
-          <a:blip r:embed="rId3" cstate="print">
+          <a:blip r:embed="rId2" cstate="print">
             <a:extLst>
               <a:ext uri="{28A0092B-C50C-407E-A947-70E740481C1C}">
                 <a14:useLocalDpi xmlns:a14="http://schemas.microsoft.com/office/drawing/2010/main" val="0"/>
@@ -7573,7 +7549,7 @@
                   <a:srgbClr val="3D85C6"/>
                 </a:solidFill>
                 <a:latin typeface="Century Gothic" panose="020B0502020202020204" pitchFamily="34" charset="0"/>
-                <a:hlinkClick r:id="rId4"/>
+                <a:hlinkClick r:id="rId3"/>
               </a:rPr>
               <a:t>→ ИНТЕРНЕТ-ПРОФИЛЬ</a:t>
             </a:r>
@@ -7710,7 +7686,7 @@
                   <a:srgbClr val="3D85C6"/>
                 </a:solidFill>
                 <a:latin typeface="Century Gothic" panose="020B0502020202020204" pitchFamily="34" charset="0"/>
-                <a:hlinkClick r:id="rId5"/>
+                <a:hlinkClick r:id="rId4"/>
               </a:rPr>
               <a:t>→ ИНТЕРНЕТ-ПРОФИЛЬ</a:t>
             </a:r>
@@ -7764,7 +7740,7 @@
             <a:r>
               <a:rPr lang="ru-RU" sz="1400" dirty="0" smtClean="0">
                 <a:latin typeface="+mj-lt"/>
-                <a:hlinkClick r:id="rId6"/>
+                <a:hlinkClick r:id="rId5"/>
               </a:rPr>
               <a:t> </a:t>
             </a:r>
@@ -7774,14 +7750,14 @@
                   <a:srgbClr val="3D85C6"/>
                 </a:solidFill>
                 <a:latin typeface="Century Gothic" panose="020B0502020202020204" pitchFamily="34" charset="0"/>
-                <a:hlinkClick r:id="rId6"/>
+                <a:hlinkClick r:id="rId5"/>
               </a:rPr>
               <a:t>→ </a:t>
             </a:r>
             <a:r>
               <a:rPr lang="ru-RU" sz="1400" dirty="0" smtClean="0">
                 <a:latin typeface="+mj-lt"/>
-                <a:hlinkClick r:id="rId6"/>
+                <a:hlinkClick r:id="rId5"/>
               </a:rPr>
               <a:t>ПОДРОБНЕЕ </a:t>
             </a:r>
@@ -7800,7 +7776,7 @@
           <p:nvPr/>
         </p:nvPicPr>
         <p:blipFill>
-          <a:blip r:embed="rId7" cstate="print">
+          <a:blip r:embed="rId6" cstate="print">
             <a:extLst>
               <a:ext uri="{28A0092B-C50C-407E-A947-70E740481C1C}">
                 <a14:useLocalDpi xmlns:a14="http://schemas.microsoft.com/office/drawing/2010/main" val="0"/>
@@ -7988,7 +7964,7 @@
                   <a:srgbClr val="3D85C6"/>
                 </a:solidFill>
                 <a:latin typeface="Century Gothic" panose="020B0502020202020204" pitchFamily="34" charset="0"/>
-                <a:hlinkClick r:id="rId8"/>
+                <a:hlinkClick r:id="rId7"/>
               </a:rPr>
               <a:t>→ </a:t>
             </a:r>
@@ -7998,7 +7974,7 @@
                   <a:srgbClr val="3D85C6"/>
                 </a:solidFill>
                 <a:latin typeface="Century Gothic" panose="020B0502020202020204" pitchFamily="34" charset="0"/>
-                <a:hlinkClick r:id="rId8"/>
+                <a:hlinkClick r:id="rId7"/>
               </a:rPr>
               <a:t>ИНТЕРНЕТ-ПРОФИЛЬ</a:t>
             </a:r>
@@ -8006,63 +7982,6 @@
           </a:p>
         </p:txBody>
       </p:sp>
-      <p:graphicFrame>
-        <p:nvGraphicFramePr>
-          <p:cNvPr id="5" name="Объект 4"/>
-          <p:cNvGraphicFramePr>
-            <a:graphicFrameLocks noChangeAspect="1"/>
-          </p:cNvGraphicFramePr>
-          <p:nvPr>
-            <p:extLst>
-              <p:ext uri="{D42A27DB-BD31-4B8C-83A1-F6EECF244321}">
-                <p14:modId xmlns:p14="http://schemas.microsoft.com/office/powerpoint/2010/main" val="3092872759"/>
-              </p:ext>
-            </p:extLst>
-          </p:nvPr>
-        </p:nvGraphicFramePr>
-        <p:xfrm>
-          <a:off x="5643222" y="3942621"/>
-          <a:ext cx="1088474" cy="1238379"/>
-        </p:xfrm>
-        <a:graphic>
-          <a:graphicData uri="http://schemas.openxmlformats.org/presentationml/2006/ole">
-            <mc:AlternateContent xmlns:mc="http://schemas.openxmlformats.org/markup-compatibility/2006">
-              <mc:Choice xmlns:v="urn:schemas-microsoft-com:vml" Requires="v">
-                <p:oleObj spid="_x0000_s1115" name="CorelDRAW" r:id="rId9" imgW="2869611" imgH="3265201" progId="CorelDraw.Graphic.19">
-                  <p:embed/>
-                </p:oleObj>
-              </mc:Choice>
-              <mc:Fallback>
-                <p:oleObj name="CorelDRAW" r:id="rId9" imgW="2869611" imgH="3265201" progId="CorelDraw.Graphic.19">
-                  <p:embed/>
-                  <p:pic>
-                    <p:nvPicPr>
-                      <p:cNvPr id="0" name=""/>
-                      <p:cNvPicPr/>
-                      <p:nvPr/>
-                    </p:nvPicPr>
-                    <p:blipFill>
-                      <a:blip r:embed="rId10"/>
-                      <a:stretch>
-                        <a:fillRect/>
-                      </a:stretch>
-                    </p:blipFill>
-                    <p:spPr>
-                      <a:xfrm>
-                        <a:off x="5643222" y="3942621"/>
-                        <a:ext cx="1088474" cy="1238379"/>
-                      </a:xfrm>
-                      <a:prstGeom prst="rect">
-                        <a:avLst/>
-                      </a:prstGeom>
-                    </p:spPr>
-                  </p:pic>
-                </p:oleObj>
-              </mc:Fallback>
-            </mc:AlternateContent>
-          </a:graphicData>
-        </a:graphic>
-      </p:graphicFrame>
       <p:sp>
         <p:nvSpPr>
           <p:cNvPr id="6" name="Прямоугольник 5"/>
@@ -8088,7 +8007,7 @@
             <a:r>
               <a:rPr lang="en-US" sz="1400" dirty="0" smtClean="0">
                 <a:latin typeface="Orbitron" panose="02000000000000000000" pitchFamily="2" charset="0"/>
-                <a:hlinkClick r:id="rId11"/>
+                <a:hlinkClick r:id="rId8"/>
               </a:rPr>
               <a:t>WWW.iACTUATOR.RU</a:t>
             </a:r>
@@ -8107,7 +8026,7 @@
             <a:r>
               <a:rPr lang="en-US" dirty="0" smtClean="0">
                 <a:latin typeface="+mj-lt"/>
-                <a:hlinkClick r:id="rId12"/>
+                <a:hlinkClick r:id="rId9"/>
               </a:rPr>
               <a:t>info@iactuator.ru</a:t>
             </a:r>
@@ -8126,7 +8045,7 @@
           <p:nvPr/>
         </p:nvPicPr>
         <p:blipFill rotWithShape="1">
-          <a:blip r:embed="rId13" cstate="print">
+          <a:blip r:embed="rId10" cstate="print">
             <a:extLst>
               <a:ext uri="{28A0092B-C50C-407E-A947-70E740481C1C}">
                 <a14:useLocalDpi xmlns:a14="http://schemas.microsoft.com/office/drawing/2010/main" val="0"/>
@@ -8155,7 +8074,7 @@
           <p:nvPr/>
         </p:nvPicPr>
         <p:blipFill rotWithShape="1">
-          <a:blip r:embed="rId13" cstate="print">
+          <a:blip r:embed="rId10" cstate="print">
             <a:extLst>
               <a:ext uri="{28A0092B-C50C-407E-A947-70E740481C1C}">
                 <a14:useLocalDpi xmlns:a14="http://schemas.microsoft.com/office/drawing/2010/main" val="0"/>
@@ -8316,14 +8235,14 @@
                   <a:srgbClr val="3D85C6"/>
                 </a:solidFill>
                 <a:latin typeface="Century Gothic" panose="020B0502020202020204" pitchFamily="34" charset="0"/>
-                <a:hlinkClick r:id="rId14"/>
+                <a:hlinkClick r:id="rId11"/>
               </a:rPr>
               <a:t>→ </a:t>
             </a:r>
             <a:r>
               <a:rPr lang="ru-RU" sz="1400" dirty="0" smtClean="0">
                 <a:latin typeface="+mj-lt"/>
-                <a:hlinkClick r:id="rId14"/>
+                <a:hlinkClick r:id="rId11"/>
               </a:rPr>
               <a:t>ПОДРОБНЕЕ </a:t>
             </a:r>
@@ -8473,7 +8392,7 @@
           <p:nvPr/>
         </p:nvPicPr>
         <p:blipFill>
-          <a:blip r:embed="rId15" cstate="print">
+          <a:blip r:embed="rId12" cstate="print">
             <a:extLst>
               <a:ext uri="{28A0092B-C50C-407E-A947-70E740481C1C}">
                 <a14:useLocalDpi xmlns:a14="http://schemas.microsoft.com/office/drawing/2010/main" val="0"/>
@@ -8494,6 +8413,75 @@
           </a:prstGeom>
         </p:spPr>
       </p:pic>
+      <p:sp>
+        <p:nvSpPr>
+          <p:cNvPr id="8" name="Прямоугольник 7"/>
+          <p:cNvSpPr/>
+          <p:nvPr/>
+        </p:nvSpPr>
+        <p:spPr>
+          <a:xfrm>
+            <a:off x="5370671" y="3332110"/>
+            <a:ext cx="1502886" cy="2246769"/>
+          </a:xfrm>
+          <a:prstGeom prst="rect">
+            <a:avLst/>
+          </a:prstGeom>
+        </p:spPr>
+        <p:txBody>
+          <a:bodyPr wrap="square">
+            <a:spAutoFit/>
+          </a:bodyPr>
+          <a:lstStyle/>
+          <a:p>
+            <a:r>
+              <a:rPr lang="en-US" sz="14000" dirty="0">
+                <a:solidFill>
+                  <a:schemeClr val="accent1"/>
+                </a:solidFill>
+                <a:latin typeface="Orbitron" panose="02000000000000000000" pitchFamily="2" charset="0"/>
+              </a:rPr>
+              <a:t>A</a:t>
+            </a:r>
+            <a:endParaRPr lang="ru-RU" sz="14000" dirty="0">
+              <a:solidFill>
+                <a:schemeClr val="accent1"/>
+              </a:solidFill>
+            </a:endParaRPr>
+          </a:p>
+        </p:txBody>
+      </p:sp>
+      <p:sp>
+        <p:nvSpPr>
+          <p:cNvPr id="9" name="Прямоугольник 8"/>
+          <p:cNvSpPr/>
+          <p:nvPr/>
+        </p:nvSpPr>
+        <p:spPr>
+          <a:xfrm>
+            <a:off x="5484282" y="5084498"/>
+            <a:ext cx="1438214" cy="230832"/>
+          </a:xfrm>
+          <a:prstGeom prst="rect">
+            <a:avLst/>
+          </a:prstGeom>
+        </p:spPr>
+        <p:txBody>
+          <a:bodyPr wrap="none">
+            <a:spAutoFit/>
+          </a:bodyPr>
+          <a:lstStyle/>
+          <a:p>
+            <a:r>
+              <a:rPr lang="en-US" sz="900" dirty="0" smtClean="0">
+                <a:latin typeface="Orbitron" panose="02000000000000000000" pitchFamily="2" charset="0"/>
+              </a:rPr>
+              <a:t>ROBOT ACTUATOR</a:t>
+            </a:r>
+            <a:endParaRPr lang="ru-RU" sz="900" dirty="0"/>
+          </a:p>
+        </p:txBody>
+      </p:sp>
     </p:spTree>
     <p:extLst>
       <p:ext uri="{BB962C8B-B14F-4D97-AF65-F5344CB8AC3E}">

--- a/actuator.pptx
+++ b/actuator.pptx
@@ -4070,7 +4070,7 @@
         </p:nvCxnSpPr>
         <p:spPr>
           <a:xfrm flipH="1">
-            <a:off x="7353003" y="3248474"/>
+            <a:off x="7365703" y="3248474"/>
             <a:ext cx="559098" cy="1363"/>
           </a:xfrm>
           <a:prstGeom prst="line">

--- a/actuator.pptx
+++ b/actuator.pptx
@@ -3344,7 +3344,7 @@
         </p:nvCxnSpPr>
         <p:spPr>
           <a:xfrm flipV="1">
-            <a:off x="7353003" y="849073"/>
+            <a:off x="7340303" y="849073"/>
             <a:ext cx="596157" cy="1047179"/>
           </a:xfrm>
           <a:prstGeom prst="line">
@@ -3374,7 +3374,7 @@
         </p:nvCxnSpPr>
         <p:spPr>
           <a:xfrm flipV="1">
-            <a:off x="7393765" y="2133988"/>
+            <a:off x="7419165" y="2083188"/>
             <a:ext cx="647700" cy="410146"/>
           </a:xfrm>
           <a:prstGeom prst="line">
@@ -3597,7 +3597,7 @@
         </p:nvCxnSpPr>
         <p:spPr>
           <a:xfrm flipH="1">
-            <a:off x="4268970" y="4555166"/>
+            <a:off x="4268970" y="4542466"/>
             <a:ext cx="965497" cy="889000"/>
           </a:xfrm>
           <a:prstGeom prst="line">
@@ -4211,7 +4211,7 @@
         </p:nvCxnSpPr>
         <p:spPr>
           <a:xfrm>
-            <a:off x="7503633" y="4531992"/>
+            <a:off x="7490933" y="4519292"/>
             <a:ext cx="606993" cy="285588"/>
           </a:xfrm>
           <a:prstGeom prst="line">
@@ -4420,7 +4420,7 @@
         </p:nvSpPr>
         <p:spPr>
           <a:xfrm>
-            <a:off x="8047129" y="3159587"/>
+            <a:off x="8047129" y="3258846"/>
             <a:ext cx="3250890" cy="707886"/>
           </a:xfrm>
           <a:prstGeom prst="rect">
@@ -4502,7 +4502,7 @@
         </p:nvCxnSpPr>
         <p:spPr>
           <a:xfrm flipV="1">
-            <a:off x="7558817" y="4292600"/>
+            <a:off x="7571517" y="4292600"/>
             <a:ext cx="461382" cy="2748"/>
           </a:xfrm>
           <a:prstGeom prst="line">
@@ -4770,7 +4770,7 @@
         </p:nvCxnSpPr>
         <p:spPr>
           <a:xfrm flipV="1">
-            <a:off x="7327900" y="927542"/>
+            <a:off x="7353300" y="914842"/>
             <a:ext cx="596157" cy="962542"/>
           </a:xfrm>
           <a:prstGeom prst="line">
@@ -4960,7 +4960,7 @@
         </p:nvCxnSpPr>
         <p:spPr>
           <a:xfrm flipH="1">
-            <a:off x="3905360" y="4604409"/>
+            <a:off x="3905360" y="4591709"/>
             <a:ext cx="1708040" cy="1234699"/>
           </a:xfrm>
           <a:prstGeom prst="line">
@@ -5083,7 +5083,7 @@
         </p:nvCxnSpPr>
         <p:spPr>
           <a:xfrm>
-            <a:off x="7366743" y="3540177"/>
+            <a:off x="7366743" y="3578277"/>
             <a:ext cx="596157" cy="0"/>
           </a:xfrm>
           <a:prstGeom prst="line">
@@ -7990,7 +7990,7 @@
         </p:nvSpPr>
         <p:spPr>
           <a:xfrm>
-            <a:off x="5068075" y="5526281"/>
+            <a:off x="5004984" y="5618614"/>
             <a:ext cx="2396810" cy="861774"/>
           </a:xfrm>
           <a:prstGeom prst="rect">

--- a/actuator.pptx
+++ b/actuator.pptx
@@ -3497,7 +3497,7 @@
         </p:nvCxnSpPr>
         <p:spPr>
           <a:xfrm flipH="1">
-            <a:off x="7353003" y="3248474"/>
+            <a:off x="7358979" y="3248474"/>
             <a:ext cx="559098" cy="1363"/>
           </a:xfrm>
           <a:prstGeom prst="line">
@@ -3784,7 +3784,7 @@
         </p:nvCxnSpPr>
         <p:spPr>
           <a:xfrm flipH="1">
-            <a:off x="4254203" y="3249837"/>
+            <a:off x="4261027" y="3249837"/>
             <a:ext cx="559098" cy="1363"/>
           </a:xfrm>
           <a:prstGeom prst="line">
@@ -3883,7 +3883,7 @@
         </p:nvCxnSpPr>
         <p:spPr>
           <a:xfrm flipH="1" flipV="1">
-            <a:off x="4355803" y="1072634"/>
+            <a:off x="4355803" y="1086282"/>
             <a:ext cx="952501" cy="490036"/>
           </a:xfrm>
           <a:prstGeom prst="line">
@@ -3908,14 +3908,12 @@
       <p:cxnSp>
         <p:nvCxnSpPr>
           <p:cNvPr id="44" name="Прямая соединительная линия 43"/>
-          <p:cNvCxnSpPr>
-            <a:endCxn id="18" idx="1"/>
-          </p:cNvCxnSpPr>
+          <p:cNvCxnSpPr/>
           <p:nvPr/>
         </p:nvCxnSpPr>
         <p:spPr>
           <a:xfrm flipV="1">
-            <a:off x="7334473" y="855731"/>
+            <a:off x="7341297" y="855731"/>
             <a:ext cx="691184" cy="1042919"/>
           </a:xfrm>
           <a:prstGeom prst="line">
@@ -4148,7 +4146,7 @@
         </p:nvCxnSpPr>
         <p:spPr>
           <a:xfrm flipH="1">
-            <a:off x="4432485" y="4642262"/>
+            <a:off x="4418837" y="4649086"/>
             <a:ext cx="1322684" cy="677436"/>
           </a:xfrm>
           <a:prstGeom prst="line">
@@ -4211,7 +4209,7 @@
         </p:nvCxnSpPr>
         <p:spPr>
           <a:xfrm>
-            <a:off x="7490933" y="4519292"/>
+            <a:off x="7490933" y="4531244"/>
             <a:ext cx="606993" cy="285588"/>
           </a:xfrm>
           <a:prstGeom prst="line">
@@ -4335,7 +4333,7 @@
         </p:nvCxnSpPr>
         <p:spPr>
           <a:xfrm flipH="1">
-            <a:off x="3652559" y="4164976"/>
+            <a:off x="3658535" y="4164976"/>
             <a:ext cx="1114252" cy="578086"/>
           </a:xfrm>
           <a:prstGeom prst="line">
@@ -4502,7 +4500,7 @@
         </p:nvCxnSpPr>
         <p:spPr>
           <a:xfrm flipV="1">
-            <a:off x="7571517" y="4292600"/>
+            <a:off x="7564693" y="4292600"/>
             <a:ext cx="461382" cy="2748"/>
           </a:xfrm>
           <a:prstGeom prst="line">
@@ -4567,7 +4565,7 @@
         </p:nvCxnSpPr>
         <p:spPr>
           <a:xfrm flipH="1">
-            <a:off x="4275469" y="3602976"/>
+            <a:off x="4281445" y="3602976"/>
             <a:ext cx="559098" cy="1363"/>
           </a:xfrm>
           <a:prstGeom prst="line">
@@ -4770,7 +4768,7 @@
         </p:nvCxnSpPr>
         <p:spPr>
           <a:xfrm flipV="1">
-            <a:off x="7353300" y="914842"/>
+            <a:off x="7346476" y="921666"/>
             <a:ext cx="596157" cy="962542"/>
           </a:xfrm>
           <a:prstGeom prst="line">
@@ -4800,7 +4798,7 @@
         </p:nvCxnSpPr>
         <p:spPr>
           <a:xfrm flipV="1">
-            <a:off x="7412964" y="2133988"/>
+            <a:off x="7418940" y="2133988"/>
             <a:ext cx="581835" cy="365547"/>
           </a:xfrm>
           <a:prstGeom prst="line">
@@ -5083,7 +5081,7 @@
         </p:nvCxnSpPr>
         <p:spPr>
           <a:xfrm>
-            <a:off x="7366743" y="3578277"/>
+            <a:off x="7359919" y="3578277"/>
             <a:ext cx="596157" cy="0"/>
           </a:xfrm>
           <a:prstGeom prst="line">

--- a/actuator.pptx
+++ b/actuator.pptx
@@ -3913,7 +3913,7 @@
         </p:nvCxnSpPr>
         <p:spPr>
           <a:xfrm flipV="1">
-            <a:off x="7341297" y="855731"/>
+            <a:off x="7346613" y="861047"/>
             <a:ext cx="691184" cy="1042919"/>
           </a:xfrm>
           <a:prstGeom prst="line">
@@ -5906,76 +5906,66 @@
               <a:t>• </a:t>
             </a:r>
             <a:r>
-              <a:rPr lang="ru-RU" dirty="0" err="1" smtClean="0">
-                <a:latin typeface="+mj-lt"/>
-              </a:rPr>
+              <a:rPr lang="ru-RU" dirty="0" err="1"/>
+              <a:t>Taski</a:t>
+            </a:r>
+            <a:r>
+              <a:rPr lang="ru-RU" dirty="0"/>
+              <a:t> </a:t>
+            </a:r>
+            <a:r>
+              <a:rPr lang="ru-RU" dirty="0" err="1"/>
+              <a:t>Swingobot</a:t>
+            </a:r>
+            <a:r>
+              <a:rPr lang="ru-RU" dirty="0"/>
+              <a:t> 1650 </a:t>
+            </a:r>
+            <a:r>
+              <a:rPr lang="ru-RU" dirty="0" smtClean="0">
+                <a:latin typeface="+mj-lt"/>
+              </a:rPr>
+              <a:t>(</a:t>
+            </a:r>
+            <a:r>
+              <a:rPr lang="ru-RU" dirty="0" err="1" smtClean="0"/>
               <a:t>Intel</a:t>
             </a:r>
             <a:r>
+              <a:rPr lang="ru-RU" dirty="0" smtClean="0"/>
+              <a:t> </a:t>
+            </a:r>
+            <a:r>
+              <a:rPr lang="ru-RU" dirty="0" err="1"/>
+              <a:t>lib</a:t>
+            </a:r>
+            <a:r>
+              <a:rPr lang="ru-RU" dirty="0"/>
+              <a:t> </a:t>
+            </a:r>
+            <a:r>
+              <a:rPr lang="ru-RU" dirty="0" err="1"/>
+              <a:t>or</a:t>
+            </a:r>
+            <a:r>
+              <a:rPr lang="ru-RU" dirty="0"/>
+              <a:t> </a:t>
+            </a:r>
+            <a:r>
+              <a:rPr lang="ru-RU" dirty="0" err="1"/>
+              <a:t>Robotics</a:t>
+            </a:r>
+            <a:r>
               <a:rPr lang="ru-RU" dirty="0" smtClean="0">
                 <a:latin typeface="+mj-lt"/>
               </a:rPr>
-              <a:t> </a:t>
-            </a:r>
-            <a:r>
-              <a:rPr lang="ru-RU" dirty="0" err="1">
-                <a:latin typeface="+mj-lt"/>
-              </a:rPr>
-              <a:t>lib</a:t>
+              <a:t>), </a:t>
             </a:r>
             <a:r>
               <a:rPr lang="ru-RU" dirty="0">
                 <a:latin typeface="+mj-lt"/>
               </a:rPr>
-              <a:t> </a:t>
-            </a:r>
-            <a:r>
-              <a:rPr lang="ru-RU" dirty="0" err="1">
-                <a:latin typeface="+mj-lt"/>
-              </a:rPr>
-              <a:t>or</a:t>
-            </a:r>
-            <a:r>
-              <a:rPr lang="ru-RU" dirty="0">
-                <a:latin typeface="+mj-lt"/>
-              </a:rPr>
-              <a:t> </a:t>
-            </a:r>
-            <a:r>
-              <a:rPr lang="ru-RU" dirty="0" err="1">
-                <a:latin typeface="+mj-lt"/>
-              </a:rPr>
-              <a:t>Robotics</a:t>
-            </a:r>
-            <a:r>
-              <a:rPr lang="ru-RU" dirty="0">
-                <a:latin typeface="+mj-lt"/>
-              </a:rPr>
-              <a:t> (</a:t>
-            </a:r>
-            <a:r>
-              <a:rPr lang="ru-RU" dirty="0" err="1">
-                <a:latin typeface="+mj-lt"/>
-              </a:rPr>
-              <a:t>Taski</a:t>
-            </a:r>
-            <a:r>
-              <a:rPr lang="ru-RU" dirty="0">
-                <a:latin typeface="+mj-lt"/>
-              </a:rPr>
-              <a:t> </a:t>
-            </a:r>
-            <a:r>
-              <a:rPr lang="ru-RU" dirty="0" err="1">
-                <a:latin typeface="+mj-lt"/>
-              </a:rPr>
-              <a:t>Swingobot</a:t>
-            </a:r>
-            <a:r>
-              <a:rPr lang="ru-RU" dirty="0">
-                <a:latin typeface="+mj-lt"/>
-              </a:rPr>
-              <a:t> 1650), США. Рыночная цена: $30 тыс. (фаза разработок и начало внедрения</a:t>
+              <a:t>США. Рыночная цена: $30 тыс. (фаза разработок и начало внедрения</a:t>
             </a:r>
             <a:r>
               <a:rPr lang="ru-RU" dirty="0" smtClean="0">

--- a/actuator.pptx
+++ b/actuator.pptx
@@ -3085,16 +3085,16 @@
               <a:t>РОБОТИЗИРОВАННЫЙ </a:t>
             </a:r>
             <a:r>
-              <a:rPr lang="en-US" sz="1600" dirty="0" smtClean="0">
-                <a:latin typeface="+mj-lt"/>
-              </a:rPr>
-              <a:t> </a:t>
-            </a:r>
-            <a:r>
               <a:rPr lang="ru-RU" sz="1600" dirty="0" smtClean="0">
                 <a:latin typeface="+mj-lt"/>
               </a:rPr>
-              <a:t>МНОГОЦЕЛЕВОЙ КОМПЛЕКС</a:t>
+              <a:t>МНОГОЦЕЛЕВОЙ </a:t>
+            </a:r>
+            <a:r>
+              <a:rPr lang="ru-RU" sz="1600" dirty="0" smtClean="0">
+                <a:latin typeface="+mj-lt"/>
+              </a:rPr>
+              <a:t>КОМПЛЕКС</a:t>
             </a:r>
             <a:r>
               <a:rPr lang="en-US" sz="1600" dirty="0" smtClean="0">

--- a/actuator.pptx
+++ b/actuator.pptx
@@ -251,7 +251,7 @@
           <a:p>
             <a:fld id="{1411AD4A-142D-49F5-BC1E-BE60D7E78DA5}" type="datetimeFigureOut">
               <a:rPr lang="ru-RU" smtClean="0"/>
-              <a:t>08.02.2020</a:t>
+              <a:t>09.02.2020</a:t>
             </a:fld>
             <a:endParaRPr lang="ru-RU"/>
           </a:p>
@@ -421,7 +421,7 @@
           <a:p>
             <a:fld id="{1411AD4A-142D-49F5-BC1E-BE60D7E78DA5}" type="datetimeFigureOut">
               <a:rPr lang="ru-RU" smtClean="0"/>
-              <a:t>08.02.2020</a:t>
+              <a:t>09.02.2020</a:t>
             </a:fld>
             <a:endParaRPr lang="ru-RU"/>
           </a:p>
@@ -601,7 +601,7 @@
           <a:p>
             <a:fld id="{1411AD4A-142D-49F5-BC1E-BE60D7E78DA5}" type="datetimeFigureOut">
               <a:rPr lang="ru-RU" smtClean="0"/>
-              <a:t>08.02.2020</a:t>
+              <a:t>09.02.2020</a:t>
             </a:fld>
             <a:endParaRPr lang="ru-RU"/>
           </a:p>
@@ -771,7 +771,7 @@
           <a:p>
             <a:fld id="{1411AD4A-142D-49F5-BC1E-BE60D7E78DA5}" type="datetimeFigureOut">
               <a:rPr lang="ru-RU" smtClean="0"/>
-              <a:t>08.02.2020</a:t>
+              <a:t>09.02.2020</a:t>
             </a:fld>
             <a:endParaRPr lang="ru-RU"/>
           </a:p>
@@ -1017,7 +1017,7 @@
           <a:p>
             <a:fld id="{1411AD4A-142D-49F5-BC1E-BE60D7E78DA5}" type="datetimeFigureOut">
               <a:rPr lang="ru-RU" smtClean="0"/>
-              <a:t>08.02.2020</a:t>
+              <a:t>09.02.2020</a:t>
             </a:fld>
             <a:endParaRPr lang="ru-RU"/>
           </a:p>
@@ -1249,7 +1249,7 @@
           <a:p>
             <a:fld id="{1411AD4A-142D-49F5-BC1E-BE60D7E78DA5}" type="datetimeFigureOut">
               <a:rPr lang="ru-RU" smtClean="0"/>
-              <a:t>08.02.2020</a:t>
+              <a:t>09.02.2020</a:t>
             </a:fld>
             <a:endParaRPr lang="ru-RU"/>
           </a:p>
@@ -1616,7 +1616,7 @@
           <a:p>
             <a:fld id="{1411AD4A-142D-49F5-BC1E-BE60D7E78DA5}" type="datetimeFigureOut">
               <a:rPr lang="ru-RU" smtClean="0"/>
-              <a:t>08.02.2020</a:t>
+              <a:t>09.02.2020</a:t>
             </a:fld>
             <a:endParaRPr lang="ru-RU"/>
           </a:p>
@@ -1734,7 +1734,7 @@
           <a:p>
             <a:fld id="{1411AD4A-142D-49F5-BC1E-BE60D7E78DA5}" type="datetimeFigureOut">
               <a:rPr lang="ru-RU" smtClean="0"/>
-              <a:t>08.02.2020</a:t>
+              <a:t>09.02.2020</a:t>
             </a:fld>
             <a:endParaRPr lang="ru-RU"/>
           </a:p>
@@ -1829,7 +1829,7 @@
           <a:p>
             <a:fld id="{1411AD4A-142D-49F5-BC1E-BE60D7E78DA5}" type="datetimeFigureOut">
               <a:rPr lang="ru-RU" smtClean="0"/>
-              <a:t>08.02.2020</a:t>
+              <a:t>09.02.2020</a:t>
             </a:fld>
             <a:endParaRPr lang="ru-RU"/>
           </a:p>
@@ -2106,7 +2106,7 @@
           <a:p>
             <a:fld id="{1411AD4A-142D-49F5-BC1E-BE60D7E78DA5}" type="datetimeFigureOut">
               <a:rPr lang="ru-RU" smtClean="0"/>
-              <a:t>08.02.2020</a:t>
+              <a:t>09.02.2020</a:t>
             </a:fld>
             <a:endParaRPr lang="ru-RU"/>
           </a:p>
@@ -2359,7 +2359,7 @@
           <a:p>
             <a:fld id="{1411AD4A-142D-49F5-BC1E-BE60D7E78DA5}" type="datetimeFigureOut">
               <a:rPr lang="ru-RU" smtClean="0"/>
-              <a:t>08.02.2020</a:t>
+              <a:t>09.02.2020</a:t>
             </a:fld>
             <a:endParaRPr lang="ru-RU"/>
           </a:p>
@@ -2572,7 +2572,7 @@
           <a:p>
             <a:fld id="{1411AD4A-142D-49F5-BC1E-BE60D7E78DA5}" type="datetimeFigureOut">
               <a:rPr lang="ru-RU" smtClean="0"/>
-              <a:t>08.02.2020</a:t>
+              <a:t>09.02.2020</a:t>
             </a:fld>
             <a:endParaRPr lang="ru-RU"/>
           </a:p>
@@ -3082,19 +3082,7 @@
               <a:rPr lang="ru-RU" sz="1600" dirty="0" smtClean="0">
                 <a:latin typeface="+mj-lt"/>
               </a:rPr>
-              <a:t>РОБОТИЗИРОВАННЫЙ </a:t>
-            </a:r>
-            <a:r>
-              <a:rPr lang="ru-RU" sz="1600" dirty="0" smtClean="0">
-                <a:latin typeface="+mj-lt"/>
-              </a:rPr>
-              <a:t>МНОГОЦЕЛЕВОЙ </a:t>
-            </a:r>
-            <a:r>
-              <a:rPr lang="ru-RU" sz="1600" dirty="0" smtClean="0">
-                <a:latin typeface="+mj-lt"/>
-              </a:rPr>
-              <a:t>КОМПЛЕКС</a:t>
+              <a:t>РОБОТИЗИРОВАННЫЙ МНОГОЦЕЛЕВОЙ КОМПЛЕКС</a:t>
             </a:r>
             <a:r>
               <a:rPr lang="en-US" sz="1600" dirty="0" smtClean="0">
@@ -3723,7 +3711,7 @@
         </p:nvSpPr>
         <p:spPr>
           <a:xfrm>
-            <a:off x="8025657" y="671065"/>
+            <a:off x="7966795" y="679504"/>
             <a:ext cx="3579570" cy="369332"/>
           </a:xfrm>
           <a:prstGeom prst="rect">
@@ -3913,8 +3901,8 @@
         </p:nvCxnSpPr>
         <p:spPr>
           <a:xfrm flipV="1">
-            <a:off x="7346613" y="861047"/>
-            <a:ext cx="691184" cy="1042919"/>
+            <a:off x="7346613" y="1048836"/>
+            <a:ext cx="620182" cy="855131"/>
           </a:xfrm>
           <a:prstGeom prst="line">
             <a:avLst/>
@@ -3938,13 +3926,15 @@
       <p:cxnSp>
         <p:nvCxnSpPr>
           <p:cNvPr id="46" name="Прямая соединительная линия 45"/>
-          <p:cNvCxnSpPr/>
+          <p:cNvCxnSpPr>
+            <a:endCxn id="19" idx="1"/>
+          </p:cNvCxnSpPr>
           <p:nvPr/>
         </p:nvCxnSpPr>
         <p:spPr>
           <a:xfrm flipV="1">
-            <a:off x="7361866" y="2187153"/>
-            <a:ext cx="647700" cy="410146"/>
+            <a:off x="7361866" y="2174929"/>
+            <a:ext cx="604929" cy="422370"/>
           </a:xfrm>
           <a:prstGeom prst="line">
             <a:avLst/>
@@ -4210,7 +4200,7 @@
         <p:spPr>
           <a:xfrm>
             <a:off x="7490933" y="4531244"/>
-            <a:ext cx="606993" cy="285588"/>
+            <a:ext cx="475862" cy="117842"/>
           </a:xfrm>
           <a:prstGeom prst="line">
             <a:avLst/>
@@ -4239,7 +4229,7 @@
         </p:nvSpPr>
         <p:spPr>
           <a:xfrm>
-            <a:off x="8099993" y="4611648"/>
+            <a:off x="8009566" y="4464420"/>
             <a:ext cx="3050194" cy="369332"/>
           </a:xfrm>
           <a:prstGeom prst="rect">

--- a/actuator.pptx
+++ b/actuator.pptx
@@ -3332,7 +3332,7 @@
         </p:nvCxnSpPr>
         <p:spPr>
           <a:xfrm flipV="1">
-            <a:off x="7340303" y="849073"/>
+            <a:off x="7353003" y="849073"/>
             <a:ext cx="596157" cy="1047179"/>
           </a:xfrm>
           <a:prstGeom prst="line">
@@ -3711,7 +3711,7 @@
         </p:nvSpPr>
         <p:spPr>
           <a:xfrm>
-            <a:off x="7966795" y="679504"/>
+            <a:off x="7975600" y="679504"/>
             <a:ext cx="3579570" cy="369332"/>
           </a:xfrm>
           <a:prstGeom prst="rect">
@@ -3871,7 +3871,7 @@
         </p:nvCxnSpPr>
         <p:spPr>
           <a:xfrm flipH="1" flipV="1">
-            <a:off x="4355803" y="1086282"/>
+            <a:off x="4343103" y="1073582"/>
             <a:ext cx="952501" cy="490036"/>
           </a:xfrm>
           <a:prstGeom prst="line">
@@ -4353,7 +4353,7 @@
         </p:nvSpPr>
         <p:spPr>
           <a:xfrm>
-            <a:off x="7924057" y="594865"/>
+            <a:off x="8000775" y="594865"/>
             <a:ext cx="3899644" cy="707886"/>
           </a:xfrm>
           <a:prstGeom prst="rect">
@@ -4520,7 +4520,7 @@
         </p:nvSpPr>
         <p:spPr>
           <a:xfrm>
-            <a:off x="7975600" y="1898649"/>
+            <a:off x="8000775" y="1902324"/>
             <a:ext cx="3060453" cy="538609"/>
           </a:xfrm>
           <a:prstGeom prst="rect">
@@ -4728,7 +4728,7 @@
         </p:nvCxnSpPr>
         <p:spPr>
           <a:xfrm flipH="1" flipV="1">
-            <a:off x="4355803" y="887506"/>
+            <a:off x="4355803" y="874806"/>
             <a:ext cx="952500" cy="685800"/>
           </a:xfrm>
           <a:prstGeom prst="line">

--- a/actuator.pptx
+++ b/actuator.pptx
@@ -251,7 +251,7 @@
           <a:p>
             <a:fld id="{1411AD4A-142D-49F5-BC1E-BE60D7E78DA5}" type="datetimeFigureOut">
               <a:rPr lang="ru-RU" smtClean="0"/>
-              <a:t>09.02.2020</a:t>
+              <a:t>20.02.2020</a:t>
             </a:fld>
             <a:endParaRPr lang="ru-RU"/>
           </a:p>
@@ -421,7 +421,7 @@
           <a:p>
             <a:fld id="{1411AD4A-142D-49F5-BC1E-BE60D7E78DA5}" type="datetimeFigureOut">
               <a:rPr lang="ru-RU" smtClean="0"/>
-              <a:t>09.02.2020</a:t>
+              <a:t>20.02.2020</a:t>
             </a:fld>
             <a:endParaRPr lang="ru-RU"/>
           </a:p>
@@ -601,7 +601,7 @@
           <a:p>
             <a:fld id="{1411AD4A-142D-49F5-BC1E-BE60D7E78DA5}" type="datetimeFigureOut">
               <a:rPr lang="ru-RU" smtClean="0"/>
-              <a:t>09.02.2020</a:t>
+              <a:t>20.02.2020</a:t>
             </a:fld>
             <a:endParaRPr lang="ru-RU"/>
           </a:p>
@@ -771,7 +771,7 @@
           <a:p>
             <a:fld id="{1411AD4A-142D-49F5-BC1E-BE60D7E78DA5}" type="datetimeFigureOut">
               <a:rPr lang="ru-RU" smtClean="0"/>
-              <a:t>09.02.2020</a:t>
+              <a:t>20.02.2020</a:t>
             </a:fld>
             <a:endParaRPr lang="ru-RU"/>
           </a:p>
@@ -1017,7 +1017,7 @@
           <a:p>
             <a:fld id="{1411AD4A-142D-49F5-BC1E-BE60D7E78DA5}" type="datetimeFigureOut">
               <a:rPr lang="ru-RU" smtClean="0"/>
-              <a:t>09.02.2020</a:t>
+              <a:t>20.02.2020</a:t>
             </a:fld>
             <a:endParaRPr lang="ru-RU"/>
           </a:p>
@@ -1249,7 +1249,7 @@
           <a:p>
             <a:fld id="{1411AD4A-142D-49F5-BC1E-BE60D7E78DA5}" type="datetimeFigureOut">
               <a:rPr lang="ru-RU" smtClean="0"/>
-              <a:t>09.02.2020</a:t>
+              <a:t>20.02.2020</a:t>
             </a:fld>
             <a:endParaRPr lang="ru-RU"/>
           </a:p>
@@ -1616,7 +1616,7 @@
           <a:p>
             <a:fld id="{1411AD4A-142D-49F5-BC1E-BE60D7E78DA5}" type="datetimeFigureOut">
               <a:rPr lang="ru-RU" smtClean="0"/>
-              <a:t>09.02.2020</a:t>
+              <a:t>20.02.2020</a:t>
             </a:fld>
             <a:endParaRPr lang="ru-RU"/>
           </a:p>
@@ -1734,7 +1734,7 @@
           <a:p>
             <a:fld id="{1411AD4A-142D-49F5-BC1E-BE60D7E78DA5}" type="datetimeFigureOut">
               <a:rPr lang="ru-RU" smtClean="0"/>
-              <a:t>09.02.2020</a:t>
+              <a:t>20.02.2020</a:t>
             </a:fld>
             <a:endParaRPr lang="ru-RU"/>
           </a:p>
@@ -1829,7 +1829,7 @@
           <a:p>
             <a:fld id="{1411AD4A-142D-49F5-BC1E-BE60D7E78DA5}" type="datetimeFigureOut">
               <a:rPr lang="ru-RU" smtClean="0"/>
-              <a:t>09.02.2020</a:t>
+              <a:t>20.02.2020</a:t>
             </a:fld>
             <a:endParaRPr lang="ru-RU"/>
           </a:p>
@@ -2106,7 +2106,7 @@
           <a:p>
             <a:fld id="{1411AD4A-142D-49F5-BC1E-BE60D7E78DA5}" type="datetimeFigureOut">
               <a:rPr lang="ru-RU" smtClean="0"/>
-              <a:t>09.02.2020</a:t>
+              <a:t>20.02.2020</a:t>
             </a:fld>
             <a:endParaRPr lang="ru-RU"/>
           </a:p>
@@ -2359,7 +2359,7 @@
           <a:p>
             <a:fld id="{1411AD4A-142D-49F5-BC1E-BE60D7E78DA5}" type="datetimeFigureOut">
               <a:rPr lang="ru-RU" smtClean="0"/>
-              <a:t>09.02.2020</a:t>
+              <a:t>20.02.2020</a:t>
             </a:fld>
             <a:endParaRPr lang="ru-RU"/>
           </a:p>
@@ -2572,7 +2572,7 @@
           <a:p>
             <a:fld id="{1411AD4A-142D-49F5-BC1E-BE60D7E78DA5}" type="datetimeFigureOut">
               <a:rPr lang="ru-RU" smtClean="0"/>
-              <a:t>09.02.2020</a:t>
+              <a:t>20.02.2020</a:t>
             </a:fld>
             <a:endParaRPr lang="ru-RU"/>
           </a:p>
@@ -3014,8 +3014,8 @@
         </p:nvSpPr>
         <p:spPr>
           <a:xfrm>
-            <a:off x="190501" y="5085764"/>
-            <a:ext cx="11937999" cy="1585049"/>
+            <a:off x="165101" y="4785681"/>
+            <a:ext cx="11937999" cy="1815882"/>
           </a:xfrm>
           <a:prstGeom prst="rect">
             <a:avLst/>
@@ -3034,35 +3034,22 @@
                 </a:solidFill>
                 <a:latin typeface="Orbitron" panose="02000000000000000000" pitchFamily="2" charset="0"/>
               </a:rPr>
-              <a:t>ROBOT</a:t>
+              <a:t>ACTUATOR </a:t>
             </a:r>
             <a:r>
               <a:rPr lang="ru-RU" sz="3200" dirty="0" smtClean="0">
                 <a:solidFill>
                   <a:schemeClr val="accent1"/>
                 </a:solidFill>
-                <a:latin typeface="Orbitron" panose="02000000000000000000" pitchFamily="2" charset="0"/>
+                <a:latin typeface="+mj-lt"/>
               </a:rPr>
               <a:t> </a:t>
             </a:r>
-            <a:r>
-              <a:rPr lang="en-US" sz="3200" dirty="0" smtClean="0">
-                <a:solidFill>
-                  <a:schemeClr val="accent1"/>
-                </a:solidFill>
-                <a:latin typeface="Orbitron" panose="02000000000000000000" pitchFamily="2" charset="0"/>
-              </a:rPr>
-              <a:t>ACTUATOR </a:t>
-            </a:r>
-            <a:r>
-              <a:rPr lang="ru-RU" sz="3200" dirty="0" smtClean="0">
-                <a:solidFill>
-                  <a:schemeClr val="accent1"/>
-                </a:solidFill>
-                <a:latin typeface="+mj-lt"/>
-              </a:rPr>
-              <a:t> </a:t>
-            </a:r>
+          </a:p>
+          <a:p>
+            <a:endParaRPr lang="en-US" sz="1500" b="1" dirty="0" smtClean="0">
+              <a:latin typeface="+mj-lt"/>
+            </a:endParaRPr>
           </a:p>
           <a:p>
             <a:endParaRPr lang="ru-RU" sz="1500" b="1" dirty="0" smtClean="0">
@@ -3111,6 +3098,37 @@
             <a:endParaRPr lang="en-US" sz="1600" dirty="0" smtClean="0">
               <a:latin typeface="+mj-lt"/>
             </a:endParaRPr>
+          </a:p>
+        </p:txBody>
+      </p:sp>
+      <p:sp>
+        <p:nvSpPr>
+          <p:cNvPr id="2" name="Прямоугольник 1"/>
+          <p:cNvSpPr/>
+          <p:nvPr/>
+        </p:nvSpPr>
+        <p:spPr>
+          <a:xfrm>
+            <a:off x="1863687" y="5186624"/>
+            <a:ext cx="1124026" cy="369332"/>
+          </a:xfrm>
+          <a:prstGeom prst="rect">
+            <a:avLst/>
+          </a:prstGeom>
+        </p:spPr>
+        <p:txBody>
+          <a:bodyPr wrap="none">
+            <a:spAutoFit/>
+          </a:bodyPr>
+          <a:lstStyle/>
+          <a:p>
+            <a:r>
+              <a:rPr lang="en-US" dirty="0">
+                <a:latin typeface="Orbitron" panose="02000000000000000000" pitchFamily="2" charset="0"/>
+              </a:rPr>
+              <a:t>ROBOT</a:t>
+            </a:r>
+            <a:endParaRPr lang="ru-RU" dirty="0"/>
           </a:p>
         </p:txBody>
       </p:sp>
@@ -5984,8 +6002,29 @@
               <a:rPr lang="ru-RU" dirty="0">
                 <a:latin typeface="+mj-lt"/>
               </a:rPr>
-              <a:t>, Россия. Рыночная цена: $25 тыс. (фаза разработок и начало внедрения).</a:t>
-            </a:r>
+              <a:t>, Россия. Рыночная цена: $25 тыс. (фаза </a:t>
+            </a:r>
+            <a:r>
+              <a:rPr lang="ru-RU" dirty="0" smtClean="0">
+                <a:latin typeface="+mj-lt"/>
+              </a:rPr>
+              <a:t>разработок</a:t>
+            </a:r>
+            <a:r>
+              <a:rPr lang="en-US" dirty="0">
+                <a:latin typeface="+mj-lt"/>
+              </a:rPr>
+              <a:t> </a:t>
+            </a:r>
+            <a:r>
+              <a:rPr lang="ru-RU" dirty="0" smtClean="0">
+                <a:latin typeface="+mj-lt"/>
+              </a:rPr>
+              <a:t>прототипов).</a:t>
+            </a:r>
+            <a:endParaRPr lang="ru-RU" dirty="0">
+              <a:latin typeface="+mj-lt"/>
+            </a:endParaRPr>
           </a:p>
           <a:p>
             <a:endParaRPr lang="ru-RU" dirty="0">
@@ -6795,64 +6834,46 @@
           </a:p>
           <a:p>
             <a:r>
+              <a:rPr lang="ru-RU" sz="1600" dirty="0" smtClean="0">
+                <a:latin typeface="+mj-lt"/>
+              </a:rPr>
+              <a:t>6 </a:t>
+            </a:r>
+            <a:r>
               <a:rPr lang="ru-RU" sz="1600" dirty="0">
                 <a:latin typeface="+mj-lt"/>
               </a:rPr>
-              <a:t>О</a:t>
+              <a:t>млн. </a:t>
             </a:r>
             <a:r>
               <a:rPr lang="ru-RU" sz="1600" dirty="0" smtClean="0">
                 <a:latin typeface="+mj-lt"/>
               </a:rPr>
-              <a:t>т </a:t>
+              <a:t>рублей за 15% от проекта включая созданную в процессе разработок </a:t>
             </a:r>
             <a:r>
               <a:rPr lang="ru-RU" sz="1600" dirty="0">
                 <a:latin typeface="+mj-lt"/>
               </a:rPr>
-              <a:t>4 до 6 млн. </a:t>
+              <a:t>интеллектуальную </a:t>
             </a:r>
             <a:r>
               <a:rPr lang="ru-RU" sz="1600" dirty="0" smtClean="0">
                 <a:latin typeface="+mj-lt"/>
               </a:rPr>
-              <a:t>рублей за </a:t>
+              <a:t>собственность, конструкторскую документацию, промышленные образцы и лицензии на ПО. </a:t>
             </a:r>
             <a:r>
               <a:rPr lang="ru-RU" sz="1600" dirty="0">
                 <a:latin typeface="+mj-lt"/>
               </a:rPr>
-              <a:t>10-15</a:t>
+              <a:t>За инвестором дополнительно резервируется </a:t>
             </a:r>
             <a:r>
               <a:rPr lang="ru-RU" sz="1600" dirty="0" smtClean="0">
                 <a:latin typeface="+mj-lt"/>
               </a:rPr>
-              <a:t>% от проекта включая созданную в процессе разработок </a:t>
-            </a:r>
-            <a:r>
-              <a:rPr lang="ru-RU" sz="1600" dirty="0">
-                <a:latin typeface="+mj-lt"/>
-              </a:rPr>
-              <a:t>интеллектуальную </a:t>
-            </a:r>
-            <a:r>
-              <a:rPr lang="ru-RU" sz="1600" dirty="0" smtClean="0">
-                <a:latin typeface="+mj-lt"/>
-              </a:rPr>
-              <a:t>собственность, конструкторскую документацию, промышленные образцы и лицензии на ПО. </a:t>
-            </a:r>
-            <a:r>
-              <a:rPr lang="ru-RU" sz="1600" dirty="0">
-                <a:latin typeface="+mj-lt"/>
-              </a:rPr>
-              <a:t>За инвестором дополнительно резервируется </a:t>
-            </a:r>
-            <a:r>
-              <a:rPr lang="ru-RU" sz="1600" dirty="0" smtClean="0">
-                <a:latin typeface="+mj-lt"/>
-              </a:rPr>
-              <a:t>15-20% доля, </a:t>
+              <a:t>15% доля, </a:t>
             </a:r>
             <a:r>
               <a:rPr lang="ru-RU" sz="1600" dirty="0">

--- a/actuator.pptx
+++ b/actuator.pptx
@@ -251,7 +251,7 @@
           <a:p>
             <a:fld id="{1411AD4A-142D-49F5-BC1E-BE60D7E78DA5}" type="datetimeFigureOut">
               <a:rPr lang="ru-RU" smtClean="0"/>
-              <a:t>20.02.2020</a:t>
+              <a:t>21.02.2020</a:t>
             </a:fld>
             <a:endParaRPr lang="ru-RU"/>
           </a:p>
@@ -421,7 +421,7 @@
           <a:p>
             <a:fld id="{1411AD4A-142D-49F5-BC1E-BE60D7E78DA5}" type="datetimeFigureOut">
               <a:rPr lang="ru-RU" smtClean="0"/>
-              <a:t>20.02.2020</a:t>
+              <a:t>21.02.2020</a:t>
             </a:fld>
             <a:endParaRPr lang="ru-RU"/>
           </a:p>
@@ -601,7 +601,7 @@
           <a:p>
             <a:fld id="{1411AD4A-142D-49F5-BC1E-BE60D7E78DA5}" type="datetimeFigureOut">
               <a:rPr lang="ru-RU" smtClean="0"/>
-              <a:t>20.02.2020</a:t>
+              <a:t>21.02.2020</a:t>
             </a:fld>
             <a:endParaRPr lang="ru-RU"/>
           </a:p>
@@ -771,7 +771,7 @@
           <a:p>
             <a:fld id="{1411AD4A-142D-49F5-BC1E-BE60D7E78DA5}" type="datetimeFigureOut">
               <a:rPr lang="ru-RU" smtClean="0"/>
-              <a:t>20.02.2020</a:t>
+              <a:t>21.02.2020</a:t>
             </a:fld>
             <a:endParaRPr lang="ru-RU"/>
           </a:p>
@@ -1017,7 +1017,7 @@
           <a:p>
             <a:fld id="{1411AD4A-142D-49F5-BC1E-BE60D7E78DA5}" type="datetimeFigureOut">
               <a:rPr lang="ru-RU" smtClean="0"/>
-              <a:t>20.02.2020</a:t>
+              <a:t>21.02.2020</a:t>
             </a:fld>
             <a:endParaRPr lang="ru-RU"/>
           </a:p>
@@ -1249,7 +1249,7 @@
           <a:p>
             <a:fld id="{1411AD4A-142D-49F5-BC1E-BE60D7E78DA5}" type="datetimeFigureOut">
               <a:rPr lang="ru-RU" smtClean="0"/>
-              <a:t>20.02.2020</a:t>
+              <a:t>21.02.2020</a:t>
             </a:fld>
             <a:endParaRPr lang="ru-RU"/>
           </a:p>
@@ -1616,7 +1616,7 @@
           <a:p>
             <a:fld id="{1411AD4A-142D-49F5-BC1E-BE60D7E78DA5}" type="datetimeFigureOut">
               <a:rPr lang="ru-RU" smtClean="0"/>
-              <a:t>20.02.2020</a:t>
+              <a:t>21.02.2020</a:t>
             </a:fld>
             <a:endParaRPr lang="ru-RU"/>
           </a:p>
@@ -1734,7 +1734,7 @@
           <a:p>
             <a:fld id="{1411AD4A-142D-49F5-BC1E-BE60D7E78DA5}" type="datetimeFigureOut">
               <a:rPr lang="ru-RU" smtClean="0"/>
-              <a:t>20.02.2020</a:t>
+              <a:t>21.02.2020</a:t>
             </a:fld>
             <a:endParaRPr lang="ru-RU"/>
           </a:p>
@@ -1829,7 +1829,7 @@
           <a:p>
             <a:fld id="{1411AD4A-142D-49F5-BC1E-BE60D7E78DA5}" type="datetimeFigureOut">
               <a:rPr lang="ru-RU" smtClean="0"/>
-              <a:t>20.02.2020</a:t>
+              <a:t>21.02.2020</a:t>
             </a:fld>
             <a:endParaRPr lang="ru-RU"/>
           </a:p>
@@ -2106,7 +2106,7 @@
           <a:p>
             <a:fld id="{1411AD4A-142D-49F5-BC1E-BE60D7E78DA5}" type="datetimeFigureOut">
               <a:rPr lang="ru-RU" smtClean="0"/>
-              <a:t>20.02.2020</a:t>
+              <a:t>21.02.2020</a:t>
             </a:fld>
             <a:endParaRPr lang="ru-RU"/>
           </a:p>
@@ -2359,7 +2359,7 @@
           <a:p>
             <a:fld id="{1411AD4A-142D-49F5-BC1E-BE60D7E78DA5}" type="datetimeFigureOut">
               <a:rPr lang="ru-RU" smtClean="0"/>
-              <a:t>20.02.2020</a:t>
+              <a:t>21.02.2020</a:t>
             </a:fld>
             <a:endParaRPr lang="ru-RU"/>
           </a:p>
@@ -2572,7 +2572,7 @@
           <a:p>
             <a:fld id="{1411AD4A-142D-49F5-BC1E-BE60D7E78DA5}" type="datetimeFigureOut">
               <a:rPr lang="ru-RU" smtClean="0"/>
-              <a:t>20.02.2020</a:t>
+              <a:t>21.02.2020</a:t>
             </a:fld>
             <a:endParaRPr lang="ru-RU"/>
           </a:p>
@@ -3109,7 +3109,7 @@
         </p:nvSpPr>
         <p:spPr>
           <a:xfrm>
-            <a:off x="1863687" y="5186624"/>
+            <a:off x="165101" y="5199324"/>
             <a:ext cx="1124026" cy="369332"/>
           </a:xfrm>
           <a:prstGeom prst="rect">
@@ -8458,26 +8458,26 @@
         </p:nvSpPr>
         <p:spPr>
           <a:xfrm>
-            <a:off x="5484282" y="5084498"/>
-            <a:ext cx="1438214" cy="230832"/>
+            <a:off x="5508751" y="5096697"/>
+            <a:ext cx="1536071" cy="323165"/>
           </a:xfrm>
           <a:prstGeom prst="rect">
             <a:avLst/>
           </a:prstGeom>
         </p:spPr>
         <p:txBody>
-          <a:bodyPr wrap="none">
+          <a:bodyPr wrap="square">
             <a:spAutoFit/>
           </a:bodyPr>
           <a:lstStyle/>
           <a:p>
             <a:r>
-              <a:rPr lang="en-US" sz="900" dirty="0" smtClean="0">
+              <a:rPr lang="en-US" sz="1500" dirty="0" smtClean="0">
                 <a:latin typeface="Orbitron" panose="02000000000000000000" pitchFamily="2" charset="0"/>
               </a:rPr>
-              <a:t>ROBOT ACTUATOR</a:t>
-            </a:r>
-            <a:endParaRPr lang="ru-RU" sz="900" dirty="0"/>
+              <a:t>ACTUATOR</a:t>
+            </a:r>
+            <a:endParaRPr lang="ru-RU" sz="1500" dirty="0"/>
           </a:p>
         </p:txBody>
       </p:sp>

--- a/actuator.pptx
+++ b/actuator.pptx
@@ -8458,7 +8458,7 @@
         </p:nvSpPr>
         <p:spPr>
           <a:xfrm>
-            <a:off x="5508751" y="5096697"/>
+            <a:off x="5496051" y="5096697"/>
             <a:ext cx="1536071" cy="323165"/>
           </a:xfrm>
           <a:prstGeom prst="rect">
